--- a/Presentation/presentation_online_note_tool.pptx
+++ b/Presentation/presentation_online_note_tool.pptx
@@ -20,6 +20,7 @@
     <p:sldId id="263" r:id="rId14"/>
     <p:sldId id="262" r:id="rId15"/>
     <p:sldId id="261" r:id="rId16"/>
+    <p:sldId id="272" r:id="rId17"/>
   </p:sldIdLst>
   <p:sldSz cx="12192000" cy="6858000"/>
   <p:notesSz cx="6858000" cy="9144000"/>
@@ -1071,11 +1072,19 @@
         <a:lstStyle/>
         <a:p>
           <a:r>
-            <a:rPr lang="de-DE" sz="1600"/>
+            <a:rPr lang="de-DE" sz="1600" b="0" i="0">
+              <a:latin typeface="Roboto Light" charset="0"/>
+              <a:ea typeface="Roboto Light" charset="0"/>
+              <a:cs typeface="Roboto Light" charset="0"/>
+            </a:rPr>
             <a:t>Fabian Baechli (Product Owner</a:t>
           </a:r>
           <a:r>
-            <a:rPr lang="de-DE" sz="1800"/>
+            <a:rPr lang="de-DE" sz="1800" b="0" i="0">
+              <a:latin typeface="Roboto Light" charset="0"/>
+              <a:ea typeface="Roboto Light" charset="0"/>
+              <a:cs typeface="Roboto Light" charset="0"/>
+            </a:rPr>
             <a:t>)</a:t>
           </a:r>
         </a:p>
@@ -1111,15 +1120,27 @@
         <a:lstStyle/>
         <a:p>
           <a:r>
-            <a:rPr lang="de-DE" sz="1600" dirty="0"/>
+            <a:rPr lang="de-DE" sz="1600" b="0" i="0" dirty="0">
+              <a:latin typeface="Roboto Light" charset="0"/>
+              <a:ea typeface="Roboto Light" charset="0"/>
+              <a:cs typeface="Roboto Light" charset="0"/>
+            </a:rPr>
             <a:t>Fabrice </a:t>
           </a:r>
           <a:r>
-            <a:rPr lang="de-DE" sz="1600" dirty="0" err="1"/>
+            <a:rPr lang="de-DE" sz="1600" b="0" i="0" dirty="0" err="1">
+              <a:latin typeface="Roboto Light" charset="0"/>
+              <a:ea typeface="Roboto Light" charset="0"/>
+              <a:cs typeface="Roboto Light" charset="0"/>
+            </a:rPr>
             <a:t>Bosshard</a:t>
           </a:r>
           <a:r>
-            <a:rPr lang="de-DE" sz="1600" dirty="0"/>
+            <a:rPr lang="de-DE" sz="1600" b="0" i="0" dirty="0">
+              <a:latin typeface="Roboto Light" charset="0"/>
+              <a:ea typeface="Roboto Light" charset="0"/>
+              <a:cs typeface="Roboto Light" charset="0"/>
+            </a:rPr>
             <a:t> (Entwicklungsteam, Administration)</a:t>
           </a:r>
         </a:p>
@@ -1132,7 +1153,11 @@
         <a:bodyPr/>
         <a:lstStyle/>
         <a:p>
-          <a:endParaRPr lang="de-DE"/>
+          <a:endParaRPr lang="de-DE" b="0" i="0">
+            <a:latin typeface="Roboto Light" charset="0"/>
+            <a:ea typeface="Roboto Light" charset="0"/>
+            <a:cs typeface="Roboto Light" charset="0"/>
+          </a:endParaRPr>
         </a:p>
       </dgm:t>
     </dgm:pt>
@@ -1155,7 +1180,11 @@
         <a:lstStyle/>
         <a:p>
           <a:r>
-            <a:rPr lang="de-DE" sz="1600"/>
+            <a:rPr lang="de-DE" sz="1600" b="0" i="0" dirty="0">
+              <a:latin typeface="Roboto Light" charset="0"/>
+              <a:ea typeface="Roboto Light" charset="0"/>
+              <a:cs typeface="Roboto Light" charset="0"/>
+            </a:rPr>
             <a:t>Igor (Entwicklungsteam)</a:t>
           </a:r>
         </a:p>
@@ -1168,7 +1197,11 @@
         <a:bodyPr/>
         <a:lstStyle/>
         <a:p>
-          <a:endParaRPr lang="de-DE"/>
+          <a:endParaRPr lang="de-DE" b="0" i="0">
+            <a:latin typeface="Roboto Light" charset="0"/>
+            <a:ea typeface="Roboto Light" charset="0"/>
+            <a:cs typeface="Roboto Light" charset="0"/>
+          </a:endParaRPr>
         </a:p>
       </dgm:t>
     </dgm:pt>
@@ -1191,7 +1224,11 @@
         <a:lstStyle/>
         <a:p>
           <a:r>
-            <a:rPr lang="de-DE" sz="1600"/>
+            <a:rPr lang="de-DE" sz="1600" b="0" i="0">
+              <a:latin typeface="Roboto Light" charset="0"/>
+              <a:ea typeface="Roboto Light" charset="0"/>
+              <a:cs typeface="Roboto Light" charset="0"/>
+            </a:rPr>
             <a:t>Leonard Schuetz (Entwicklungsteam)</a:t>
           </a:r>
         </a:p>
@@ -1204,7 +1241,11 @@
         <a:bodyPr/>
         <a:lstStyle/>
         <a:p>
-          <a:endParaRPr lang="de-DE"/>
+          <a:endParaRPr lang="de-DE" b="0" i="0">
+            <a:latin typeface="Roboto Light" charset="0"/>
+            <a:ea typeface="Roboto Light" charset="0"/>
+            <a:cs typeface="Roboto Light" charset="0"/>
+          </a:endParaRPr>
         </a:p>
       </dgm:t>
     </dgm:pt>
@@ -1231,6 +1272,13 @@
         </dgm:presLayoutVars>
       </dgm:prSet>
       <dgm:spPr/>
+      <dgm:t>
+        <a:bodyPr/>
+        <a:lstStyle/>
+        <a:p>
+          <a:endParaRPr lang="en-US"/>
+        </a:p>
+      </dgm:t>
     </dgm:pt>
     <dgm:pt modelId="{A0677A2D-EF10-4573-B594-6E121764D3CB}" type="pres">
       <dgm:prSet presAssocID="{6D20A6CF-1B52-4AF0-A5F9-F6D5B0EFB2BE}" presName="hierRoot1" presStyleCnt="0">
@@ -1251,10 +1299,24 @@
         </dgm:presLayoutVars>
       </dgm:prSet>
       <dgm:spPr/>
+      <dgm:t>
+        <a:bodyPr/>
+        <a:lstStyle/>
+        <a:p>
+          <a:endParaRPr lang="en-US"/>
+        </a:p>
+      </dgm:t>
     </dgm:pt>
     <dgm:pt modelId="{BDC3F7BA-E77F-47A8-9E08-DE96A30B5ADF}" type="pres">
       <dgm:prSet presAssocID="{6D20A6CF-1B52-4AF0-A5F9-F6D5B0EFB2BE}" presName="rootConnector1" presStyleLbl="node1" presStyleIdx="0" presStyleCnt="0"/>
       <dgm:spPr/>
+      <dgm:t>
+        <a:bodyPr/>
+        <a:lstStyle/>
+        <a:p>
+          <a:endParaRPr lang="en-US"/>
+        </a:p>
+      </dgm:t>
     </dgm:pt>
     <dgm:pt modelId="{D45BAF63-25F3-496D-860E-AC4B57F117FB}" type="pres">
       <dgm:prSet presAssocID="{6D20A6CF-1B52-4AF0-A5F9-F6D5B0EFB2BE}" presName="hierChild2" presStyleCnt="0"/>
@@ -1263,6 +1325,13 @@
     <dgm:pt modelId="{60AB4EA0-962C-415E-B9DD-B2C150F3D463}" type="pres">
       <dgm:prSet presAssocID="{7D1910DA-B8EE-4C3B-AE0A-C497038BA8D4}" presName="Name37" presStyleLbl="parChTrans1D2" presStyleIdx="0" presStyleCnt="3"/>
       <dgm:spPr/>
+      <dgm:t>
+        <a:bodyPr/>
+        <a:lstStyle/>
+        <a:p>
+          <a:endParaRPr lang="en-US"/>
+        </a:p>
+      </dgm:t>
     </dgm:pt>
     <dgm:pt modelId="{B0D9E324-2AD1-441A-895D-1FD6F46B04A8}" type="pres">
       <dgm:prSet presAssocID="{7850C7F1-BFEF-4A62-838D-98F48BFDD02A}" presName="hierRoot2" presStyleCnt="0">
@@ -1283,10 +1352,24 @@
         </dgm:presLayoutVars>
       </dgm:prSet>
       <dgm:spPr/>
+      <dgm:t>
+        <a:bodyPr/>
+        <a:lstStyle/>
+        <a:p>
+          <a:endParaRPr lang="en-US"/>
+        </a:p>
+      </dgm:t>
     </dgm:pt>
     <dgm:pt modelId="{B9CD8A73-4EBA-4D1A-9711-4AE46F946800}" type="pres">
       <dgm:prSet presAssocID="{7850C7F1-BFEF-4A62-838D-98F48BFDD02A}" presName="rootConnector" presStyleLbl="node2" presStyleIdx="0" presStyleCnt="2"/>
       <dgm:spPr/>
+      <dgm:t>
+        <a:bodyPr/>
+        <a:lstStyle/>
+        <a:p>
+          <a:endParaRPr lang="en-US"/>
+        </a:p>
+      </dgm:t>
     </dgm:pt>
     <dgm:pt modelId="{49465176-C3C8-4009-9507-05A3690A4AC8}" type="pres">
       <dgm:prSet presAssocID="{7850C7F1-BFEF-4A62-838D-98F48BFDD02A}" presName="hierChild4" presStyleCnt="0"/>
@@ -1299,6 +1382,13 @@
     <dgm:pt modelId="{33D2C3BA-01D6-419F-BFD9-9C7CFB05C624}" type="pres">
       <dgm:prSet presAssocID="{2186FC62-9E22-4A5A-9E47-E17DF1636B82}" presName="Name37" presStyleLbl="parChTrans1D2" presStyleIdx="1" presStyleCnt="3"/>
       <dgm:spPr/>
+      <dgm:t>
+        <a:bodyPr/>
+        <a:lstStyle/>
+        <a:p>
+          <a:endParaRPr lang="en-US"/>
+        </a:p>
+      </dgm:t>
     </dgm:pt>
     <dgm:pt modelId="{17EC3984-ECD6-48DB-A7A2-7914E3BB38CB}" type="pres">
       <dgm:prSet presAssocID="{9D670C3D-C2F0-4CB9-8949-DC325EF161EE}" presName="hierRoot2" presStyleCnt="0">
@@ -1319,10 +1409,24 @@
         </dgm:presLayoutVars>
       </dgm:prSet>
       <dgm:spPr/>
+      <dgm:t>
+        <a:bodyPr/>
+        <a:lstStyle/>
+        <a:p>
+          <a:endParaRPr lang="en-US"/>
+        </a:p>
+      </dgm:t>
     </dgm:pt>
     <dgm:pt modelId="{CE1AD3CD-C0BD-4957-834D-67CD120A4F97}" type="pres">
       <dgm:prSet presAssocID="{9D670C3D-C2F0-4CB9-8949-DC325EF161EE}" presName="rootConnector" presStyleLbl="node2" presStyleIdx="1" presStyleCnt="2"/>
       <dgm:spPr/>
+      <dgm:t>
+        <a:bodyPr/>
+        <a:lstStyle/>
+        <a:p>
+          <a:endParaRPr lang="en-US"/>
+        </a:p>
+      </dgm:t>
     </dgm:pt>
     <dgm:pt modelId="{194D086B-130F-4764-888C-2CBC17B41FBD}" type="pres">
       <dgm:prSet presAssocID="{9D670C3D-C2F0-4CB9-8949-DC325EF161EE}" presName="hierChild4" presStyleCnt="0"/>
@@ -1339,6 +1443,13 @@
     <dgm:pt modelId="{A52E3086-2EFD-4BCE-8CB6-150E937FAA29}" type="pres">
       <dgm:prSet presAssocID="{54758FAE-0DE9-4244-A984-F59A45E247D8}" presName="Name111" presStyleLbl="parChTrans1D2" presStyleIdx="2" presStyleCnt="3"/>
       <dgm:spPr/>
+      <dgm:t>
+        <a:bodyPr/>
+        <a:lstStyle/>
+        <a:p>
+          <a:endParaRPr lang="en-US"/>
+        </a:p>
+      </dgm:t>
     </dgm:pt>
     <dgm:pt modelId="{EEE3708A-420E-4AD6-A9A3-D28AD853F5DF}" type="pres">
       <dgm:prSet presAssocID="{CD7CCB7D-47E7-4595-BCD3-4CD3BA5F4011}" presName="hierRoot3" presStyleCnt="0">
@@ -1359,10 +1470,24 @@
         </dgm:presLayoutVars>
       </dgm:prSet>
       <dgm:spPr/>
+      <dgm:t>
+        <a:bodyPr/>
+        <a:lstStyle/>
+        <a:p>
+          <a:endParaRPr lang="en-US"/>
+        </a:p>
+      </dgm:t>
     </dgm:pt>
     <dgm:pt modelId="{A8CFE193-EB90-49BA-970C-9C9221CC2D64}" type="pres">
       <dgm:prSet presAssocID="{CD7CCB7D-47E7-4595-BCD3-4CD3BA5F4011}" presName="rootConnector3" presStyleLbl="asst1" presStyleIdx="0" presStyleCnt="1"/>
       <dgm:spPr/>
+      <dgm:t>
+        <a:bodyPr/>
+        <a:lstStyle/>
+        <a:p>
+          <a:endParaRPr lang="en-US"/>
+        </a:p>
+      </dgm:t>
     </dgm:pt>
     <dgm:pt modelId="{571C0BE3-40AB-469C-81D1-EE5F43FFE8C9}" type="pres">
       <dgm:prSet presAssocID="{CD7CCB7D-47E7-4595-BCD3-4CD3BA5F4011}" presName="hierChild6" presStyleCnt="0"/>
@@ -1374,22 +1499,22 @@
     </dgm:pt>
   </dgm:ptLst>
   <dgm:cxnLst>
-    <dgm:cxn modelId="{96A78313-2E2B-7B47-B5D7-AC49F34F10A7}" type="presOf" srcId="{D0D25C11-AD8B-418C-9E5D-CE0B02AE08AA}" destId="{849894A9-D4E8-40DD-A687-C068304E9F6A}" srcOrd="0" destOrd="0" presId="urn:microsoft.com/office/officeart/2005/8/layout/orgChart1"/>
-    <dgm:cxn modelId="{6C200A14-791B-A548-8EAC-40A4838C9698}" type="presOf" srcId="{7850C7F1-BFEF-4A62-838D-98F48BFDD02A}" destId="{828E383C-85BF-4294-965A-EDBFF4EEAAD6}" srcOrd="0" destOrd="0" presId="urn:microsoft.com/office/officeart/2005/8/layout/orgChart1"/>
+    <dgm:cxn modelId="{99FCA44E-C4B0-A243-BBE7-C29E628257B8}" type="presOf" srcId="{CD7CCB7D-47E7-4595-BCD3-4CD3BA5F4011}" destId="{A8CFE193-EB90-49BA-970C-9C9221CC2D64}" srcOrd="1" destOrd="0" presId="urn:microsoft.com/office/officeart/2005/8/layout/orgChart1"/>
+    <dgm:cxn modelId="{3A95F5C6-7DC0-6D4F-9603-62DFD826DF58}" type="presOf" srcId="{6D20A6CF-1B52-4AF0-A5F9-F6D5B0EFB2BE}" destId="{1A893771-28AD-437D-A3CB-A6B4D552559D}" srcOrd="0" destOrd="0" presId="urn:microsoft.com/office/officeart/2005/8/layout/orgChart1"/>
+    <dgm:cxn modelId="{9B5CAD70-0E4D-5341-A588-4C8FC9DA1DB5}" type="presOf" srcId="{7850C7F1-BFEF-4A62-838D-98F48BFDD02A}" destId="{B9CD8A73-4EBA-4D1A-9711-4AE46F946800}" srcOrd="1" destOrd="0" presId="urn:microsoft.com/office/officeart/2005/8/layout/orgChart1"/>
+    <dgm:cxn modelId="{C3AB13F4-D419-496D-85DE-385BF926A955}" srcId="{D0D25C11-AD8B-418C-9E5D-CE0B02AE08AA}" destId="{6D20A6CF-1B52-4AF0-A5F9-F6D5B0EFB2BE}" srcOrd="0" destOrd="0" parTransId="{1B47223F-FAB7-4FD3-88DE-E8CAD34A6FC6}" sibTransId="{9C478415-3C39-4D0A-8F2B-4D8724AE8CCA}"/>
+    <dgm:cxn modelId="{61122BAB-BF81-49FD-8705-51FC90553666}" srcId="{6D20A6CF-1B52-4AF0-A5F9-F6D5B0EFB2BE}" destId="{7850C7F1-BFEF-4A62-838D-98F48BFDD02A}" srcOrd="1" destOrd="0" parTransId="{7D1910DA-B8EE-4C3B-AE0A-C497038BA8D4}" sibTransId="{4C125880-1CBB-4C91-B375-A767504FCB42}"/>
+    <dgm:cxn modelId="{110AA1E5-15A0-44EC-955B-A5529A1BE11F}" srcId="{6D20A6CF-1B52-4AF0-A5F9-F6D5B0EFB2BE}" destId="{CD7CCB7D-47E7-4595-BCD3-4CD3BA5F4011}" srcOrd="0" destOrd="0" parTransId="{54758FAE-0DE9-4244-A984-F59A45E247D8}" sibTransId="{A173D705-D733-4624-9BEB-51AE7BCB711E}"/>
+    <dgm:cxn modelId="{AA3FEF6D-714D-C741-BD04-964993441BE5}" type="presOf" srcId="{7D1910DA-B8EE-4C3B-AE0A-C497038BA8D4}" destId="{60AB4EA0-962C-415E-B9DD-B2C150F3D463}" srcOrd="0" destOrd="0" presId="urn:microsoft.com/office/officeart/2005/8/layout/orgChart1"/>
     <dgm:cxn modelId="{DFB32536-4406-E04B-9FA5-A9C3B2A57DB4}" type="presOf" srcId="{9D670C3D-C2F0-4CB9-8949-DC325EF161EE}" destId="{1E84AC57-7408-43F1-A5E8-C8FA5B452CB3}" srcOrd="0" destOrd="0" presId="urn:microsoft.com/office/officeart/2005/8/layout/orgChart1"/>
-    <dgm:cxn modelId="{AA3FEF6D-714D-C741-BD04-964993441BE5}" type="presOf" srcId="{7D1910DA-B8EE-4C3B-AE0A-C497038BA8D4}" destId="{60AB4EA0-962C-415E-B9DD-B2C150F3D463}" srcOrd="0" destOrd="0" presId="urn:microsoft.com/office/officeart/2005/8/layout/orgChart1"/>
     <dgm:cxn modelId="{7FEC6F6E-1169-AF4E-84AF-644EC95BAE3C}" type="presOf" srcId="{6D20A6CF-1B52-4AF0-A5F9-F6D5B0EFB2BE}" destId="{BDC3F7BA-E77F-47A8-9E08-DE96A30B5ADF}" srcOrd="1" destOrd="0" presId="urn:microsoft.com/office/officeart/2005/8/layout/orgChart1"/>
-    <dgm:cxn modelId="{99FCA44E-C4B0-A243-BBE7-C29E628257B8}" type="presOf" srcId="{CD7CCB7D-47E7-4595-BCD3-4CD3BA5F4011}" destId="{A8CFE193-EB90-49BA-970C-9C9221CC2D64}" srcOrd="1" destOrd="0" presId="urn:microsoft.com/office/officeart/2005/8/layout/orgChart1"/>
-    <dgm:cxn modelId="{9B5CAD70-0E4D-5341-A588-4C8FC9DA1DB5}" type="presOf" srcId="{7850C7F1-BFEF-4A62-838D-98F48BFDD02A}" destId="{B9CD8A73-4EBA-4D1A-9711-4AE46F946800}" srcOrd="1" destOrd="0" presId="urn:microsoft.com/office/officeart/2005/8/layout/orgChart1"/>
+    <dgm:cxn modelId="{B07DEDA7-0FAC-D14B-A15C-5452754CD7CE}" type="presOf" srcId="{9D670C3D-C2F0-4CB9-8949-DC325EF161EE}" destId="{CE1AD3CD-C0BD-4957-834D-67CD120A4F97}" srcOrd="1" destOrd="0" presId="urn:microsoft.com/office/officeart/2005/8/layout/orgChart1"/>
     <dgm:cxn modelId="{5DB95A59-FB8F-4B2F-8667-54B0676C6A2A}" srcId="{6D20A6CF-1B52-4AF0-A5F9-F6D5B0EFB2BE}" destId="{9D670C3D-C2F0-4CB9-8949-DC325EF161EE}" srcOrd="2" destOrd="0" parTransId="{2186FC62-9E22-4A5A-9E47-E17DF1636B82}" sibTransId="{22A3B962-6165-4D0A-9573-FEDEB1C39DE3}"/>
     <dgm:cxn modelId="{A09E8483-CE6B-0640-8C87-BA7F1E2514C9}" type="presOf" srcId="{CD7CCB7D-47E7-4595-BCD3-4CD3BA5F4011}" destId="{555FBFFB-C9DF-4169-AB9D-A14D723B9988}" srcOrd="0" destOrd="0" presId="urn:microsoft.com/office/officeart/2005/8/layout/orgChart1"/>
     <dgm:cxn modelId="{F5329D84-8700-A642-9EE0-6C0CE1CD619B}" type="presOf" srcId="{54758FAE-0DE9-4244-A984-F59A45E247D8}" destId="{A52E3086-2EFD-4BCE-8CB6-150E937FAA29}" srcOrd="0" destOrd="0" presId="urn:microsoft.com/office/officeart/2005/8/layout/orgChart1"/>
+    <dgm:cxn modelId="{6C200A14-791B-A548-8EAC-40A4838C9698}" type="presOf" srcId="{7850C7F1-BFEF-4A62-838D-98F48BFDD02A}" destId="{828E383C-85BF-4294-965A-EDBFF4EEAAD6}" srcOrd="0" destOrd="0" presId="urn:microsoft.com/office/officeart/2005/8/layout/orgChart1"/>
     <dgm:cxn modelId="{C9CBC9A4-B63E-E346-896D-D060046B3FFF}" type="presOf" srcId="{2186FC62-9E22-4A5A-9E47-E17DF1636B82}" destId="{33D2C3BA-01D6-419F-BFD9-9C7CFB05C624}" srcOrd="0" destOrd="0" presId="urn:microsoft.com/office/officeart/2005/8/layout/orgChart1"/>
-    <dgm:cxn modelId="{B07DEDA7-0FAC-D14B-A15C-5452754CD7CE}" type="presOf" srcId="{9D670C3D-C2F0-4CB9-8949-DC325EF161EE}" destId="{CE1AD3CD-C0BD-4957-834D-67CD120A4F97}" srcOrd="1" destOrd="0" presId="urn:microsoft.com/office/officeart/2005/8/layout/orgChart1"/>
-    <dgm:cxn modelId="{61122BAB-BF81-49FD-8705-51FC90553666}" srcId="{6D20A6CF-1B52-4AF0-A5F9-F6D5B0EFB2BE}" destId="{7850C7F1-BFEF-4A62-838D-98F48BFDD02A}" srcOrd="1" destOrd="0" parTransId="{7D1910DA-B8EE-4C3B-AE0A-C497038BA8D4}" sibTransId="{4C125880-1CBB-4C91-B375-A767504FCB42}"/>
-    <dgm:cxn modelId="{3A95F5C6-7DC0-6D4F-9603-62DFD826DF58}" type="presOf" srcId="{6D20A6CF-1B52-4AF0-A5F9-F6D5B0EFB2BE}" destId="{1A893771-28AD-437D-A3CB-A6B4D552559D}" srcOrd="0" destOrd="0" presId="urn:microsoft.com/office/officeart/2005/8/layout/orgChart1"/>
-    <dgm:cxn modelId="{110AA1E5-15A0-44EC-955B-A5529A1BE11F}" srcId="{6D20A6CF-1B52-4AF0-A5F9-F6D5B0EFB2BE}" destId="{CD7CCB7D-47E7-4595-BCD3-4CD3BA5F4011}" srcOrd="0" destOrd="0" parTransId="{54758FAE-0DE9-4244-A984-F59A45E247D8}" sibTransId="{A173D705-D733-4624-9BEB-51AE7BCB711E}"/>
-    <dgm:cxn modelId="{C3AB13F4-D419-496D-85DE-385BF926A955}" srcId="{D0D25C11-AD8B-418C-9E5D-CE0B02AE08AA}" destId="{6D20A6CF-1B52-4AF0-A5F9-F6D5B0EFB2BE}" srcOrd="0" destOrd="0" parTransId="{1B47223F-FAB7-4FD3-88DE-E8CAD34A6FC6}" sibTransId="{9C478415-3C39-4D0A-8F2B-4D8724AE8CCA}"/>
+    <dgm:cxn modelId="{96A78313-2E2B-7B47-B5D7-AC49F34F10A7}" type="presOf" srcId="{D0D25C11-AD8B-418C-9E5D-CE0B02AE08AA}" destId="{849894A9-D4E8-40DD-A687-C068304E9F6A}" srcOrd="0" destOrd="0" presId="urn:microsoft.com/office/officeart/2005/8/layout/orgChart1"/>
     <dgm:cxn modelId="{2C05335B-94ED-6243-B9F8-E3A81FC059C9}" type="presParOf" srcId="{849894A9-D4E8-40DD-A687-C068304E9F6A}" destId="{A0677A2D-EF10-4573-B594-6E121764D3CB}" srcOrd="0" destOrd="0" presId="urn:microsoft.com/office/officeart/2005/8/layout/orgChart1"/>
     <dgm:cxn modelId="{5BB1304C-79E7-C04E-B080-35DC95A6E79B}" type="presParOf" srcId="{A0677A2D-EF10-4573-B594-6E121764D3CB}" destId="{4E7B3589-E2D5-4662-87BD-5B2C969BBB0B}" srcOrd="0" destOrd="0" presId="urn:microsoft.com/office/officeart/2005/8/layout/orgChart1"/>
     <dgm:cxn modelId="{A8F03851-E824-9541-B287-FEB17EBE8E31}" type="presParOf" srcId="{4E7B3589-E2D5-4662-87BD-5B2C969BBB0B}" destId="{1A893771-28AD-437D-A3CB-A6B4D552559D}" srcOrd="0" destOrd="0" presId="urn:microsoft.com/office/officeart/2005/8/layout/orgChart1"/>
@@ -1667,7 +1792,7 @@
         </a:bodyPr>
         <a:lstStyle/>
         <a:p>
-          <a:pPr marL="0" lvl="0" indent="0" algn="ctr" defTabSz="711200">
+          <a:pPr lvl="0" algn="ctr" defTabSz="711200">
             <a:lnSpc>
               <a:spcPct val="90000"/>
             </a:lnSpc>
@@ -1677,14 +1802,21 @@
             <a:spcAft>
               <a:spcPct val="35000"/>
             </a:spcAft>
-            <a:buNone/>
           </a:pPr>
           <a:r>
-            <a:rPr lang="de-DE" sz="1600" kern="1200"/>
+            <a:rPr lang="de-DE" sz="1600" b="0" i="0" kern="1200">
+              <a:latin typeface="Roboto Light" charset="0"/>
+              <a:ea typeface="Roboto Light" charset="0"/>
+              <a:cs typeface="Roboto Light" charset="0"/>
+            </a:rPr>
             <a:t>Fabian Baechli (Product Owner</a:t>
           </a:r>
           <a:r>
-            <a:rPr lang="de-DE" sz="1800" kern="1200"/>
+            <a:rPr lang="de-DE" sz="1800" b="0" i="0" kern="1200">
+              <a:latin typeface="Roboto Light" charset="0"/>
+              <a:ea typeface="Roboto Light" charset="0"/>
+              <a:cs typeface="Roboto Light" charset="0"/>
+            </a:rPr>
             <a:t>)</a:t>
           </a:r>
         </a:p>
@@ -1748,7 +1880,7 @@
         </a:bodyPr>
         <a:lstStyle/>
         <a:p>
-          <a:pPr marL="0" lvl="0" indent="0" algn="ctr" defTabSz="711200">
+          <a:pPr lvl="0" algn="ctr" defTabSz="711200">
             <a:lnSpc>
               <a:spcPct val="90000"/>
             </a:lnSpc>
@@ -1758,10 +1890,13 @@
             <a:spcAft>
               <a:spcPct val="35000"/>
             </a:spcAft>
-            <a:buNone/>
           </a:pPr>
           <a:r>
-            <a:rPr lang="de-DE" sz="1600" kern="1200"/>
+            <a:rPr lang="de-DE" sz="1600" b="0" i="0" kern="1200" dirty="0">
+              <a:latin typeface="Roboto Light" charset="0"/>
+              <a:ea typeface="Roboto Light" charset="0"/>
+              <a:cs typeface="Roboto Light" charset="0"/>
+            </a:rPr>
             <a:t>Igor (Entwicklungsteam)</a:t>
           </a:r>
         </a:p>
@@ -1825,7 +1960,7 @@
         </a:bodyPr>
         <a:lstStyle/>
         <a:p>
-          <a:pPr marL="0" lvl="0" indent="0" algn="ctr" defTabSz="711200">
+          <a:pPr lvl="0" algn="ctr" defTabSz="711200">
             <a:lnSpc>
               <a:spcPct val="90000"/>
             </a:lnSpc>
@@ -1835,10 +1970,13 @@
             <a:spcAft>
               <a:spcPct val="35000"/>
             </a:spcAft>
-            <a:buNone/>
           </a:pPr>
           <a:r>
-            <a:rPr lang="de-DE" sz="1600" kern="1200"/>
+            <a:rPr lang="de-DE" sz="1600" b="0" i="0" kern="1200">
+              <a:latin typeface="Roboto Light" charset="0"/>
+              <a:ea typeface="Roboto Light" charset="0"/>
+              <a:cs typeface="Roboto Light" charset="0"/>
+            </a:rPr>
             <a:t>Leonard Schuetz (Entwicklungsteam)</a:t>
           </a:r>
         </a:p>
@@ -1902,7 +2040,7 @@
         </a:bodyPr>
         <a:lstStyle/>
         <a:p>
-          <a:pPr marL="0" lvl="0" indent="0" algn="ctr" defTabSz="711200">
+          <a:pPr lvl="0" algn="ctr" defTabSz="711200">
             <a:lnSpc>
               <a:spcPct val="90000"/>
             </a:lnSpc>
@@ -1912,18 +2050,29 @@
             <a:spcAft>
               <a:spcPct val="35000"/>
             </a:spcAft>
-            <a:buNone/>
           </a:pPr>
           <a:r>
-            <a:rPr lang="de-DE" sz="1600" kern="1200" dirty="0"/>
+            <a:rPr lang="de-DE" sz="1600" b="0" i="0" kern="1200" dirty="0">
+              <a:latin typeface="Roboto Light" charset="0"/>
+              <a:ea typeface="Roboto Light" charset="0"/>
+              <a:cs typeface="Roboto Light" charset="0"/>
+            </a:rPr>
             <a:t>Fabrice </a:t>
           </a:r>
           <a:r>
-            <a:rPr lang="de-DE" sz="1600" kern="1200" dirty="0" err="1"/>
+            <a:rPr lang="de-DE" sz="1600" b="0" i="0" kern="1200" dirty="0" err="1">
+              <a:latin typeface="Roboto Light" charset="0"/>
+              <a:ea typeface="Roboto Light" charset="0"/>
+              <a:cs typeface="Roboto Light" charset="0"/>
+            </a:rPr>
             <a:t>Bosshard</a:t>
           </a:r>
           <a:r>
-            <a:rPr lang="de-DE" sz="1600" kern="1200" dirty="0"/>
+            <a:rPr lang="de-DE" sz="1600" b="0" i="0" kern="1200" dirty="0">
+              <a:latin typeface="Roboto Light" charset="0"/>
+              <a:ea typeface="Roboto Light" charset="0"/>
+              <a:cs typeface="Roboto Light" charset="0"/>
+            </a:rPr>
             <a:t> (Entwicklungsteam, Administration)</a:t>
           </a:r>
         </a:p>
@@ -4343,7 +4492,7 @@
           <a:p>
             <a:fld id="{331B0D19-E56F-644B-AEE4-C9C3AC1728CA}" type="datetimeFigureOut">
               <a:rPr lang="en-US" smtClean="0"/>
-              <a:t>11/6/2017</a:t>
+              <a:t>11/6/17</a:t>
             </a:fld>
             <a:endParaRPr lang="en-US" dirty="0"/>
           </a:p>
@@ -4385,7 +4534,7 @@
           <a:p>
             <a:fld id="{3553D92C-0872-AC4C-87CF-FFFB4F2ED450}" type="slidenum">
               <a:rPr lang="en-US" smtClean="0"/>
-              <a:t>‹Nr.›</a:t>
+              <a:t>‹#›</a:t>
             </a:fld>
             <a:endParaRPr lang="en-US"/>
           </a:p>
@@ -4513,7 +4662,7 @@
           <a:p>
             <a:fld id="{331B0D19-E56F-644B-AEE4-C9C3AC1728CA}" type="datetimeFigureOut">
               <a:rPr lang="en-US" smtClean="0"/>
-              <a:t>11/6/2017</a:t>
+              <a:t>11/6/17</a:t>
             </a:fld>
             <a:endParaRPr lang="en-US"/>
           </a:p>
@@ -4555,7 +4704,7 @@
           <a:p>
             <a:fld id="{3553D92C-0872-AC4C-87CF-FFFB4F2ED450}" type="slidenum">
               <a:rPr lang="en-US" smtClean="0"/>
-              <a:t>‹Nr.›</a:t>
+              <a:t>‹#›</a:t>
             </a:fld>
             <a:endParaRPr lang="en-US"/>
           </a:p>
@@ -4769,7 +4918,7 @@
           <a:p>
             <a:fld id="{331B0D19-E56F-644B-AEE4-C9C3AC1728CA}" type="datetimeFigureOut">
               <a:rPr lang="en-US" smtClean="0"/>
-              <a:t>11/6/2017</a:t>
+              <a:t>11/6/17</a:t>
             </a:fld>
             <a:endParaRPr lang="en-US"/>
           </a:p>
@@ -4811,7 +4960,7 @@
           <a:p>
             <a:fld id="{3553D92C-0872-AC4C-87CF-FFFB4F2ED450}" type="slidenum">
               <a:rPr lang="en-US" smtClean="0"/>
-              <a:t>‹Nr.›</a:t>
+              <a:t>‹#›</a:t>
             </a:fld>
             <a:endParaRPr lang="en-US"/>
           </a:p>
@@ -5004,7 +5153,7 @@
             <a:fld id="{3553D92C-0872-AC4C-87CF-FFFB4F2ED450}" type="slidenum">
               <a:rPr lang="en-US" smtClean="0"/>
               <a:pPr/>
-              <a:t>‹Nr.›</a:t>
+              <a:t>‹#›</a:t>
             </a:fld>
             <a:endParaRPr lang="en-US" dirty="0"/>
           </a:p>
@@ -5305,7 +5454,7 @@
           <a:p>
             <a:fld id="{331B0D19-E56F-644B-AEE4-C9C3AC1728CA}" type="datetimeFigureOut">
               <a:rPr lang="en-US" smtClean="0"/>
-              <a:t>11/6/2017</a:t>
+              <a:t>11/6/17</a:t>
             </a:fld>
             <a:endParaRPr lang="en-US"/>
           </a:p>
@@ -5347,7 +5496,7 @@
           <a:p>
             <a:fld id="{3553D92C-0872-AC4C-87CF-FFFB4F2ED450}" type="slidenum">
               <a:rPr lang="en-US" smtClean="0"/>
-              <a:t>‹Nr.›</a:t>
+              <a:t>‹#›</a:t>
             </a:fld>
             <a:endParaRPr lang="en-US"/>
           </a:p>
@@ -5580,7 +5729,7 @@
           <a:p>
             <a:fld id="{331B0D19-E56F-644B-AEE4-C9C3AC1728CA}" type="datetimeFigureOut">
               <a:rPr lang="en-US" smtClean="0"/>
-              <a:t>11/6/2017</a:t>
+              <a:t>11/6/17</a:t>
             </a:fld>
             <a:endParaRPr lang="en-US"/>
           </a:p>
@@ -5622,7 +5771,7 @@
           <a:p>
             <a:fld id="{3553D92C-0872-AC4C-87CF-FFFB4F2ED450}" type="slidenum">
               <a:rPr lang="en-US" smtClean="0"/>
-              <a:t>‹Nr.›</a:t>
+              <a:t>‹#›</a:t>
             </a:fld>
             <a:endParaRPr lang="en-US"/>
           </a:p>
@@ -5959,7 +6108,7 @@
           <a:p>
             <a:fld id="{331B0D19-E56F-644B-AEE4-C9C3AC1728CA}" type="datetimeFigureOut">
               <a:rPr lang="en-US" smtClean="0"/>
-              <a:t>11/6/2017</a:t>
+              <a:t>11/6/17</a:t>
             </a:fld>
             <a:endParaRPr lang="en-US"/>
           </a:p>
@@ -6001,7 +6150,7 @@
           <a:p>
             <a:fld id="{3553D92C-0872-AC4C-87CF-FFFB4F2ED450}" type="slidenum">
               <a:rPr lang="en-US" smtClean="0"/>
-              <a:t>‹Nr.›</a:t>
+              <a:t>‹#›</a:t>
             </a:fld>
             <a:endParaRPr lang="en-US"/>
           </a:p>
@@ -6077,7 +6226,7 @@
           <a:p>
             <a:fld id="{331B0D19-E56F-644B-AEE4-C9C3AC1728CA}" type="datetimeFigureOut">
               <a:rPr lang="en-US" smtClean="0"/>
-              <a:t>11/6/2017</a:t>
+              <a:t>11/6/17</a:t>
             </a:fld>
             <a:endParaRPr lang="en-US"/>
           </a:p>
@@ -6119,7 +6268,7 @@
           <a:p>
             <a:fld id="{3553D92C-0872-AC4C-87CF-FFFB4F2ED450}" type="slidenum">
               <a:rPr lang="en-US" smtClean="0"/>
-              <a:t>‹Nr.›</a:t>
+              <a:t>‹#›</a:t>
             </a:fld>
             <a:endParaRPr lang="en-US"/>
           </a:p>
@@ -6248,7 +6397,7 @@
           <a:p>
             <a:fld id="{331B0D19-E56F-644B-AEE4-C9C3AC1728CA}" type="datetimeFigureOut">
               <a:rPr lang="en-US" smtClean="0"/>
-              <a:t>11/6/2017</a:t>
+              <a:t>11/6/17</a:t>
             </a:fld>
             <a:endParaRPr lang="en-US"/>
           </a:p>
@@ -6298,7 +6447,7 @@
           <a:p>
             <a:fld id="{3553D92C-0872-AC4C-87CF-FFFB4F2ED450}" type="slidenum">
               <a:rPr lang="en-US" smtClean="0"/>
-              <a:t>‹Nr.›</a:t>
+              <a:t>‹#›</a:t>
             </a:fld>
             <a:endParaRPr lang="en-US"/>
           </a:p>
@@ -6602,7 +6751,7 @@
           <a:p>
             <a:fld id="{331B0D19-E56F-644B-AEE4-C9C3AC1728CA}" type="datetimeFigureOut">
               <a:rPr lang="en-US" smtClean="0"/>
-              <a:t>11/6/2017</a:t>
+              <a:t>11/6/17</a:t>
             </a:fld>
             <a:endParaRPr lang="en-US"/>
           </a:p>
@@ -6665,7 +6814,7 @@
           <a:p>
             <a:fld id="{3553D92C-0872-AC4C-87CF-FFFB4F2ED450}" type="slidenum">
               <a:rPr lang="en-US" smtClean="0"/>
-              <a:t>‹Nr.›</a:t>
+              <a:t>‹#›</a:t>
             </a:fld>
             <a:endParaRPr lang="en-US"/>
           </a:p>
@@ -6984,7 +7133,7 @@
           <a:p>
             <a:fld id="{331B0D19-E56F-644B-AEE4-C9C3AC1728CA}" type="datetimeFigureOut">
               <a:rPr lang="en-US" smtClean="0"/>
-              <a:t>11/6/2017</a:t>
+              <a:t>11/6/17</a:t>
             </a:fld>
             <a:endParaRPr lang="en-US"/>
           </a:p>
@@ -7026,7 +7175,7 @@
           <a:p>
             <a:fld id="{3553D92C-0872-AC4C-87CF-FFFB4F2ED450}" type="slidenum">
               <a:rPr lang="en-US" smtClean="0"/>
-              <a:t>‹Nr.›</a:t>
+              <a:t>‹#›</a:t>
             </a:fld>
             <a:endParaRPr lang="en-US"/>
           </a:p>
@@ -7271,7 +7420,7 @@
           <a:p>
             <a:fld id="{331B0D19-E56F-644B-AEE4-C9C3AC1728CA}" type="datetimeFigureOut">
               <a:rPr lang="en-US" smtClean="0"/>
-              <a:t>11/6/2017</a:t>
+              <a:t>11/6/17</a:t>
             </a:fld>
             <a:endParaRPr lang="en-US"/>
           </a:p>
@@ -7345,7 +7494,7 @@
           <a:p>
             <a:fld id="{3553D92C-0872-AC4C-87CF-FFFB4F2ED450}" type="slidenum">
               <a:rPr lang="en-US" smtClean="0"/>
-              <a:t>‹Nr.›</a:t>
+              <a:t>‹#›</a:t>
             </a:fld>
             <a:endParaRPr lang="en-US"/>
           </a:p>
@@ -7827,13 +7976,18 @@
           <a:p>
             <a:pPr algn="ctr"/>
             <a:r>
-              <a:rPr lang="en-US" dirty="0">
+              <a:rPr lang="de-CH" dirty="0" smtClean="0">
                 <a:latin typeface="Roboto Medium" charset="0"/>
                 <a:ea typeface="Roboto Medium" charset="0"/>
                 <a:cs typeface="Roboto Medium" charset="0"/>
               </a:rPr>
               <a:t>Online-Note-Tool</a:t>
             </a:r>
+            <a:endParaRPr lang="de-CH" dirty="0">
+              <a:latin typeface="Roboto Medium" charset="0"/>
+              <a:ea typeface="Roboto Medium" charset="0"/>
+              <a:cs typeface="Roboto Medium" charset="0"/>
+            </a:endParaRPr>
           </a:p>
         </p:txBody>
       </p:sp>
@@ -7855,42 +8009,18 @@
         </p:spPr>
         <p:txBody>
           <a:bodyPr>
-            <a:normAutofit fontScale="62500" lnSpcReduction="20000"/>
+            <a:normAutofit fontScale="70000" lnSpcReduction="20000"/>
           </a:bodyPr>
           <a:lstStyle/>
           <a:p>
             <a:pPr algn="l"/>
             <a:r>
-              <a:rPr lang="en-US" dirty="0" err="1">
-                <a:latin typeface="Roboto Light" charset="0"/>
-                <a:ea typeface="Roboto Light" charset="0"/>
-                <a:cs typeface="Roboto Light" charset="0"/>
-              </a:rPr>
-              <a:t>Ein</a:t>
-            </a:r>
-            <a:r>
-              <a:rPr lang="en-US" dirty="0">
-                <a:latin typeface="Roboto Light" charset="0"/>
-                <a:ea typeface="Roboto Light" charset="0"/>
-                <a:cs typeface="Roboto Light" charset="0"/>
-              </a:rPr>
-              <a:t> </a:t>
-            </a:r>
-            <a:r>
-              <a:rPr lang="en-US" dirty="0" err="1">
-                <a:latin typeface="Roboto Light" charset="0"/>
-                <a:ea typeface="Roboto Light" charset="0"/>
-                <a:cs typeface="Roboto Light" charset="0"/>
-              </a:rPr>
-              <a:t>Projekt</a:t>
-            </a:r>
-            <a:r>
-              <a:rPr lang="en-US" dirty="0">
-                <a:latin typeface="Roboto Light" charset="0"/>
-                <a:ea typeface="Roboto Light" charset="0"/>
-                <a:cs typeface="Roboto Light" charset="0"/>
-              </a:rPr>
-              <a:t> von: </a:t>
+              <a:rPr lang="de-CH" dirty="0" smtClean="0">
+                <a:latin typeface="Roboto Light" charset="0"/>
+                <a:ea typeface="Roboto Light" charset="0"/>
+                <a:cs typeface="Roboto Light" charset="0"/>
+              </a:rPr>
+              <a:t>Ein Projekt von: </a:t>
             </a:r>
           </a:p>
           <a:p>
@@ -7899,31 +8029,15 @@
               <a:buChar char="-"/>
             </a:pPr>
             <a:r>
-              <a:rPr lang="en-US" dirty="0">
-                <a:latin typeface="Roboto Light" charset="0"/>
-                <a:ea typeface="Roboto Light" charset="0"/>
-                <a:cs typeface="Roboto Light" charset="0"/>
-              </a:rPr>
-              <a:t>Fabrice </a:t>
-            </a:r>
-            <a:r>
-              <a:rPr lang="en-US" dirty="0" err="1">
-                <a:latin typeface="Roboto Light" charset="0"/>
-                <a:ea typeface="Roboto Light" charset="0"/>
-                <a:cs typeface="Roboto Light" charset="0"/>
-              </a:rPr>
-              <a:t>Bosshard</a:t>
-            </a:r>
-            <a:r>
-              <a:rPr lang="en-US" dirty="0">
-                <a:latin typeface="Roboto Light" charset="0"/>
-                <a:ea typeface="Roboto Light" charset="0"/>
-                <a:cs typeface="Roboto Light" charset="0"/>
-              </a:rPr>
-              <a:t> 	- </a:t>
-            </a:r>
-            <a:r>
-              <a:rPr lang="en-US" dirty="0">
+              <a:rPr lang="de-CH" dirty="0" smtClean="0">
+                <a:latin typeface="Roboto Light" charset="0"/>
+                <a:ea typeface="Roboto Light" charset="0"/>
+                <a:cs typeface="Roboto Light" charset="0"/>
+              </a:rPr>
+              <a:t>Fabrice Bosshard 	- </a:t>
+            </a:r>
+            <a:r>
+              <a:rPr lang="de-CH" dirty="0" smtClean="0">
                 <a:latin typeface="Roboto Light" charset="0"/>
                 <a:ea typeface="Roboto Light" charset="0"/>
                 <a:cs typeface="Roboto Light" charset="0"/>
@@ -7932,7 +8046,7 @@
               <a:t>https://github.com/FabriceBosshard</a:t>
             </a:r>
             <a:r>
-              <a:rPr lang="en-US" dirty="0">
+              <a:rPr lang="de-CH" dirty="0" smtClean="0">
                 <a:latin typeface="Roboto Light" charset="0"/>
                 <a:ea typeface="Roboto Light" charset="0"/>
                 <a:cs typeface="Roboto Light" charset="0"/>
@@ -7946,7 +8060,7 @@
               <a:buChar char="-"/>
             </a:pPr>
             <a:r>
-              <a:rPr lang="en-US" dirty="0">
+              <a:rPr lang="de-CH" dirty="0" smtClean="0">
                 <a:latin typeface="Roboto Light" charset="0"/>
                 <a:ea typeface="Roboto Light" charset="0"/>
                 <a:cs typeface="Roboto Light" charset="0"/>
@@ -7954,7 +8068,7 @@
               <a:t>Fabian Bächli 		- </a:t>
             </a:r>
             <a:r>
-              <a:rPr lang="en-US" dirty="0">
+              <a:rPr lang="de-CH" dirty="0" smtClean="0">
                 <a:latin typeface="Roboto Light" charset="0"/>
                 <a:ea typeface="Roboto Light" charset="0"/>
                 <a:cs typeface="Roboto Light" charset="0"/>
@@ -7963,7 +8077,7 @@
               <a:t>https://github.com/fabianbaechli</a:t>
             </a:r>
             <a:r>
-              <a:rPr lang="en-US" dirty="0">
+              <a:rPr lang="de-CH" dirty="0" smtClean="0">
                 <a:latin typeface="Roboto Light" charset="0"/>
                 <a:ea typeface="Roboto Light" charset="0"/>
                 <a:cs typeface="Roboto Light" charset="0"/>
@@ -7977,31 +8091,15 @@
               <a:buChar char="-"/>
             </a:pPr>
             <a:r>
-              <a:rPr lang="en-US" dirty="0">
-                <a:latin typeface="Roboto Light" charset="0"/>
-                <a:ea typeface="Roboto Light" charset="0"/>
-                <a:cs typeface="Roboto Light" charset="0"/>
-              </a:rPr>
-              <a:t>Igor </a:t>
-            </a:r>
-            <a:r>
-              <a:rPr lang="en-US" dirty="0" err="1">
-                <a:latin typeface="Roboto Light" charset="0"/>
-                <a:ea typeface="Roboto Light" charset="0"/>
-                <a:cs typeface="Roboto Light" charset="0"/>
-              </a:rPr>
-              <a:t>Cetkovic</a:t>
-            </a:r>
-            <a:r>
-              <a:rPr lang="en-US" dirty="0">
-                <a:latin typeface="Roboto Light" charset="0"/>
-                <a:ea typeface="Roboto Light" charset="0"/>
-                <a:cs typeface="Roboto Light" charset="0"/>
-              </a:rPr>
-              <a:t> 		- </a:t>
-            </a:r>
-            <a:r>
-              <a:rPr lang="en-US" dirty="0">
+              <a:rPr lang="de-CH" dirty="0" smtClean="0">
+                <a:latin typeface="Roboto Light" charset="0"/>
+                <a:ea typeface="Roboto Light" charset="0"/>
+                <a:cs typeface="Roboto Light" charset="0"/>
+              </a:rPr>
+              <a:t>Igor Cetkovic 		- </a:t>
+            </a:r>
+            <a:r>
+              <a:rPr lang="de-CH" dirty="0" smtClean="0">
                 <a:latin typeface="Roboto Light" charset="0"/>
                 <a:ea typeface="Roboto Light" charset="0"/>
                 <a:cs typeface="Roboto Light" charset="0"/>
@@ -8009,7 +8107,7 @@
               </a:rPr>
               <a:t>https://github.com/bape234</a:t>
             </a:r>
-            <a:endParaRPr lang="en-US" dirty="0">
+            <a:endParaRPr lang="de-CH" dirty="0" smtClean="0">
               <a:latin typeface="Roboto Light" charset="0"/>
               <a:ea typeface="Roboto Light" charset="0"/>
               <a:cs typeface="Roboto Light" charset="0"/>
@@ -8021,31 +8119,15 @@
               <a:buChar char="-"/>
             </a:pPr>
             <a:r>
-              <a:rPr lang="en-US" dirty="0">
-                <a:latin typeface="Roboto Light" charset="0"/>
-                <a:ea typeface="Roboto Light" charset="0"/>
-                <a:cs typeface="Roboto Light" charset="0"/>
-              </a:rPr>
-              <a:t>Leonard </a:t>
-            </a:r>
-            <a:r>
-              <a:rPr lang="en-US" dirty="0" err="1">
-                <a:latin typeface="Roboto Light" charset="0"/>
-                <a:ea typeface="Roboto Light" charset="0"/>
-                <a:cs typeface="Roboto Light" charset="0"/>
-              </a:rPr>
-              <a:t>Schütz</a:t>
-            </a:r>
-            <a:r>
-              <a:rPr lang="en-US" dirty="0">
-                <a:latin typeface="Roboto Light" charset="0"/>
-                <a:ea typeface="Roboto Light" charset="0"/>
-                <a:cs typeface="Roboto Light" charset="0"/>
-              </a:rPr>
-              <a:t> 		- </a:t>
-            </a:r>
-            <a:r>
-              <a:rPr lang="en-US" dirty="0">
+              <a:rPr lang="de-CH" dirty="0" smtClean="0">
+                <a:latin typeface="Roboto Light" charset="0"/>
+                <a:ea typeface="Roboto Light" charset="0"/>
+                <a:cs typeface="Roboto Light" charset="0"/>
+              </a:rPr>
+              <a:t>Leonard Schütz 		- </a:t>
+            </a:r>
+            <a:r>
+              <a:rPr lang="de-CH" dirty="0" smtClean="0">
                 <a:latin typeface="Roboto Light" charset="0"/>
                 <a:ea typeface="Roboto Light" charset="0"/>
                 <a:cs typeface="Roboto Light" charset="0"/>
@@ -8054,13 +8136,18 @@
               <a:t>https://github.com/KCreate</a:t>
             </a:r>
             <a:r>
-              <a:rPr lang="en-US" dirty="0">
+              <a:rPr lang="de-CH" dirty="0" smtClean="0">
                 <a:latin typeface="Roboto Light" charset="0"/>
                 <a:ea typeface="Roboto Light" charset="0"/>
                 <a:cs typeface="Roboto Light" charset="0"/>
               </a:rPr>
               <a:t> </a:t>
             </a:r>
+            <a:endParaRPr lang="de-CH" dirty="0">
+              <a:latin typeface="Roboto Light" charset="0"/>
+              <a:ea typeface="Roboto Light" charset="0"/>
+              <a:cs typeface="Roboto Light" charset="0"/>
+            </a:endParaRPr>
           </a:p>
         </p:txBody>
       </p:sp>
@@ -8074,6 +8161,13 @@
   <p:clrMapOvr>
     <a:masterClrMapping/>
   </p:clrMapOvr>
+  <p:timing>
+    <p:tnLst>
+      <p:par>
+        <p:cTn id="1" dur="indefinite" restart="never" nodeType="tmRoot"/>
+      </p:par>
+    </p:tnLst>
+  </p:timing>
 </p:sld>
 </file>
 
@@ -8110,17 +8204,18 @@
           <a:lstStyle/>
           <a:p>
             <a:r>
-              <a:rPr lang="en-US" dirty="0" err="1"/>
-              <a:t>Arbeitsverteilung</a:t>
-            </a:r>
-            <a:r>
-              <a:rPr lang="en-US" dirty="0">
-                <a:latin typeface="Roboto Medium" charset="0"/>
-                <a:ea typeface="Roboto Medium" charset="0"/>
-                <a:cs typeface="Roboto Medium" charset="0"/>
-              </a:rPr>
-              <a:t> </a:t>
-            </a:r>
+              <a:rPr lang="de-CH" dirty="0" smtClean="0">
+                <a:latin typeface="Roboto Light" charset="0"/>
+                <a:ea typeface="Roboto Light" charset="0"/>
+                <a:cs typeface="Roboto Light" charset="0"/>
+              </a:rPr>
+              <a:t>Arbeitsverteilung </a:t>
+            </a:r>
+            <a:endParaRPr lang="de-CH" dirty="0">
+              <a:latin typeface="Roboto Light" charset="0"/>
+              <a:ea typeface="Roboto Light" charset="0"/>
+              <a:cs typeface="Roboto Light" charset="0"/>
+            </a:endParaRPr>
           </a:p>
         </p:txBody>
       </p:sp>
@@ -8153,20 +8248,12 @@
               </a:spcBef>
             </a:pPr>
             <a:r>
-              <a:rPr lang="en-US" b="1" dirty="0">
-                <a:latin typeface="Roboto Light" charset="0"/>
-                <a:ea typeface="Roboto Light" charset="0"/>
-                <a:cs typeface="Roboto Light" charset="0"/>
-              </a:rPr>
-              <a:t>Frontend: </a:t>
-            </a:r>
-            <a:r>
-              <a:rPr lang="en-US" dirty="0">
-                <a:latin typeface="Roboto Light" charset="0"/>
-                <a:ea typeface="Roboto Light" charset="0"/>
-                <a:cs typeface="Roboto Light" charset="0"/>
-              </a:rPr>
-              <a:t>Leonard, Fabian </a:t>
+              <a:rPr lang="de-CH" dirty="0" smtClean="0">
+                <a:latin typeface="Roboto Light" charset="0"/>
+                <a:ea typeface="Roboto Light" charset="0"/>
+                <a:cs typeface="Roboto Light" charset="0"/>
+              </a:rPr>
+              <a:t>Frontend: Leonard, Fabian </a:t>
             </a:r>
           </a:p>
           <a:p>
@@ -8179,20 +8266,12 @@
               </a:spcBef>
             </a:pPr>
             <a:r>
-              <a:rPr lang="en-US" b="1" dirty="0">
-                <a:latin typeface="Roboto Light" charset="0"/>
-                <a:ea typeface="Roboto Light" charset="0"/>
-                <a:cs typeface="Roboto Light" charset="0"/>
-              </a:rPr>
-              <a:t>Backend: </a:t>
-            </a:r>
-            <a:r>
-              <a:rPr lang="en-US" dirty="0">
-                <a:latin typeface="Roboto Light" charset="0"/>
-                <a:ea typeface="Roboto Light" charset="0"/>
-                <a:cs typeface="Roboto Light" charset="0"/>
-              </a:rPr>
-              <a:t>Igor, Fabrice</a:t>
+              <a:rPr lang="de-CH" dirty="0" smtClean="0">
+                <a:latin typeface="Roboto Light" charset="0"/>
+                <a:ea typeface="Roboto Light" charset="0"/>
+                <a:cs typeface="Roboto Light" charset="0"/>
+              </a:rPr>
+              <a:t>Backend: Igor, Fabrice</a:t>
             </a:r>
           </a:p>
           <a:p>
@@ -8204,7 +8283,7 @@
                 <a:spcPts val="0"/>
               </a:spcBef>
             </a:pPr>
-            <a:endParaRPr lang="en-US" dirty="0">
+            <a:endParaRPr lang="de-CH" dirty="0" smtClean="0">
               <a:latin typeface="Roboto Light" charset="0"/>
               <a:ea typeface="Roboto Light" charset="0"/>
               <a:cs typeface="Roboto Light" charset="0"/>
@@ -8220,28 +8299,12 @@
               </a:spcBef>
             </a:pPr>
             <a:r>
-              <a:rPr lang="en-US" b="1" dirty="0" err="1">
-                <a:latin typeface="Roboto Light" charset="0"/>
-                <a:ea typeface="Roboto Light" charset="0"/>
-                <a:cs typeface="Roboto Light" charset="0"/>
-              </a:rPr>
-              <a:t>Dokumentation</a:t>
-            </a:r>
-            <a:r>
-              <a:rPr lang="en-US" b="1" dirty="0">
-                <a:latin typeface="Roboto Light" charset="0"/>
-                <a:ea typeface="Roboto Light" charset="0"/>
-                <a:cs typeface="Roboto Light" charset="0"/>
-              </a:rPr>
-              <a:t>: </a:t>
-            </a:r>
-            <a:r>
-              <a:rPr lang="en-US" dirty="0">
-                <a:latin typeface="Roboto Light" charset="0"/>
-                <a:ea typeface="Roboto Light" charset="0"/>
-                <a:cs typeface="Roboto Light" charset="0"/>
-              </a:rPr>
-              <a:t>Fabrice</a:t>
+              <a:rPr lang="de-CH" dirty="0" smtClean="0">
+                <a:latin typeface="Roboto Light" charset="0"/>
+                <a:ea typeface="Roboto Light" charset="0"/>
+                <a:cs typeface="Roboto Light" charset="0"/>
+              </a:rPr>
+              <a:t>Dokumentation: Fabrice</a:t>
             </a:r>
           </a:p>
           <a:p>
@@ -8253,7 +8316,7 @@
                 <a:spcPts val="0"/>
               </a:spcBef>
             </a:pPr>
-            <a:endParaRPr lang="en-US" dirty="0">
+            <a:endParaRPr lang="de-CH" dirty="0" smtClean="0">
               <a:latin typeface="Roboto Light" charset="0"/>
               <a:ea typeface="Roboto Light" charset="0"/>
               <a:cs typeface="Roboto Light" charset="0"/>
@@ -8269,29 +8332,18 @@
               </a:spcBef>
             </a:pPr>
             <a:r>
-              <a:rPr lang="en-US" b="1" dirty="0" err="1">
-                <a:latin typeface="Roboto Light" charset="0"/>
-                <a:ea typeface="Roboto Light" charset="0"/>
-                <a:cs typeface="Roboto Light" charset="0"/>
-              </a:rPr>
-              <a:t>Projektleiter</a:t>
-            </a:r>
-            <a:r>
-              <a:rPr lang="en-US" b="1" dirty="0">
-                <a:latin typeface="Roboto Light" charset="0"/>
-                <a:ea typeface="Roboto Light" charset="0"/>
-                <a:cs typeface="Roboto Light" charset="0"/>
-              </a:rPr>
-              <a:t>: </a:t>
-            </a:r>
-            <a:r>
-              <a:rPr lang="en-US" dirty="0">
-                <a:latin typeface="Roboto Light" charset="0"/>
-                <a:ea typeface="Roboto Light" charset="0"/>
-                <a:cs typeface="Roboto Light" charset="0"/>
-              </a:rPr>
-              <a:t>Fabian</a:t>
-            </a:r>
+              <a:rPr lang="de-CH" dirty="0" smtClean="0">
+                <a:latin typeface="Roboto Light" charset="0"/>
+                <a:ea typeface="Roboto Light" charset="0"/>
+                <a:cs typeface="Roboto Light" charset="0"/>
+              </a:rPr>
+              <a:t>Projektleiter: Fabian</a:t>
+            </a:r>
+            <a:endParaRPr lang="de-CH" dirty="0">
+              <a:latin typeface="Roboto Light" charset="0"/>
+              <a:ea typeface="Roboto Light" charset="0"/>
+              <a:cs typeface="Roboto Light" charset="0"/>
+            </a:endParaRPr>
           </a:p>
         </p:txBody>
       </p:sp>
@@ -8305,8 +8357,8 @@
         </p:nvSpPr>
         <p:spPr bwMode="auto">
           <a:xfrm>
-            <a:off x="6832120" y="1242203"/>
-            <a:ext cx="12192000" cy="457200"/>
+            <a:off x="6832120" y="1286137"/>
+            <a:ext cx="184731" cy="369332"/>
           </a:xfrm>
           <a:prstGeom prst="rect">
             <a:avLst/>
@@ -8356,7 +8408,11 @@
           </a:bodyPr>
           <a:lstStyle/>
           <a:p>
-            <a:endParaRPr lang="en-US"/>
+            <a:endParaRPr lang="de-CH" dirty="0">
+              <a:latin typeface="Roboto Light" charset="0"/>
+              <a:ea typeface="Roboto Light" charset="0"/>
+              <a:cs typeface="Roboto Light" charset="0"/>
+            </a:endParaRPr>
           </a:p>
         </p:txBody>
       </p:sp>
@@ -8367,7 +8423,7 @@
           <p:nvPr>
             <p:extLst>
               <p:ext uri="{D42A27DB-BD31-4B8C-83A1-F6EECF244321}">
-                <p14:modId xmlns:p14="http://schemas.microsoft.com/office/powerpoint/2010/main" val="3230439428"/>
+                <p14:modId xmlns:p14="http://schemas.microsoft.com/office/powerpoint/2010/main" val="1187919182"/>
               </p:ext>
             </p:extLst>
           </p:nvPr>
@@ -8392,8 +8448,8 @@
         </p:nvSpPr>
         <p:spPr bwMode="auto">
           <a:xfrm>
-            <a:off x="6832120" y="4912503"/>
-            <a:ext cx="12192000" cy="0"/>
+            <a:off x="6832120" y="4727837"/>
+            <a:ext cx="184731" cy="369332"/>
           </a:xfrm>
           <a:prstGeom prst="rect">
             <a:avLst/>
@@ -8443,7 +8499,11 @@
           </a:bodyPr>
           <a:lstStyle/>
           <a:p>
-            <a:endParaRPr lang="en-US"/>
+            <a:endParaRPr lang="de-CH" dirty="0">
+              <a:latin typeface="Roboto Light" charset="0"/>
+              <a:ea typeface="Roboto Light" charset="0"/>
+              <a:cs typeface="Roboto Light" charset="0"/>
+            </a:endParaRPr>
           </a:p>
         </p:txBody>
       </p:sp>
@@ -8457,6 +8517,13 @@
   <p:clrMapOvr>
     <a:masterClrMapping/>
   </p:clrMapOvr>
+  <p:timing>
+    <p:tnLst>
+      <p:par>
+        <p:cTn id="1" dur="indefinite" restart="never" nodeType="tmRoot"/>
+      </p:par>
+    </p:tnLst>
+  </p:timing>
 </p:sld>
 </file>
 
@@ -8482,7 +8549,7 @@
           <p:cNvPr id="2" name="Titel 1">
             <a:extLst>
               <a:ext uri="{FF2B5EF4-FFF2-40B4-BE49-F238E27FC236}">
-                <a16:creationId xmlns:a16="http://schemas.microsoft.com/office/drawing/2014/main" id="{3016DD15-B2E5-48BA-AF7F-92FF2F92D8E9}"/>
+                <a16:creationId xmlns:a16="http://schemas.microsoft.com/office/drawing/2014/main" xmlns="" id="{3016DD15-B2E5-48BA-AF7F-92FF2F92D8E9}"/>
               </a:ext>
             </a:extLst>
           </p:cNvPr>
@@ -8499,7 +8566,11 @@
           <a:lstStyle/>
           <a:p>
             <a:r>
-              <a:rPr lang="de-CH" dirty="0"/>
+              <a:rPr lang="de-CH" dirty="0">
+                <a:latin typeface="Roboto Light" charset="0"/>
+                <a:ea typeface="Roboto Light" charset="0"/>
+                <a:cs typeface="Roboto Light" charset="0"/>
+              </a:rPr>
               <a:t>Kommunikation</a:t>
             </a:r>
           </a:p>
@@ -8510,7 +8581,7 @@
           <p:cNvPr id="3" name="Inhaltsplatzhalter 2">
             <a:extLst>
               <a:ext uri="{FF2B5EF4-FFF2-40B4-BE49-F238E27FC236}">
-                <a16:creationId xmlns:a16="http://schemas.microsoft.com/office/drawing/2014/main" id="{FEDE5389-F2C5-4119-92E7-A765D0C2E9CA}"/>
+                <a16:creationId xmlns:a16="http://schemas.microsoft.com/office/drawing/2014/main" xmlns="" id="{FEDE5389-F2C5-4119-92E7-A765D0C2E9CA}"/>
               </a:ext>
             </a:extLst>
           </p:cNvPr>
@@ -8527,15 +8598,86 @@
           <a:lstStyle/>
           <a:p>
             <a:r>
-              <a:rPr lang="en-US" i="1" dirty="0" err="1">
-                <a:latin typeface="Roboto Light" charset="0"/>
-                <a:ea typeface="Roboto Light" charset="0"/>
-                <a:cs typeface="Roboto Light" charset="0"/>
-              </a:rPr>
-              <a:t>Wochentliche</a:t>
-            </a:r>
-            <a:r>
-              <a:rPr lang="en-US" i="1" dirty="0">
+              <a:rPr lang="de-CH" dirty="0" smtClean="0">
+                <a:latin typeface="Roboto Light" charset="0"/>
+                <a:ea typeface="Roboto Light" charset="0"/>
+                <a:cs typeface="Roboto Light" charset="0"/>
+              </a:rPr>
+              <a:t>Wöchentliche Sitzungen</a:t>
+            </a:r>
+          </a:p>
+          <a:p>
+            <a:pPr lvl="1"/>
+            <a:r>
+              <a:rPr lang="de-CH" dirty="0" smtClean="0">
+                <a:latin typeface="Roboto Light" charset="0"/>
+                <a:ea typeface="Roboto Light" charset="0"/>
+                <a:cs typeface="Roboto Light" charset="0"/>
+              </a:rPr>
+              <a:t>Datum</a:t>
+            </a:r>
+          </a:p>
+          <a:p>
+            <a:pPr lvl="1"/>
+            <a:r>
+              <a:rPr lang="de-CH" dirty="0" smtClean="0">
+                <a:latin typeface="Roboto Light" charset="0"/>
+                <a:ea typeface="Roboto Light" charset="0"/>
+                <a:cs typeface="Roboto Light" charset="0"/>
+              </a:rPr>
+              <a:t>Anwesende</a:t>
+            </a:r>
+          </a:p>
+          <a:p>
+            <a:pPr lvl="1"/>
+            <a:r>
+              <a:rPr lang="de-CH" dirty="0" smtClean="0">
+                <a:latin typeface="Roboto Light" charset="0"/>
+                <a:ea typeface="Roboto Light" charset="0"/>
+                <a:cs typeface="Roboto Light" charset="0"/>
+              </a:rPr>
+              <a:t>Abwesende</a:t>
+            </a:r>
+          </a:p>
+          <a:p>
+            <a:pPr lvl="1"/>
+            <a:r>
+              <a:rPr lang="de-CH" dirty="0" smtClean="0">
+                <a:latin typeface="Roboto Light" charset="0"/>
+                <a:ea typeface="Roboto Light" charset="0"/>
+                <a:cs typeface="Roboto Light" charset="0"/>
+              </a:rPr>
+              <a:t>Was wurde gemacht?</a:t>
+            </a:r>
+          </a:p>
+          <a:p>
+            <a:pPr lvl="1"/>
+            <a:r>
+              <a:rPr lang="de-CH" dirty="0" smtClean="0">
+                <a:latin typeface="Roboto Light" charset="0"/>
+                <a:ea typeface="Roboto Light" charset="0"/>
+                <a:cs typeface="Roboto Light" charset="0"/>
+              </a:rPr>
+              <a:t>Was muss gemacht werden?</a:t>
+            </a:r>
+          </a:p>
+          <a:p>
+            <a:pPr lvl="1"/>
+            <a:r>
+              <a:rPr lang="de-CH" dirty="0" smtClean="0">
+                <a:latin typeface="Roboto Light" charset="0"/>
+                <a:ea typeface="Roboto Light" charset="0"/>
+                <a:cs typeface="Roboto Light" charset="0"/>
+              </a:rPr>
+              <a:t>Gibt es Blockaden?</a:t>
+            </a:r>
+          </a:p>
+          <a:p>
+            <a:pPr marL="0" indent="0">
+              <a:buNone/>
+            </a:pPr>
+            <a:r>
+              <a:rPr lang="de-CH" dirty="0" smtClean="0">
                 <a:latin typeface="Roboto Light" charset="0"/>
                 <a:ea typeface="Roboto Light" charset="0"/>
                 <a:cs typeface="Roboto Light" charset="0"/>
@@ -8543,215 +8685,29 @@
               <a:t> </a:t>
             </a:r>
             <a:r>
-              <a:rPr lang="en-US" i="1" dirty="0" err="1">
-                <a:latin typeface="Roboto Light" charset="0"/>
-                <a:ea typeface="Roboto Light" charset="0"/>
-                <a:cs typeface="Roboto Light" charset="0"/>
-              </a:rPr>
-              <a:t>Sitzungen</a:t>
-            </a:r>
-            <a:endParaRPr lang="en-US" i="1" dirty="0">
+              <a:rPr lang="de-CH" dirty="0" smtClean="0">
+                <a:latin typeface="Roboto Light" charset="0"/>
+                <a:ea typeface="Roboto Light" charset="0"/>
+                <a:cs typeface="Roboto Light" charset="0"/>
+                <a:hlinkClick r:id="rId2"/>
+              </a:rPr>
+              <a:t>https://github.com/fabianbaechli/online_note_tool/tree/master/meetings</a:t>
+            </a:r>
+            <a:r>
+              <a:rPr lang="de-CH" dirty="0" smtClean="0">
+                <a:latin typeface="Roboto Light" charset="0"/>
+                <a:ea typeface="Roboto Light" charset="0"/>
+                <a:cs typeface="Roboto Light" charset="0"/>
+              </a:rPr>
+              <a:t> </a:t>
+            </a:r>
+          </a:p>
+          <a:p>
+            <a:endParaRPr lang="de-CH" dirty="0">
               <a:latin typeface="Roboto Light" charset="0"/>
               <a:ea typeface="Roboto Light" charset="0"/>
               <a:cs typeface="Roboto Light" charset="0"/>
             </a:endParaRPr>
-          </a:p>
-          <a:p>
-            <a:pPr lvl="1"/>
-            <a:r>
-              <a:rPr lang="en-US" dirty="0">
-                <a:latin typeface="Roboto Light" charset="0"/>
-                <a:ea typeface="Roboto Light" charset="0"/>
-                <a:cs typeface="Roboto Light" charset="0"/>
-              </a:rPr>
-              <a:t>Datum</a:t>
-            </a:r>
-          </a:p>
-          <a:p>
-            <a:pPr lvl="1"/>
-            <a:r>
-              <a:rPr lang="en-US" dirty="0" err="1">
-                <a:latin typeface="Roboto Light" charset="0"/>
-                <a:ea typeface="Roboto Light" charset="0"/>
-                <a:cs typeface="Roboto Light" charset="0"/>
-              </a:rPr>
-              <a:t>Anwesende</a:t>
-            </a:r>
-            <a:endParaRPr lang="en-US" dirty="0">
-              <a:latin typeface="Roboto Light" charset="0"/>
-              <a:ea typeface="Roboto Light" charset="0"/>
-              <a:cs typeface="Roboto Light" charset="0"/>
-            </a:endParaRPr>
-          </a:p>
-          <a:p>
-            <a:pPr lvl="1"/>
-            <a:r>
-              <a:rPr lang="en-US" dirty="0" err="1">
-                <a:latin typeface="Roboto Light" charset="0"/>
-                <a:ea typeface="Roboto Light" charset="0"/>
-                <a:cs typeface="Roboto Light" charset="0"/>
-              </a:rPr>
-              <a:t>Abwesende</a:t>
-            </a:r>
-            <a:endParaRPr lang="en-US" dirty="0">
-              <a:latin typeface="Roboto Light" charset="0"/>
-              <a:ea typeface="Roboto Light" charset="0"/>
-              <a:cs typeface="Roboto Light" charset="0"/>
-            </a:endParaRPr>
-          </a:p>
-          <a:p>
-            <a:pPr lvl="1"/>
-            <a:r>
-              <a:rPr lang="en-US" dirty="0">
-                <a:latin typeface="Roboto Light" charset="0"/>
-                <a:ea typeface="Roboto Light" charset="0"/>
-                <a:cs typeface="Roboto Light" charset="0"/>
-              </a:rPr>
-              <a:t>Was </a:t>
-            </a:r>
-            <a:r>
-              <a:rPr lang="en-US" dirty="0" err="1">
-                <a:latin typeface="Roboto Light" charset="0"/>
-                <a:ea typeface="Roboto Light" charset="0"/>
-                <a:cs typeface="Roboto Light" charset="0"/>
-              </a:rPr>
-              <a:t>wurde</a:t>
-            </a:r>
-            <a:r>
-              <a:rPr lang="en-US" dirty="0">
-                <a:latin typeface="Roboto Light" charset="0"/>
-                <a:ea typeface="Roboto Light" charset="0"/>
-                <a:cs typeface="Roboto Light" charset="0"/>
-              </a:rPr>
-              <a:t> </a:t>
-            </a:r>
-            <a:r>
-              <a:rPr lang="en-US" dirty="0" err="1">
-                <a:latin typeface="Roboto Light" charset="0"/>
-                <a:ea typeface="Roboto Light" charset="0"/>
-                <a:cs typeface="Roboto Light" charset="0"/>
-              </a:rPr>
-              <a:t>gemacht</a:t>
-            </a:r>
-            <a:r>
-              <a:rPr lang="en-US" dirty="0">
-                <a:latin typeface="Roboto Light" charset="0"/>
-                <a:ea typeface="Roboto Light" charset="0"/>
-                <a:cs typeface="Roboto Light" charset="0"/>
-              </a:rPr>
-              <a:t>?</a:t>
-            </a:r>
-          </a:p>
-          <a:p>
-            <a:pPr lvl="1"/>
-            <a:r>
-              <a:rPr lang="en-US" dirty="0">
-                <a:latin typeface="Roboto Light" charset="0"/>
-                <a:ea typeface="Roboto Light" charset="0"/>
-                <a:cs typeface="Roboto Light" charset="0"/>
-              </a:rPr>
-              <a:t>Was muss </a:t>
-            </a:r>
-            <a:r>
-              <a:rPr lang="en-US" dirty="0" err="1">
-                <a:latin typeface="Roboto Light" charset="0"/>
-                <a:ea typeface="Roboto Light" charset="0"/>
-                <a:cs typeface="Roboto Light" charset="0"/>
-              </a:rPr>
-              <a:t>gemacht</a:t>
-            </a:r>
-            <a:r>
-              <a:rPr lang="en-US" dirty="0">
-                <a:latin typeface="Roboto Light" charset="0"/>
-                <a:ea typeface="Roboto Light" charset="0"/>
-                <a:cs typeface="Roboto Light" charset="0"/>
-              </a:rPr>
-              <a:t> warden?</a:t>
-            </a:r>
-          </a:p>
-          <a:p>
-            <a:pPr lvl="1"/>
-            <a:r>
-              <a:rPr lang="en-US" dirty="0" err="1">
-                <a:latin typeface="Roboto Light" charset="0"/>
-                <a:ea typeface="Roboto Light" charset="0"/>
-                <a:cs typeface="Roboto Light" charset="0"/>
-              </a:rPr>
-              <a:t>Gibt</a:t>
-            </a:r>
-            <a:r>
-              <a:rPr lang="en-US" dirty="0">
-                <a:latin typeface="Roboto Light" charset="0"/>
-                <a:ea typeface="Roboto Light" charset="0"/>
-                <a:cs typeface="Roboto Light" charset="0"/>
-              </a:rPr>
-              <a:t> </a:t>
-            </a:r>
-            <a:r>
-              <a:rPr lang="en-US" dirty="0" err="1">
-                <a:latin typeface="Roboto Light" charset="0"/>
-                <a:ea typeface="Roboto Light" charset="0"/>
-                <a:cs typeface="Roboto Light" charset="0"/>
-              </a:rPr>
-              <a:t>es</a:t>
-            </a:r>
-            <a:r>
-              <a:rPr lang="en-US" dirty="0">
-                <a:latin typeface="Roboto Light" charset="0"/>
-                <a:ea typeface="Roboto Light" charset="0"/>
-                <a:cs typeface="Roboto Light" charset="0"/>
-              </a:rPr>
-              <a:t> </a:t>
-            </a:r>
-            <a:r>
-              <a:rPr lang="en-US" dirty="0" err="1">
-                <a:latin typeface="Roboto Light" charset="0"/>
-                <a:ea typeface="Roboto Light" charset="0"/>
-                <a:cs typeface="Roboto Light" charset="0"/>
-              </a:rPr>
-              <a:t>Blockaden</a:t>
-            </a:r>
-            <a:r>
-              <a:rPr lang="en-US" dirty="0">
-                <a:latin typeface="Roboto Light" charset="0"/>
-                <a:ea typeface="Roboto Light" charset="0"/>
-                <a:cs typeface="Roboto Light" charset="0"/>
-              </a:rPr>
-              <a:t>?</a:t>
-            </a:r>
-          </a:p>
-          <a:p>
-            <a:pPr marL="0" indent="0">
-              <a:buNone/>
-            </a:pPr>
-            <a:r>
-              <a:rPr lang="en-US" dirty="0">
-                <a:latin typeface="Roboto Light" charset="0"/>
-                <a:ea typeface="Roboto Light" charset="0"/>
-                <a:cs typeface="Roboto Light" charset="0"/>
-              </a:rPr>
-              <a:t> </a:t>
-            </a:r>
-            <a:r>
-              <a:rPr lang="en-US" dirty="0">
-                <a:latin typeface="Roboto Light" charset="0"/>
-                <a:ea typeface="Roboto Light" charset="0"/>
-                <a:cs typeface="Roboto Light" charset="0"/>
-                <a:hlinkClick r:id="rId2"/>
-              </a:rPr>
-              <a:t>https://github.com/fabianbaechli/online_note_tool/tree/master/meetings</a:t>
-            </a:r>
-            <a:r>
-              <a:rPr lang="en-US" dirty="0">
-                <a:latin typeface="Roboto Light" charset="0"/>
-                <a:ea typeface="Roboto Light" charset="0"/>
-                <a:cs typeface="Roboto Light" charset="0"/>
-              </a:rPr>
-              <a:t> </a:t>
-            </a:r>
-          </a:p>
-          <a:p>
-            <a:endParaRPr lang="de-CH" dirty="0"/>
           </a:p>
         </p:txBody>
       </p:sp>
@@ -8765,6 +8721,13 @@
   <p:clrMapOvr>
     <a:masterClrMapping/>
   </p:clrMapOvr>
+  <p:timing>
+    <p:tnLst>
+      <p:par>
+        <p:cTn id="1" dur="indefinite" restart="never" nodeType="tmRoot"/>
+      </p:par>
+    </p:tnLst>
+  </p:timing>
 </p:sld>
 </file>
 
@@ -8790,7 +8753,7 @@
           <p:cNvPr id="2" name="Titel 1">
             <a:extLst>
               <a:ext uri="{FF2B5EF4-FFF2-40B4-BE49-F238E27FC236}">
-                <a16:creationId xmlns:a16="http://schemas.microsoft.com/office/drawing/2014/main" id="{F8A1022D-0114-41EA-A1CF-71AFC8A12466}"/>
+                <a16:creationId xmlns:a16="http://schemas.microsoft.com/office/drawing/2014/main" xmlns="" id="{F8A1022D-0114-41EA-A1CF-71AFC8A12466}"/>
               </a:ext>
             </a:extLst>
           </p:cNvPr>
@@ -8807,7 +8770,11 @@
           <a:lstStyle/>
           <a:p>
             <a:r>
-              <a:rPr lang="de-CH" dirty="0"/>
+              <a:rPr lang="de-CH" dirty="0">
+                <a:latin typeface="Roboto Light" charset="0"/>
+                <a:ea typeface="Roboto Light" charset="0"/>
+                <a:cs typeface="Roboto Light" charset="0"/>
+              </a:rPr>
               <a:t>Protokollführung</a:t>
             </a:r>
           </a:p>
@@ -8818,7 +8785,7 @@
           <p:cNvPr id="3" name="Inhaltsplatzhalter 2">
             <a:extLst>
               <a:ext uri="{FF2B5EF4-FFF2-40B4-BE49-F238E27FC236}">
-                <a16:creationId xmlns:a16="http://schemas.microsoft.com/office/drawing/2014/main" id="{7D5371C3-328F-4929-8B67-A5BF57600A4B}"/>
+                <a16:creationId xmlns:a16="http://schemas.microsoft.com/office/drawing/2014/main" xmlns="" id="{7D5371C3-328F-4929-8B67-A5BF57600A4B}"/>
               </a:ext>
             </a:extLst>
           </p:cNvPr>
@@ -8835,332 +8802,58 @@
           <a:lstStyle/>
           <a:p>
             <a:r>
-              <a:rPr lang="en-US" dirty="0" err="1">
+              <a:rPr lang="de-CH" dirty="0" smtClean="0">
                 <a:latin typeface="Roboto Light" charset="0"/>
                 <a:ea typeface="Roboto Light" charset="0"/>
                 <a:cs typeface="Roboto Light" charset="0"/>
               </a:rPr>
               <a:t>Dokumentführung</a:t>
             </a:r>
-            <a:endParaRPr lang="en-US" dirty="0">
+          </a:p>
+          <a:p>
+            <a:pPr lvl="1"/>
+            <a:r>
+              <a:rPr lang="de-CH" dirty="0" smtClean="0">
+                <a:latin typeface="Roboto Light" charset="0"/>
+                <a:ea typeface="Roboto Light" charset="0"/>
+                <a:cs typeface="Roboto Light" charset="0"/>
+              </a:rPr>
+              <a:t>Möglichst viel nach einem Arbeitstag in die Dokumentation aufnehmen</a:t>
+            </a:r>
+          </a:p>
+          <a:p>
+            <a:pPr lvl="1"/>
+            <a:endParaRPr lang="de-CH" dirty="0" smtClean="0">
               <a:latin typeface="Roboto Light" charset="0"/>
               <a:ea typeface="Roboto Light" charset="0"/>
               <a:cs typeface="Roboto Light" charset="0"/>
             </a:endParaRPr>
           </a:p>
           <a:p>
+            <a:r>
+              <a:rPr lang="de-CH" dirty="0" smtClean="0">
+                <a:latin typeface="Roboto Light" charset="0"/>
+                <a:ea typeface="Roboto Light" charset="0"/>
+                <a:cs typeface="Roboto Light" charset="0"/>
+              </a:rPr>
+              <a:t>Probleme</a:t>
+            </a:r>
+          </a:p>
+          <a:p>
             <a:pPr lvl="1"/>
             <a:r>
-              <a:rPr lang="en-US" dirty="0" err="1">
-                <a:latin typeface="Roboto Light" charset="0"/>
-                <a:ea typeface="Roboto Light" charset="0"/>
-                <a:cs typeface="Roboto Light" charset="0"/>
-              </a:rPr>
-              <a:t>Möglichst</a:t>
-            </a:r>
-            <a:r>
-              <a:rPr lang="en-US" dirty="0">
-                <a:latin typeface="Roboto Light" charset="0"/>
-                <a:ea typeface="Roboto Light" charset="0"/>
-                <a:cs typeface="Roboto Light" charset="0"/>
-              </a:rPr>
-              <a:t> </a:t>
-            </a:r>
-            <a:r>
-              <a:rPr lang="en-US" dirty="0" err="1">
-                <a:latin typeface="Roboto Light" charset="0"/>
-                <a:ea typeface="Roboto Light" charset="0"/>
-                <a:cs typeface="Roboto Light" charset="0"/>
-              </a:rPr>
-              <a:t>viel</a:t>
-            </a:r>
-            <a:r>
-              <a:rPr lang="en-US" dirty="0">
-                <a:latin typeface="Roboto Light" charset="0"/>
-                <a:ea typeface="Roboto Light" charset="0"/>
-                <a:cs typeface="Roboto Light" charset="0"/>
-              </a:rPr>
-              <a:t> </a:t>
-            </a:r>
-            <a:r>
-              <a:rPr lang="en-US" dirty="0" err="1">
-                <a:latin typeface="Roboto Light" charset="0"/>
-                <a:ea typeface="Roboto Light" charset="0"/>
-                <a:cs typeface="Roboto Light" charset="0"/>
-              </a:rPr>
-              <a:t>nach</a:t>
-            </a:r>
-            <a:r>
-              <a:rPr lang="en-US" dirty="0">
-                <a:latin typeface="Roboto Light" charset="0"/>
-                <a:ea typeface="Roboto Light" charset="0"/>
-                <a:cs typeface="Roboto Light" charset="0"/>
-              </a:rPr>
-              <a:t> </a:t>
-            </a:r>
-            <a:r>
-              <a:rPr lang="en-US" dirty="0" err="1">
-                <a:latin typeface="Roboto Light" charset="0"/>
-                <a:ea typeface="Roboto Light" charset="0"/>
-                <a:cs typeface="Roboto Light" charset="0"/>
-              </a:rPr>
-              <a:t>einem</a:t>
-            </a:r>
-            <a:r>
-              <a:rPr lang="en-US" dirty="0">
-                <a:latin typeface="Roboto Light" charset="0"/>
-                <a:ea typeface="Roboto Light" charset="0"/>
-                <a:cs typeface="Roboto Light" charset="0"/>
-              </a:rPr>
-              <a:t> </a:t>
-            </a:r>
-            <a:r>
-              <a:rPr lang="en-US" dirty="0" err="1">
-                <a:latin typeface="Roboto Light" charset="0"/>
-                <a:ea typeface="Roboto Light" charset="0"/>
-                <a:cs typeface="Roboto Light" charset="0"/>
-              </a:rPr>
-              <a:t>Arbeitstag</a:t>
-            </a:r>
-            <a:r>
-              <a:rPr lang="en-US" dirty="0">
-                <a:latin typeface="Roboto Light" charset="0"/>
-                <a:ea typeface="Roboto Light" charset="0"/>
-                <a:cs typeface="Roboto Light" charset="0"/>
-              </a:rPr>
-              <a:t> in die </a:t>
-            </a:r>
-            <a:r>
-              <a:rPr lang="en-US" dirty="0" err="1">
-                <a:latin typeface="Roboto Light" charset="0"/>
-                <a:ea typeface="Roboto Light" charset="0"/>
-                <a:cs typeface="Roboto Light" charset="0"/>
-              </a:rPr>
-              <a:t>Dokumentation</a:t>
-            </a:r>
-            <a:r>
-              <a:rPr lang="en-US" dirty="0">
-                <a:latin typeface="Roboto Light" charset="0"/>
-                <a:ea typeface="Roboto Light" charset="0"/>
-                <a:cs typeface="Roboto Light" charset="0"/>
-              </a:rPr>
-              <a:t> </a:t>
-            </a:r>
-            <a:r>
-              <a:rPr lang="en-US" dirty="0" err="1">
-                <a:latin typeface="Roboto Light" charset="0"/>
-                <a:ea typeface="Roboto Light" charset="0"/>
-                <a:cs typeface="Roboto Light" charset="0"/>
-              </a:rPr>
-              <a:t>aufnehmen</a:t>
-            </a:r>
-            <a:endParaRPr lang="en-US" dirty="0">
+              <a:rPr lang="de-CH" dirty="0" smtClean="0">
+                <a:latin typeface="Roboto Light" charset="0"/>
+                <a:ea typeface="Roboto Light" charset="0"/>
+                <a:cs typeface="Roboto Light" charset="0"/>
+              </a:rPr>
+              <a:t>Es war schwer eine Dokumentation zu pflegen, da sich erst am Schluss das meiste zusammenfügte.</a:t>
+            </a:r>
+            <a:endParaRPr lang="de-CH" dirty="0">
               <a:latin typeface="Roboto Light" charset="0"/>
               <a:ea typeface="Roboto Light" charset="0"/>
               <a:cs typeface="Roboto Light" charset="0"/>
             </a:endParaRPr>
-          </a:p>
-          <a:p>
-            <a:pPr lvl="1"/>
-            <a:endParaRPr lang="en-US" dirty="0">
-              <a:latin typeface="Roboto Light" charset="0"/>
-              <a:ea typeface="Roboto Light" charset="0"/>
-              <a:cs typeface="Roboto Light" charset="0"/>
-            </a:endParaRPr>
-          </a:p>
-          <a:p>
-            <a:r>
-              <a:rPr lang="en-US" dirty="0" err="1">
-                <a:latin typeface="Roboto Light" charset="0"/>
-                <a:ea typeface="Roboto Light" charset="0"/>
-                <a:cs typeface="Roboto Light" charset="0"/>
-              </a:rPr>
-              <a:t>Probleme</a:t>
-            </a:r>
-            <a:endParaRPr lang="en-US" dirty="0">
-              <a:latin typeface="Roboto Light" charset="0"/>
-              <a:ea typeface="Roboto Light" charset="0"/>
-              <a:cs typeface="Roboto Light" charset="0"/>
-            </a:endParaRPr>
-          </a:p>
-          <a:p>
-            <a:pPr lvl="1"/>
-            <a:r>
-              <a:rPr lang="en-US" dirty="0" err="1">
-                <a:latin typeface="Roboto Light" charset="0"/>
-                <a:ea typeface="Roboto Light" charset="0"/>
-                <a:cs typeface="Roboto Light" charset="0"/>
-              </a:rPr>
-              <a:t>Es</a:t>
-            </a:r>
-            <a:r>
-              <a:rPr lang="en-US" dirty="0">
-                <a:latin typeface="Roboto Light" charset="0"/>
-                <a:ea typeface="Roboto Light" charset="0"/>
-                <a:cs typeface="Roboto Light" charset="0"/>
-              </a:rPr>
-              <a:t> war </a:t>
-            </a:r>
-            <a:r>
-              <a:rPr lang="en-US" dirty="0" err="1">
-                <a:latin typeface="Roboto Light" charset="0"/>
-                <a:ea typeface="Roboto Light" charset="0"/>
-                <a:cs typeface="Roboto Light" charset="0"/>
-              </a:rPr>
-              <a:t>schwer</a:t>
-            </a:r>
-            <a:r>
-              <a:rPr lang="en-US" dirty="0">
-                <a:latin typeface="Roboto Light" charset="0"/>
-                <a:ea typeface="Roboto Light" charset="0"/>
-                <a:cs typeface="Roboto Light" charset="0"/>
-              </a:rPr>
-              <a:t> </a:t>
-            </a:r>
-            <a:r>
-              <a:rPr lang="en-US" dirty="0" err="1">
-                <a:latin typeface="Roboto Light" charset="0"/>
-                <a:ea typeface="Roboto Light" charset="0"/>
-                <a:cs typeface="Roboto Light" charset="0"/>
-              </a:rPr>
-              <a:t>eine</a:t>
-            </a:r>
-            <a:r>
-              <a:rPr lang="en-US" dirty="0">
-                <a:latin typeface="Roboto Light" charset="0"/>
-                <a:ea typeface="Roboto Light" charset="0"/>
-                <a:cs typeface="Roboto Light" charset="0"/>
-              </a:rPr>
-              <a:t> </a:t>
-            </a:r>
-            <a:r>
-              <a:rPr lang="en-US" dirty="0" err="1">
-                <a:latin typeface="Roboto Light" charset="0"/>
-                <a:ea typeface="Roboto Light" charset="0"/>
-                <a:cs typeface="Roboto Light" charset="0"/>
-              </a:rPr>
-              <a:t>Dokumentation</a:t>
-            </a:r>
-            <a:r>
-              <a:rPr lang="en-US" dirty="0">
-                <a:latin typeface="Roboto Light" charset="0"/>
-                <a:ea typeface="Roboto Light" charset="0"/>
-                <a:cs typeface="Roboto Light" charset="0"/>
-              </a:rPr>
-              <a:t> </a:t>
-            </a:r>
-            <a:r>
-              <a:rPr lang="en-US" dirty="0" err="1">
-                <a:latin typeface="Roboto Light" charset="0"/>
-                <a:ea typeface="Roboto Light" charset="0"/>
-                <a:cs typeface="Roboto Light" charset="0"/>
-              </a:rPr>
-              <a:t>zu</a:t>
-            </a:r>
-            <a:r>
-              <a:rPr lang="en-US" dirty="0">
-                <a:latin typeface="Roboto Light" charset="0"/>
-                <a:ea typeface="Roboto Light" charset="0"/>
-                <a:cs typeface="Roboto Light" charset="0"/>
-              </a:rPr>
-              <a:t> </a:t>
-            </a:r>
-            <a:r>
-              <a:rPr lang="en-US" dirty="0" err="1">
-                <a:latin typeface="Roboto Light" charset="0"/>
-                <a:ea typeface="Roboto Light" charset="0"/>
-                <a:cs typeface="Roboto Light" charset="0"/>
-              </a:rPr>
-              <a:t>pflegen</a:t>
-            </a:r>
-            <a:r>
-              <a:rPr lang="en-US" dirty="0">
-                <a:latin typeface="Roboto Light" charset="0"/>
-                <a:ea typeface="Roboto Light" charset="0"/>
-                <a:cs typeface="Roboto Light" charset="0"/>
-              </a:rPr>
-              <a:t>, da </a:t>
-            </a:r>
-            <a:r>
-              <a:rPr lang="en-US" dirty="0" err="1">
-                <a:latin typeface="Roboto Light" charset="0"/>
-                <a:ea typeface="Roboto Light" charset="0"/>
-                <a:cs typeface="Roboto Light" charset="0"/>
-              </a:rPr>
-              <a:t>sich</a:t>
-            </a:r>
-            <a:r>
-              <a:rPr lang="en-US" dirty="0">
-                <a:latin typeface="Roboto Light" charset="0"/>
-                <a:ea typeface="Roboto Light" charset="0"/>
-                <a:cs typeface="Roboto Light" charset="0"/>
-              </a:rPr>
-              <a:t> </a:t>
-            </a:r>
-            <a:r>
-              <a:rPr lang="en-US" dirty="0" err="1">
-                <a:latin typeface="Roboto Light" charset="0"/>
-                <a:ea typeface="Roboto Light" charset="0"/>
-                <a:cs typeface="Roboto Light" charset="0"/>
-              </a:rPr>
-              <a:t>erst</a:t>
-            </a:r>
-            <a:r>
-              <a:rPr lang="en-US" dirty="0">
-                <a:latin typeface="Roboto Light" charset="0"/>
-                <a:ea typeface="Roboto Light" charset="0"/>
-                <a:cs typeface="Roboto Light" charset="0"/>
-              </a:rPr>
-              <a:t> am </a:t>
-            </a:r>
-            <a:r>
-              <a:rPr lang="en-US" dirty="0" err="1">
-                <a:latin typeface="Roboto Light" charset="0"/>
-                <a:ea typeface="Roboto Light" charset="0"/>
-                <a:cs typeface="Roboto Light" charset="0"/>
-              </a:rPr>
-              <a:t>Schluss</a:t>
-            </a:r>
-            <a:r>
-              <a:rPr lang="en-US" dirty="0">
-                <a:latin typeface="Roboto Light" charset="0"/>
-                <a:ea typeface="Roboto Light" charset="0"/>
-                <a:cs typeface="Roboto Light" charset="0"/>
-              </a:rPr>
-              <a:t> das </a:t>
-            </a:r>
-            <a:r>
-              <a:rPr lang="en-US" dirty="0" err="1">
-                <a:latin typeface="Roboto Light" charset="0"/>
-                <a:ea typeface="Roboto Light" charset="0"/>
-                <a:cs typeface="Roboto Light" charset="0"/>
-              </a:rPr>
-              <a:t>meiste</a:t>
-            </a:r>
-            <a:r>
-              <a:rPr lang="en-US" dirty="0">
-                <a:latin typeface="Roboto Light" charset="0"/>
-                <a:ea typeface="Roboto Light" charset="0"/>
-                <a:cs typeface="Roboto Light" charset="0"/>
-              </a:rPr>
-              <a:t> </a:t>
-            </a:r>
-            <a:r>
-              <a:rPr lang="en-US" dirty="0" err="1">
-                <a:latin typeface="Roboto Light" charset="0"/>
-                <a:ea typeface="Roboto Light" charset="0"/>
-                <a:cs typeface="Roboto Light" charset="0"/>
-              </a:rPr>
-              <a:t>zusammenfügte</a:t>
-            </a:r>
-            <a:r>
-              <a:rPr lang="en-US" dirty="0">
-                <a:latin typeface="Roboto Light" charset="0"/>
-                <a:ea typeface="Roboto Light" charset="0"/>
-                <a:cs typeface="Roboto Light" charset="0"/>
-              </a:rPr>
-              <a:t>.</a:t>
-            </a:r>
           </a:p>
         </p:txBody>
       </p:sp>
@@ -9174,6 +8867,13 @@
   <p:clrMapOvr>
     <a:masterClrMapping/>
   </p:clrMapOvr>
+  <p:timing>
+    <p:tnLst>
+      <p:par>
+        <p:cTn id="1" dur="indefinite" restart="never" nodeType="tmRoot"/>
+      </p:par>
+    </p:tnLst>
+  </p:timing>
 </p:sld>
 </file>
 
@@ -9199,7 +8899,7 @@
           <p:cNvPr id="2" name="Titel 1">
             <a:extLst>
               <a:ext uri="{FF2B5EF4-FFF2-40B4-BE49-F238E27FC236}">
-                <a16:creationId xmlns:a16="http://schemas.microsoft.com/office/drawing/2014/main" id="{695AF253-779C-45BC-B895-7149D6ECDA85}"/>
+                <a16:creationId xmlns:a16="http://schemas.microsoft.com/office/drawing/2014/main" xmlns="" id="{695AF253-779C-45BC-B895-7149D6ECDA85}"/>
               </a:ext>
             </a:extLst>
           </p:cNvPr>
@@ -9216,16 +8916,12 @@
           <a:lstStyle/>
           <a:p>
             <a:r>
-              <a:rPr lang="de-CH" dirty="0"/>
-              <a:t>Vorgehensweise (</a:t>
-            </a:r>
-            <a:r>
-              <a:rPr lang="de-CH" dirty="0" err="1"/>
-              <a:t>Scrum</a:t>
-            </a:r>
-            <a:r>
-              <a:rPr lang="de-CH" dirty="0"/>
-              <a:t>)</a:t>
+              <a:rPr lang="de-CH" dirty="0">
+                <a:latin typeface="Roboto Light" charset="0"/>
+                <a:ea typeface="Roboto Light" charset="0"/>
+                <a:cs typeface="Roboto Light" charset="0"/>
+              </a:rPr>
+              <a:t>Vorgehensweise (Scrum)</a:t>
             </a:r>
           </a:p>
         </p:txBody>
@@ -9235,7 +8931,7 @@
           <p:cNvPr id="3" name="Inhaltsplatzhalter 2">
             <a:extLst>
               <a:ext uri="{FF2B5EF4-FFF2-40B4-BE49-F238E27FC236}">
-                <a16:creationId xmlns:a16="http://schemas.microsoft.com/office/drawing/2014/main" id="{340AFB7C-354E-40C3-A380-E7F7DA16B7FB}"/>
+                <a16:creationId xmlns:a16="http://schemas.microsoft.com/office/drawing/2014/main" xmlns="" id="{340AFB7C-354E-40C3-A380-E7F7DA16B7FB}"/>
               </a:ext>
             </a:extLst>
           </p:cNvPr>
@@ -9252,59 +8948,83 @@
           <a:lstStyle/>
           <a:p>
             <a:r>
-              <a:rPr lang="de-CH" sz="2400" dirty="0" err="1"/>
-              <a:t>Scrum</a:t>
-            </a:r>
-            <a:r>
-              <a:rPr lang="de-CH" sz="2400" dirty="0"/>
-              <a:t> </a:t>
-            </a:r>
-            <a:r>
-              <a:rPr lang="de-CH" sz="2400" dirty="0" err="1"/>
-              <a:t>Artifakte</a:t>
-            </a:r>
-            <a:endParaRPr lang="de-CH" sz="2400" dirty="0"/>
+              <a:rPr lang="de-CH" sz="2400" dirty="0">
+                <a:latin typeface="Roboto Light" charset="0"/>
+                <a:ea typeface="Roboto Light" charset="0"/>
+                <a:cs typeface="Roboto Light" charset="0"/>
+              </a:rPr>
+              <a:t>Scrum </a:t>
+            </a:r>
+            <a:r>
+              <a:rPr lang="de-CH" sz="2400" dirty="0" smtClean="0">
+                <a:latin typeface="Roboto Light" charset="0"/>
+                <a:ea typeface="Roboto Light" charset="0"/>
+                <a:cs typeface="Roboto Light" charset="0"/>
+              </a:rPr>
+              <a:t>Artefakte</a:t>
+            </a:r>
+            <a:endParaRPr lang="de-CH" sz="2400" dirty="0">
+              <a:latin typeface="Roboto Light" charset="0"/>
+              <a:ea typeface="Roboto Light" charset="0"/>
+              <a:cs typeface="Roboto Light" charset="0"/>
+            </a:endParaRPr>
           </a:p>
           <a:p>
             <a:pPr lvl="1"/>
             <a:r>
-              <a:rPr lang="de-CH" sz="2400" dirty="0" err="1"/>
-              <a:t>Planning</a:t>
-            </a:r>
-            <a:endParaRPr lang="de-CH" sz="2400" dirty="0"/>
+              <a:rPr lang="de-CH" sz="2400" dirty="0" err="1" smtClean="0">
+                <a:latin typeface="Roboto Light" charset="0"/>
+                <a:ea typeface="Roboto Light" charset="0"/>
+                <a:cs typeface="Roboto Light" charset="0"/>
+              </a:rPr>
+              <a:t>Plananung</a:t>
+            </a:r>
+            <a:endParaRPr lang="de-CH" sz="2400" dirty="0">
+              <a:latin typeface="Roboto Light" charset="0"/>
+              <a:ea typeface="Roboto Light" charset="0"/>
+              <a:cs typeface="Roboto Light" charset="0"/>
+            </a:endParaRPr>
           </a:p>
           <a:p>
             <a:pPr lvl="1"/>
             <a:r>
-              <a:rPr lang="de-CH" sz="2400" dirty="0"/>
-              <a:t>Wöchentliche Meetings (Daily </a:t>
-            </a:r>
-            <a:r>
-              <a:rPr lang="de-CH" sz="2400" dirty="0" err="1"/>
-              <a:t>Scrum</a:t>
-            </a:r>
-            <a:r>
-              <a:rPr lang="de-CH" sz="2400" dirty="0"/>
-              <a:t>)</a:t>
+              <a:rPr lang="de-CH" sz="2400" dirty="0">
+                <a:latin typeface="Roboto Light" charset="0"/>
+                <a:ea typeface="Roboto Light" charset="0"/>
+                <a:cs typeface="Roboto Light" charset="0"/>
+              </a:rPr>
+              <a:t>Wöchentliche Meetings (Daily Scrum)</a:t>
             </a:r>
           </a:p>
           <a:p>
             <a:pPr lvl="1"/>
             <a:r>
-              <a:rPr lang="de-CH" sz="2400" dirty="0"/>
+              <a:rPr lang="de-CH" sz="2400" dirty="0">
+                <a:latin typeface="Roboto Light" charset="0"/>
+                <a:ea typeface="Roboto Light" charset="0"/>
+                <a:cs typeface="Roboto Light" charset="0"/>
+              </a:rPr>
               <a:t>Ein einziger Sprint, da zu klein</a:t>
             </a:r>
           </a:p>
           <a:p>
             <a:pPr lvl="1"/>
             <a:r>
-              <a:rPr lang="de-CH" sz="2400" dirty="0"/>
+              <a:rPr lang="de-CH" sz="2400" dirty="0">
+                <a:latin typeface="Roboto Light" charset="0"/>
+                <a:ea typeface="Roboto Light" charset="0"/>
+                <a:cs typeface="Roboto Light" charset="0"/>
+              </a:rPr>
               <a:t>Retrospektive</a:t>
             </a:r>
           </a:p>
           <a:p>
             <a:pPr lvl="1"/>
-            <a:endParaRPr lang="de-CH" dirty="0"/>
+            <a:endParaRPr lang="de-CH" dirty="0">
+              <a:latin typeface="Roboto Light" charset="0"/>
+              <a:ea typeface="Roboto Light" charset="0"/>
+              <a:cs typeface="Roboto Light" charset="0"/>
+            </a:endParaRPr>
           </a:p>
         </p:txBody>
       </p:sp>
@@ -9318,6 +9038,13 @@
   <p:clrMapOvr>
     <a:masterClrMapping/>
   </p:clrMapOvr>
+  <p:timing>
+    <p:tnLst>
+      <p:par>
+        <p:cTn id="1" dur="indefinite" restart="never" nodeType="tmRoot"/>
+      </p:par>
+    </p:tnLst>
+  </p:timing>
 </p:sld>
 </file>
 
@@ -9354,10 +9081,18 @@
           <a:lstStyle/>
           <a:p>
             <a:r>
-              <a:rPr lang="en-US" dirty="0" err="1"/>
+              <a:rPr lang="de-CH" dirty="0" smtClean="0">
+                <a:latin typeface="Roboto Light" charset="0"/>
+                <a:ea typeface="Roboto Light" charset="0"/>
+                <a:cs typeface="Roboto Light" charset="0"/>
+              </a:rPr>
               <a:t>Risikoanalyse</a:t>
             </a:r>
-            <a:endParaRPr lang="en-US" dirty="0"/>
+            <a:endParaRPr lang="de-CH" dirty="0">
+              <a:latin typeface="Roboto Light" charset="0"/>
+              <a:ea typeface="Roboto Light" charset="0"/>
+              <a:cs typeface="Roboto Light" charset="0"/>
+            </a:endParaRPr>
           </a:p>
         </p:txBody>
       </p:sp>
@@ -9383,16 +9118,30 @@
                 <a:cs typeface="Roboto Light" charset="0"/>
                 <a:hlinkClick r:id="rId2"/>
               </a:rPr>
-              <a:t>https://github.com/fabianbaechli/online_note_tool/blob/master/documentation/Risikoanalyse.pdf</a:t>
-            </a:r>
-            <a:r>
-              <a:rPr lang="en-US" dirty="0">
+              <a:t>https://</a:t>
+            </a:r>
+            <a:r>
+              <a:rPr lang="en-US" dirty="0" smtClean="0">
+                <a:latin typeface="Roboto Light" charset="0"/>
+                <a:ea typeface="Roboto Light" charset="0"/>
+                <a:cs typeface="Roboto Light" charset="0"/>
+                <a:hlinkClick r:id="rId2"/>
+              </a:rPr>
+              <a:t>github.com/fabianbaechli/online_note_tool/blob/master/documentation/Risikoanalyse/Risikoanalyse.pdf</a:t>
+            </a:r>
+            <a:r>
+              <a:rPr lang="en-US" dirty="0" smtClean="0">
                 <a:latin typeface="Roboto Light" charset="0"/>
                 <a:ea typeface="Roboto Light" charset="0"/>
                 <a:cs typeface="Roboto Light" charset="0"/>
               </a:rPr>
               <a:t> </a:t>
             </a:r>
+            <a:endParaRPr lang="en-US" dirty="0">
+              <a:latin typeface="Roboto Light" charset="0"/>
+              <a:ea typeface="Roboto Light" charset="0"/>
+              <a:cs typeface="Roboto Light" charset="0"/>
+            </a:endParaRPr>
           </a:p>
         </p:txBody>
       </p:sp>
@@ -9406,6 +9155,13 @@
   <p:clrMapOvr>
     <a:masterClrMapping/>
   </p:clrMapOvr>
+  <p:timing>
+    <p:tnLst>
+      <p:par>
+        <p:cTn id="1" dur="indefinite" restart="never" nodeType="tmRoot"/>
+      </p:par>
+    </p:tnLst>
+  </p:timing>
 </p:sld>
 </file>
 
@@ -9442,7 +9198,11 @@
           <a:lstStyle/>
           <a:p>
             <a:r>
-              <a:rPr lang="en-US" dirty="0"/>
+              <a:rPr lang="en-US" dirty="0">
+                <a:latin typeface="Roboto Light" charset="0"/>
+                <a:ea typeface="Roboto Light" charset="0"/>
+                <a:cs typeface="Roboto Light" charset="0"/>
+              </a:rPr>
               <a:t>Testing</a:t>
             </a:r>
           </a:p>
@@ -9465,14 +9225,35 @@
           <a:p>
             <a:r>
               <a:rPr lang="en-US" dirty="0">
+                <a:latin typeface="Roboto Light" charset="0"/>
+                <a:ea typeface="Roboto Light" charset="0"/>
+                <a:cs typeface="Roboto Light" charset="0"/>
                 <a:hlinkClick r:id="rId2"/>
               </a:rPr>
-              <a:t>https://github.com/fabianbaechli/online_note_tool/blob/master/planning/testing.md</a:t>
-            </a:r>
-            <a:r>
-              <a:rPr lang="en-US" dirty="0"/>
+              <a:t>https://</a:t>
+            </a:r>
+            <a:r>
+              <a:rPr lang="en-US" dirty="0" smtClean="0">
+                <a:latin typeface="Roboto Light" charset="0"/>
+                <a:ea typeface="Roboto Light" charset="0"/>
+                <a:cs typeface="Roboto Light" charset="0"/>
+                <a:hlinkClick r:id="rId2"/>
+              </a:rPr>
+              <a:t>github.com/fabianbaechli/online_note_tool/blob/master/documentation/Testing/testing.md</a:t>
+            </a:r>
+            <a:r>
+              <a:rPr lang="en-US" dirty="0" smtClean="0">
+                <a:latin typeface="Roboto Light" charset="0"/>
+                <a:ea typeface="Roboto Light" charset="0"/>
+                <a:cs typeface="Roboto Light" charset="0"/>
+              </a:rPr>
               <a:t> </a:t>
             </a:r>
+            <a:endParaRPr lang="en-US" dirty="0">
+              <a:latin typeface="Roboto Light" charset="0"/>
+              <a:ea typeface="Roboto Light" charset="0"/>
+              <a:cs typeface="Roboto Light" charset="0"/>
+            </a:endParaRPr>
           </a:p>
         </p:txBody>
       </p:sp>
@@ -9480,6 +9261,98 @@
     <p:extLst>
       <p:ext uri="{BB962C8B-B14F-4D97-AF65-F5344CB8AC3E}">
         <p14:creationId xmlns:p14="http://schemas.microsoft.com/office/powerpoint/2010/main" val="504337368"/>
+      </p:ext>
+    </p:extLst>
+  </p:cSld>
+  <p:clrMapOvr>
+    <a:masterClrMapping/>
+  </p:clrMapOvr>
+  <p:timing>
+    <p:tnLst>
+      <p:par>
+        <p:cTn id="1" dur="indefinite" restart="never" nodeType="tmRoot"/>
+      </p:par>
+    </p:tnLst>
+  </p:timing>
+</p:sld>
+</file>
+
+<file path=ppt/slides/slide16.xml><?xml version="1.0" encoding="utf-8"?>
+<p:sld xmlns:a="http://schemas.openxmlformats.org/drawingml/2006/main" xmlns:r="http://schemas.openxmlformats.org/officeDocument/2006/relationships" xmlns:p="http://schemas.openxmlformats.org/presentationml/2006/main">
+  <p:cSld>
+    <p:spTree>
+      <p:nvGrpSpPr>
+        <p:cNvPr id="1" name=""/>
+        <p:cNvGrpSpPr/>
+        <p:nvPr/>
+      </p:nvGrpSpPr>
+      <p:grpSpPr>
+        <a:xfrm>
+          <a:off x="0" y="0"/>
+          <a:ext cx="0" cy="0"/>
+          <a:chOff x="0" y="0"/>
+          <a:chExt cx="0" cy="0"/>
+        </a:xfrm>
+      </p:grpSpPr>
+      <p:sp>
+        <p:nvSpPr>
+          <p:cNvPr id="2" name="Title 1"/>
+          <p:cNvSpPr>
+            <a:spLocks noGrp="1"/>
+          </p:cNvSpPr>
+          <p:nvPr>
+            <p:ph type="title"/>
+          </p:nvPr>
+        </p:nvSpPr>
+        <p:spPr/>
+        <p:txBody>
+          <a:bodyPr/>
+          <a:lstStyle/>
+          <a:p>
+            <a:r>
+              <a:rPr lang="en-US" dirty="0" smtClean="0">
+                <a:latin typeface="Roboto Light" charset="0"/>
+                <a:ea typeface="Roboto Light" charset="0"/>
+                <a:cs typeface="Roboto Light" charset="0"/>
+              </a:rPr>
+              <a:t>Demo</a:t>
+            </a:r>
+            <a:endParaRPr lang="en-US" dirty="0">
+              <a:latin typeface="Roboto Light" charset="0"/>
+              <a:ea typeface="Roboto Light" charset="0"/>
+              <a:cs typeface="Roboto Light" charset="0"/>
+            </a:endParaRPr>
+          </a:p>
+        </p:txBody>
+      </p:sp>
+      <p:sp>
+        <p:nvSpPr>
+          <p:cNvPr id="3" name="Content Placeholder 2"/>
+          <p:cNvSpPr>
+            <a:spLocks noGrp="1"/>
+          </p:cNvSpPr>
+          <p:nvPr>
+            <p:ph idx="1"/>
+          </p:nvPr>
+        </p:nvSpPr>
+        <p:spPr>
+          <a:xfrm>
+            <a:off x="1097280" y="1870118"/>
+            <a:ext cx="10058400" cy="4023360"/>
+          </a:xfrm>
+        </p:spPr>
+        <p:txBody>
+          <a:bodyPr/>
+          <a:lstStyle/>
+          <a:p>
+            <a:endParaRPr lang="en-US" dirty="0"/>
+          </a:p>
+        </p:txBody>
+      </p:sp>
+    </p:spTree>
+    <p:extLst>
+      <p:ext uri="{BB962C8B-B14F-4D97-AF65-F5344CB8AC3E}">
+        <p14:creationId xmlns:p14="http://schemas.microsoft.com/office/powerpoint/2010/main" val="1835593850"/>
       </p:ext>
     </p:extLst>
   </p:cSld>
@@ -9511,7 +9384,7 @@
           <p:cNvPr id="2" name="Titel 1">
             <a:extLst>
               <a:ext uri="{FF2B5EF4-FFF2-40B4-BE49-F238E27FC236}">
-                <a16:creationId xmlns:a16="http://schemas.microsoft.com/office/drawing/2014/main" id="{2C399249-FA64-4E5C-AF4A-A67CBB7CDA7B}"/>
+                <a16:creationId xmlns:a16="http://schemas.microsoft.com/office/drawing/2014/main" xmlns="" id="{2C399249-FA64-4E5C-AF4A-A67CBB7CDA7B}"/>
               </a:ext>
             </a:extLst>
           </p:cNvPr>
@@ -9528,7 +9401,11 @@
           <a:lstStyle/>
           <a:p>
             <a:r>
-              <a:rPr lang="de-CH" dirty="0"/>
+              <a:rPr lang="de-CH" dirty="0">
+                <a:latin typeface="Roboto Light" charset="0"/>
+                <a:ea typeface="Roboto Light" charset="0"/>
+                <a:cs typeface="Roboto Light" charset="0"/>
+              </a:rPr>
               <a:t>Inhaltsverzeichnis</a:t>
             </a:r>
           </a:p>
@@ -9539,7 +9416,7 @@
           <p:cNvPr id="3" name="Inhaltsplatzhalter 2">
             <a:extLst>
               <a:ext uri="{FF2B5EF4-FFF2-40B4-BE49-F238E27FC236}">
-                <a16:creationId xmlns:a16="http://schemas.microsoft.com/office/drawing/2014/main" id="{84C67786-D997-446C-A3C8-2D8B0CE5FFC8}"/>
+                <a16:creationId xmlns:a16="http://schemas.microsoft.com/office/drawing/2014/main" xmlns="" id="{84C67786-D997-446C-A3C8-2D8B0CE5FFC8}"/>
               </a:ext>
             </a:extLst>
           </p:cNvPr>
@@ -9561,43 +9438,71 @@
           <a:lstStyle/>
           <a:p>
             <a:r>
-              <a:rPr lang="de-CH" dirty="0"/>
+              <a:rPr lang="de-CH" dirty="0">
+                <a:latin typeface="Roboto Light" charset="0"/>
+                <a:ea typeface="Roboto Light" charset="0"/>
+                <a:cs typeface="Roboto Light" charset="0"/>
+              </a:rPr>
               <a:t>1. Problembeschreibung</a:t>
             </a:r>
           </a:p>
           <a:p>
             <a:r>
-              <a:rPr lang="de-CH" dirty="0"/>
+              <a:rPr lang="de-CH" dirty="0">
+                <a:latin typeface="Roboto Light" charset="0"/>
+                <a:ea typeface="Roboto Light" charset="0"/>
+                <a:cs typeface="Roboto Light" charset="0"/>
+              </a:rPr>
               <a:t>2. Markt – Nutzen / Risiken</a:t>
             </a:r>
           </a:p>
           <a:p>
             <a:r>
-              <a:rPr lang="de-CH" dirty="0"/>
+              <a:rPr lang="de-CH" dirty="0">
+                <a:latin typeface="Roboto Light" charset="0"/>
+                <a:ea typeface="Roboto Light" charset="0"/>
+                <a:cs typeface="Roboto Light" charset="0"/>
+              </a:rPr>
               <a:t>3. Projektauftrag</a:t>
             </a:r>
           </a:p>
           <a:p>
             <a:r>
-              <a:rPr lang="de-CH" dirty="0"/>
+              <a:rPr lang="de-CH" dirty="0">
+                <a:latin typeface="Roboto Light" charset="0"/>
+                <a:ea typeface="Roboto Light" charset="0"/>
+                <a:cs typeface="Roboto Light" charset="0"/>
+              </a:rPr>
               <a:t>4. Das magische Dreieck</a:t>
             </a:r>
           </a:p>
           <a:p>
             <a:r>
-              <a:rPr lang="de-CH" dirty="0"/>
+              <a:rPr lang="de-CH" dirty="0">
+                <a:latin typeface="Roboto Light" charset="0"/>
+                <a:ea typeface="Roboto Light" charset="0"/>
+                <a:cs typeface="Roboto Light" charset="0"/>
+              </a:rPr>
               <a:t>5. Projektziele</a:t>
             </a:r>
           </a:p>
           <a:p>
             <a:r>
-              <a:rPr lang="de-CH" dirty="0"/>
+              <a:rPr lang="de-CH" dirty="0">
+                <a:latin typeface="Roboto Light" charset="0"/>
+                <a:ea typeface="Roboto Light" charset="0"/>
+                <a:cs typeface="Roboto Light" charset="0"/>
+              </a:rPr>
               <a:t>6. Meilensteine</a:t>
             </a:r>
           </a:p>
           <a:p>
             <a:r>
-              <a:rPr lang="de-CH" dirty="0"/>
+              <a:rPr lang="de-CH" dirty="0">
+                <a:latin typeface="Roboto Light" charset="0"/>
+                <a:ea typeface="Roboto Light" charset="0"/>
+                <a:cs typeface="Roboto Light" charset="0"/>
+              </a:rPr>
               <a:t>7. Teambildungsprozess</a:t>
             </a:r>
           </a:p>
@@ -9608,7 +9513,7 @@
           <p:cNvPr id="4" name="Inhaltsplatzhalter 2">
             <a:extLst>
               <a:ext uri="{FF2B5EF4-FFF2-40B4-BE49-F238E27FC236}">
-                <a16:creationId xmlns:a16="http://schemas.microsoft.com/office/drawing/2014/main" id="{DA2444DE-D939-4C4D-BDB6-B7490CE62B3A}"/>
+                <a16:creationId xmlns:a16="http://schemas.microsoft.com/office/drawing/2014/main" xmlns="" id="{DA2444DE-D939-4C4D-BDB6-B7490CE62B3A}"/>
               </a:ext>
             </a:extLst>
           </p:cNvPr>
@@ -9878,44 +9783,91 @@
           </a:lstStyle>
           <a:p>
             <a:r>
-              <a:rPr lang="de-CH" dirty="0"/>
+              <a:rPr lang="de-CH" dirty="0">
+                <a:latin typeface="Roboto Light" charset="0"/>
+                <a:ea typeface="Roboto Light" charset="0"/>
+                <a:cs typeface="Roboto Light" charset="0"/>
+              </a:rPr>
               <a:t>8. Arbeitsverteilung</a:t>
             </a:r>
           </a:p>
           <a:p>
             <a:r>
-              <a:rPr lang="de-CH" dirty="0"/>
+              <a:rPr lang="de-CH" dirty="0">
+                <a:latin typeface="Roboto Light" charset="0"/>
+                <a:ea typeface="Roboto Light" charset="0"/>
+                <a:cs typeface="Roboto Light" charset="0"/>
+              </a:rPr>
               <a:t>9. Kommunikation</a:t>
             </a:r>
           </a:p>
           <a:p>
             <a:r>
-              <a:rPr lang="de-CH" dirty="0"/>
+              <a:rPr lang="de-CH" dirty="0">
+                <a:latin typeface="Roboto Light" charset="0"/>
+                <a:ea typeface="Roboto Light" charset="0"/>
+                <a:cs typeface="Roboto Light" charset="0"/>
+              </a:rPr>
               <a:t>10. Protokollführung</a:t>
             </a:r>
           </a:p>
           <a:p>
             <a:r>
-              <a:rPr lang="de-CH" dirty="0"/>
+              <a:rPr lang="de-CH" dirty="0">
+                <a:latin typeface="Roboto Light" charset="0"/>
+                <a:ea typeface="Roboto Light" charset="0"/>
+                <a:cs typeface="Roboto Light" charset="0"/>
+              </a:rPr>
               <a:t>11. Vorgehensweise</a:t>
             </a:r>
           </a:p>
           <a:p>
             <a:r>
-              <a:rPr lang="de-CH" dirty="0"/>
+              <a:rPr lang="de-CH" dirty="0">
+                <a:latin typeface="Roboto Light" charset="0"/>
+                <a:ea typeface="Roboto Light" charset="0"/>
+                <a:cs typeface="Roboto Light" charset="0"/>
+              </a:rPr>
               <a:t>12. Risikoanalyse</a:t>
             </a:r>
           </a:p>
           <a:p>
             <a:r>
-              <a:rPr lang="de-CH" dirty="0"/>
+              <a:rPr lang="de-CH" dirty="0">
+                <a:latin typeface="Roboto Light" charset="0"/>
+                <a:ea typeface="Roboto Light" charset="0"/>
+                <a:cs typeface="Roboto Light" charset="0"/>
+              </a:rPr>
               <a:t>13. </a:t>
             </a:r>
             <a:r>
-              <a:rPr lang="de-CH" dirty="0" err="1"/>
+              <a:rPr lang="de-CH" dirty="0" err="1" smtClean="0">
+                <a:latin typeface="Roboto Light" charset="0"/>
+                <a:ea typeface="Roboto Light" charset="0"/>
+                <a:cs typeface="Roboto Light" charset="0"/>
+              </a:rPr>
               <a:t>Testing</a:t>
             </a:r>
-            <a:endParaRPr lang="de-CH" dirty="0"/>
+            <a:endParaRPr lang="de-CH" dirty="0" smtClean="0">
+              <a:latin typeface="Roboto Light" charset="0"/>
+              <a:ea typeface="Roboto Light" charset="0"/>
+              <a:cs typeface="Roboto Light" charset="0"/>
+            </a:endParaRPr>
+          </a:p>
+          <a:p>
+            <a:r>
+              <a:rPr lang="de-CH" dirty="0" smtClean="0">
+                <a:latin typeface="Roboto Light" charset="0"/>
+                <a:ea typeface="Roboto Light" charset="0"/>
+                <a:cs typeface="Roboto Light" charset="0"/>
+              </a:rPr>
+              <a:t>14. Demo</a:t>
+            </a:r>
+            <a:endParaRPr lang="de-CH" dirty="0">
+              <a:latin typeface="Roboto Light" charset="0"/>
+              <a:ea typeface="Roboto Light" charset="0"/>
+              <a:cs typeface="Roboto Light" charset="0"/>
+            </a:endParaRPr>
           </a:p>
         </p:txBody>
       </p:sp>
@@ -9929,6 +9881,13 @@
   <p:clrMapOvr>
     <a:masterClrMapping/>
   </p:clrMapOvr>
+  <p:timing>
+    <p:tnLst>
+      <p:par>
+        <p:cTn id="1" dur="indefinite" restart="never" nodeType="tmRoot"/>
+      </p:par>
+    </p:tnLst>
+  </p:timing>
 </p:sld>
 </file>
 
@@ -9954,7 +9913,7 @@
           <p:cNvPr id="2" name="Titel 1">
             <a:extLst>
               <a:ext uri="{FF2B5EF4-FFF2-40B4-BE49-F238E27FC236}">
-                <a16:creationId xmlns:a16="http://schemas.microsoft.com/office/drawing/2014/main" id="{94B6904F-5B1E-4515-9CB5-F25853FF86BB}"/>
+                <a16:creationId xmlns:a16="http://schemas.microsoft.com/office/drawing/2014/main" xmlns="" id="{94B6904F-5B1E-4515-9CB5-F25853FF86BB}"/>
               </a:ext>
             </a:extLst>
           </p:cNvPr>
@@ -9971,7 +9930,11 @@
           <a:lstStyle/>
           <a:p>
             <a:r>
-              <a:rPr lang="de-CH" dirty="0"/>
+              <a:rPr lang="de-CH" dirty="0">
+                <a:latin typeface="Roboto Light" charset="0"/>
+                <a:ea typeface="Roboto Light" charset="0"/>
+                <a:cs typeface="Roboto Light" charset="0"/>
+              </a:rPr>
               <a:t>Problembeschreibung</a:t>
             </a:r>
           </a:p>
@@ -9982,7 +9945,7 @@
           <p:cNvPr id="3" name="Inhaltsplatzhalter 2">
             <a:extLst>
               <a:ext uri="{FF2B5EF4-FFF2-40B4-BE49-F238E27FC236}">
-                <a16:creationId xmlns:a16="http://schemas.microsoft.com/office/drawing/2014/main" id="{7D2D5009-3FCD-4B23-B17B-2550F69EE14B}"/>
+                <a16:creationId xmlns:a16="http://schemas.microsoft.com/office/drawing/2014/main" xmlns="" id="{7D2D5009-3FCD-4B23-B17B-2550F69EE14B}"/>
               </a:ext>
             </a:extLst>
           </p:cNvPr>
@@ -9999,53 +9962,85 @@
           <a:lstStyle/>
           <a:p>
             <a:r>
-              <a:rPr lang="de-CH" dirty="0"/>
+              <a:rPr lang="de-CH" dirty="0">
+                <a:latin typeface="Roboto Light" charset="0"/>
+                <a:ea typeface="Roboto Light" charset="0"/>
+                <a:cs typeface="Roboto Light" charset="0"/>
+              </a:rPr>
               <a:t>Usability</a:t>
             </a:r>
           </a:p>
           <a:p>
             <a:pPr lvl="1"/>
             <a:r>
-              <a:rPr lang="de-CH" dirty="0"/>
+              <a:rPr lang="de-CH" dirty="0">
+                <a:latin typeface="Roboto Light" charset="0"/>
+                <a:ea typeface="Roboto Light" charset="0"/>
+                <a:cs typeface="Roboto Light" charset="0"/>
+              </a:rPr>
               <a:t>Zu umständliche Funktionalitäten</a:t>
             </a:r>
           </a:p>
           <a:p>
             <a:pPr lvl="1"/>
             <a:r>
-              <a:rPr lang="de-CH" dirty="0"/>
+              <a:rPr lang="de-CH" dirty="0">
+                <a:latin typeface="Roboto Light" charset="0"/>
+                <a:ea typeface="Roboto Light" charset="0"/>
+                <a:cs typeface="Roboto Light" charset="0"/>
+              </a:rPr>
               <a:t>Bittet nicht die Möglichkeit sich mit anderen Auszutauschen</a:t>
             </a:r>
           </a:p>
           <a:p>
             <a:r>
-              <a:rPr lang="de-CH" dirty="0"/>
+              <a:rPr lang="de-CH" dirty="0">
+                <a:latin typeface="Roboto Light" charset="0"/>
+                <a:ea typeface="Roboto Light" charset="0"/>
+                <a:cs typeface="Roboto Light" charset="0"/>
+              </a:rPr>
               <a:t>Verwendung</a:t>
             </a:r>
           </a:p>
           <a:p>
             <a:pPr lvl="1"/>
             <a:r>
-              <a:rPr lang="de-CH" dirty="0"/>
+              <a:rPr lang="de-CH" dirty="0">
+                <a:latin typeface="Roboto Light" charset="0"/>
+                <a:ea typeface="Roboto Light" charset="0"/>
+                <a:cs typeface="Roboto Light" charset="0"/>
+              </a:rPr>
               <a:t>Zentrale Verwaltung von Notizen</a:t>
             </a:r>
           </a:p>
           <a:p>
             <a:pPr lvl="1"/>
             <a:r>
-              <a:rPr lang="de-CH" dirty="0"/>
+              <a:rPr lang="de-CH" dirty="0">
+                <a:latin typeface="Roboto Light" charset="0"/>
+                <a:ea typeface="Roboto Light" charset="0"/>
+                <a:cs typeface="Roboto Light" charset="0"/>
+              </a:rPr>
               <a:t>Gruppieren und Zuweisen von Notizen über Benutzeraccounts</a:t>
             </a:r>
           </a:p>
           <a:p>
             <a:pPr lvl="1"/>
-            <a:endParaRPr lang="de-CH" dirty="0"/>
+            <a:endParaRPr lang="de-CH" dirty="0">
+              <a:latin typeface="Roboto Light" charset="0"/>
+              <a:ea typeface="Roboto Light" charset="0"/>
+              <a:cs typeface="Roboto Light" charset="0"/>
+            </a:endParaRPr>
           </a:p>
           <a:p>
             <a:pPr marL="201168" lvl="1" indent="0">
               <a:buNone/>
             </a:pPr>
-            <a:endParaRPr lang="de-CH" dirty="0"/>
+            <a:endParaRPr lang="de-CH" dirty="0">
+              <a:latin typeface="Roboto Light" charset="0"/>
+              <a:ea typeface="Roboto Light" charset="0"/>
+              <a:cs typeface="Roboto Light" charset="0"/>
+            </a:endParaRPr>
           </a:p>
         </p:txBody>
       </p:sp>
@@ -10059,6 +10054,13 @@
   <p:clrMapOvr>
     <a:masterClrMapping/>
   </p:clrMapOvr>
+  <p:timing>
+    <p:tnLst>
+      <p:par>
+        <p:cTn id="1" dur="indefinite" restart="never" nodeType="tmRoot"/>
+      </p:par>
+    </p:tnLst>
+  </p:timing>
 </p:sld>
 </file>
 
@@ -10084,7 +10086,7 @@
           <p:cNvPr id="2" name="Titel 1">
             <a:extLst>
               <a:ext uri="{FF2B5EF4-FFF2-40B4-BE49-F238E27FC236}">
-                <a16:creationId xmlns:a16="http://schemas.microsoft.com/office/drawing/2014/main" id="{C16D0F14-0B06-4B97-98D3-4CD76BB1D892}"/>
+                <a16:creationId xmlns:a16="http://schemas.microsoft.com/office/drawing/2014/main" xmlns="" id="{C16D0F14-0B06-4B97-98D3-4CD76BB1D892}"/>
               </a:ext>
             </a:extLst>
           </p:cNvPr>
@@ -10101,7 +10103,11 @@
           <a:lstStyle/>
           <a:p>
             <a:r>
-              <a:rPr lang="de-CH" dirty="0"/>
+              <a:rPr lang="de-CH" dirty="0">
+                <a:latin typeface="Roboto Light" charset="0"/>
+                <a:ea typeface="Roboto Light" charset="0"/>
+                <a:cs typeface="Roboto Light" charset="0"/>
+              </a:rPr>
               <a:t>Marktnutzen / Marktrisiken</a:t>
             </a:r>
           </a:p>
@@ -10112,7 +10118,7 @@
           <p:cNvPr id="3" name="Inhaltsplatzhalter 2">
             <a:extLst>
               <a:ext uri="{FF2B5EF4-FFF2-40B4-BE49-F238E27FC236}">
-                <a16:creationId xmlns:a16="http://schemas.microsoft.com/office/drawing/2014/main" id="{A926359B-A545-4158-9DD0-DF98638DE9C6}"/>
+                <a16:creationId xmlns:a16="http://schemas.microsoft.com/office/drawing/2014/main" xmlns="" id="{A926359B-A545-4158-9DD0-DF98638DE9C6}"/>
               </a:ext>
             </a:extLst>
           </p:cNvPr>
@@ -10131,96 +10137,156 @@
           <a:lstStyle/>
           <a:p>
             <a:r>
-              <a:rPr lang="de-CH" dirty="0"/>
+              <a:rPr lang="de-CH" dirty="0">
+                <a:latin typeface="Roboto Light" charset="0"/>
+                <a:ea typeface="Roboto Light" charset="0"/>
+                <a:cs typeface="Roboto Light" charset="0"/>
+              </a:rPr>
               <a:t>Produktpolitik</a:t>
             </a:r>
           </a:p>
           <a:p>
             <a:pPr lvl="1"/>
             <a:r>
-              <a:rPr lang="de-CH" dirty="0"/>
+              <a:rPr lang="de-CH" dirty="0">
+                <a:latin typeface="Roboto Light" charset="0"/>
+                <a:ea typeface="Roboto Light" charset="0"/>
+                <a:cs typeface="Roboto Light" charset="0"/>
+              </a:rPr>
               <a:t>Innovation</a:t>
             </a:r>
           </a:p>
           <a:p>
             <a:pPr lvl="1"/>
             <a:r>
-              <a:rPr lang="de-CH" dirty="0"/>
+              <a:rPr lang="de-CH" dirty="0">
+                <a:latin typeface="Roboto Light" charset="0"/>
+                <a:ea typeface="Roboto Light" charset="0"/>
+                <a:cs typeface="Roboto Light" charset="0"/>
+              </a:rPr>
               <a:t>Unterscheidung Konkurrenz</a:t>
             </a:r>
           </a:p>
           <a:p>
             <a:r>
-              <a:rPr lang="de-CH" dirty="0"/>
+              <a:rPr lang="de-CH" dirty="0">
+                <a:latin typeface="Roboto Light" charset="0"/>
+                <a:ea typeface="Roboto Light" charset="0"/>
+                <a:cs typeface="Roboto Light" charset="0"/>
+              </a:rPr>
               <a:t>Preispolitik</a:t>
             </a:r>
           </a:p>
           <a:p>
             <a:pPr lvl="1"/>
             <a:r>
-              <a:rPr lang="de-CH" dirty="0"/>
+              <a:rPr lang="de-CH" dirty="0">
+                <a:latin typeface="Roboto Light" charset="0"/>
+                <a:ea typeface="Roboto Light" charset="0"/>
+                <a:cs typeface="Roboto Light" charset="0"/>
+              </a:rPr>
               <a:t>Kostendeckungspreis</a:t>
             </a:r>
           </a:p>
           <a:p>
             <a:pPr lvl="1"/>
             <a:r>
-              <a:rPr lang="de-CH" dirty="0"/>
+              <a:rPr lang="de-CH" dirty="0">
+                <a:latin typeface="Roboto Light" charset="0"/>
+                <a:ea typeface="Roboto Light" charset="0"/>
+                <a:cs typeface="Roboto Light" charset="0"/>
+              </a:rPr>
               <a:t>Penetrationspreis</a:t>
             </a:r>
           </a:p>
           <a:p>
             <a:r>
-              <a:rPr lang="de-CH" dirty="0"/>
+              <a:rPr lang="de-CH" dirty="0">
+                <a:latin typeface="Roboto Light" charset="0"/>
+                <a:ea typeface="Roboto Light" charset="0"/>
+                <a:cs typeface="Roboto Light" charset="0"/>
+              </a:rPr>
               <a:t>Distributionspolitik</a:t>
             </a:r>
           </a:p>
           <a:p>
             <a:pPr lvl="1"/>
             <a:r>
-              <a:rPr lang="de-CH" dirty="0" err="1"/>
-              <a:t>Distrubutionskanal</a:t>
-            </a:r>
-            <a:endParaRPr lang="de-CH" dirty="0"/>
+              <a:rPr lang="de-CH" dirty="0" smtClean="0">
+                <a:latin typeface="Roboto Light" charset="0"/>
+                <a:ea typeface="Roboto Light" charset="0"/>
+                <a:cs typeface="Roboto Light" charset="0"/>
+              </a:rPr>
+              <a:t>Distributionskanal</a:t>
+            </a:r>
+            <a:endParaRPr lang="de-CH" dirty="0">
+              <a:latin typeface="Roboto Light" charset="0"/>
+              <a:ea typeface="Roboto Light" charset="0"/>
+              <a:cs typeface="Roboto Light" charset="0"/>
+            </a:endParaRPr>
           </a:p>
           <a:p>
             <a:pPr lvl="1"/>
             <a:r>
-              <a:rPr lang="de-CH" dirty="0"/>
+              <a:rPr lang="de-CH" dirty="0">
+                <a:latin typeface="Roboto Light" charset="0"/>
+                <a:ea typeface="Roboto Light" charset="0"/>
+                <a:cs typeface="Roboto Light" charset="0"/>
+              </a:rPr>
               <a:t>E-Commerce</a:t>
             </a:r>
           </a:p>
           <a:p>
             <a:r>
-              <a:rPr lang="de-CH" dirty="0"/>
+              <a:rPr lang="de-CH" dirty="0">
+                <a:latin typeface="Roboto Light" charset="0"/>
+                <a:ea typeface="Roboto Light" charset="0"/>
+                <a:cs typeface="Roboto Light" charset="0"/>
+              </a:rPr>
               <a:t>Kommunikationspolitik</a:t>
             </a:r>
           </a:p>
           <a:p>
             <a:pPr lvl="1"/>
             <a:r>
-              <a:rPr lang="de-CH" dirty="0"/>
+              <a:rPr lang="de-CH" dirty="0">
+                <a:latin typeface="Roboto Light" charset="0"/>
+                <a:ea typeface="Roboto Light" charset="0"/>
+                <a:cs typeface="Roboto Light" charset="0"/>
+              </a:rPr>
               <a:t>Individualkommunikation</a:t>
             </a:r>
           </a:p>
           <a:p>
             <a:pPr lvl="1"/>
             <a:r>
-              <a:rPr lang="de-CH" dirty="0"/>
+              <a:rPr lang="de-CH" dirty="0">
+                <a:latin typeface="Roboto Light" charset="0"/>
+                <a:ea typeface="Roboto Light" charset="0"/>
+                <a:cs typeface="Roboto Light" charset="0"/>
+              </a:rPr>
               <a:t>Massenkommunikation</a:t>
             </a:r>
           </a:p>
           <a:p>
             <a:pPr lvl="1"/>
             <a:r>
-              <a:rPr lang="de-CH" dirty="0"/>
+              <a:rPr lang="de-CH" dirty="0">
+                <a:latin typeface="Roboto Light" charset="0"/>
+                <a:ea typeface="Roboto Light" charset="0"/>
+                <a:cs typeface="Roboto Light" charset="0"/>
+              </a:rPr>
               <a:t>Marke</a:t>
             </a:r>
           </a:p>
           <a:p>
             <a:pPr lvl="1"/>
             <a:r>
-              <a:rPr lang="de-CH" dirty="0"/>
+              <a:rPr lang="de-CH" dirty="0">
+                <a:latin typeface="Roboto Light" charset="0"/>
+                <a:ea typeface="Roboto Light" charset="0"/>
+                <a:cs typeface="Roboto Light" charset="0"/>
+              </a:rPr>
               <a:t>Corporate Identity</a:t>
             </a:r>
           </a:p>
@@ -10231,7 +10297,7 @@
           <p:cNvPr id="4" name="Inhaltsplatzhalter 3">
             <a:extLst>
               <a:ext uri="{FF2B5EF4-FFF2-40B4-BE49-F238E27FC236}">
-                <a16:creationId xmlns:a16="http://schemas.microsoft.com/office/drawing/2014/main" id="{C1B0DCB8-FAC0-4FE3-ADA2-FA540D4C558D}"/>
+                <a16:creationId xmlns:a16="http://schemas.microsoft.com/office/drawing/2014/main" xmlns="" id="{C1B0DCB8-FAC0-4FE3-ADA2-FA540D4C558D}"/>
               </a:ext>
             </a:extLst>
           </p:cNvPr>
@@ -10248,67 +10314,128 @@
           <a:lstStyle/>
           <a:p>
             <a:r>
-              <a:rPr lang="de-CH" dirty="0"/>
+              <a:rPr lang="de-CH" dirty="0">
+                <a:latin typeface="Roboto Light" charset="0"/>
+                <a:ea typeface="Roboto Light" charset="0"/>
+                <a:cs typeface="Roboto Light" charset="0"/>
+              </a:rPr>
               <a:t>Risiken</a:t>
             </a:r>
           </a:p>
           <a:p>
             <a:pPr lvl="1"/>
             <a:r>
-              <a:rPr lang="de-CH" dirty="0"/>
+              <a:rPr lang="de-CH" dirty="0">
+                <a:latin typeface="Roboto Light" charset="0"/>
+                <a:ea typeface="Roboto Light" charset="0"/>
+                <a:cs typeface="Roboto Light" charset="0"/>
+              </a:rPr>
               <a:t>Es gibt bereits ähnliche Tools</a:t>
             </a:r>
           </a:p>
           <a:p>
             <a:pPr lvl="1"/>
             <a:r>
-              <a:rPr lang="de-CH" dirty="0"/>
+              <a:rPr lang="de-CH" dirty="0">
+                <a:latin typeface="Roboto Light" charset="0"/>
+                <a:ea typeface="Roboto Light" charset="0"/>
+                <a:cs typeface="Roboto Light" charset="0"/>
+              </a:rPr>
               <a:t>Leute könnten mehr auf grosse Firmen vertrauen</a:t>
             </a:r>
           </a:p>
           <a:p>
             <a:pPr lvl="1"/>
             <a:r>
-              <a:rPr lang="de-CH" dirty="0"/>
+              <a:rPr lang="de-CH" dirty="0">
+                <a:latin typeface="Roboto Light" charset="0"/>
+                <a:ea typeface="Roboto Light" charset="0"/>
+                <a:cs typeface="Roboto Light" charset="0"/>
+              </a:rPr>
               <a:t> kleines Team</a:t>
             </a:r>
           </a:p>
           <a:p>
             <a:pPr lvl="1"/>
-            <a:endParaRPr lang="de-CH" dirty="0"/>
-          </a:p>
-          <a:p>
-            <a:r>
-              <a:rPr lang="de-CH" dirty="0"/>
+            <a:endParaRPr lang="de-CH" dirty="0">
+              <a:latin typeface="Roboto Light" charset="0"/>
+              <a:ea typeface="Roboto Light" charset="0"/>
+              <a:cs typeface="Roboto Light" charset="0"/>
+            </a:endParaRPr>
+          </a:p>
+          <a:p>
+            <a:r>
+              <a:rPr lang="de-CH" dirty="0">
+                <a:latin typeface="Roboto Light" charset="0"/>
+                <a:ea typeface="Roboto Light" charset="0"/>
+                <a:cs typeface="Roboto Light" charset="0"/>
+              </a:rPr>
               <a:t>Konkurrenz</a:t>
             </a:r>
           </a:p>
           <a:p>
             <a:pPr lvl="1"/>
             <a:r>
-              <a:rPr lang="de-CH" dirty="0" err="1"/>
+              <a:rPr lang="de-CH" dirty="0" err="1" smtClean="0">
+                <a:latin typeface="Roboto Light" charset="0"/>
+                <a:ea typeface="Roboto Light" charset="0"/>
+                <a:cs typeface="Roboto Light" charset="0"/>
+              </a:rPr>
               <a:t>One</a:t>
             </a:r>
             <a:r>
-              <a:rPr lang="de-CH" dirty="0"/>
-              <a:t> Note</a:t>
-            </a:r>
+              <a:rPr lang="de-CH" dirty="0">
+                <a:latin typeface="Roboto Light" charset="0"/>
+                <a:ea typeface="Roboto Light" charset="0"/>
+                <a:cs typeface="Roboto Light" charset="0"/>
+              </a:rPr>
+              <a:t>-</a:t>
+            </a:r>
+            <a:r>
+              <a:rPr lang="de-CH" dirty="0" smtClean="0">
+                <a:latin typeface="Roboto Light" charset="0"/>
+                <a:ea typeface="Roboto Light" charset="0"/>
+                <a:cs typeface="Roboto Light" charset="0"/>
+              </a:rPr>
+              <a:t>Note</a:t>
+            </a:r>
+            <a:endParaRPr lang="de-CH" dirty="0">
+              <a:latin typeface="Roboto Light" charset="0"/>
+              <a:ea typeface="Roboto Light" charset="0"/>
+              <a:cs typeface="Roboto Light" charset="0"/>
+            </a:endParaRPr>
           </a:p>
           <a:p>
             <a:pPr lvl="1"/>
             <a:r>
-              <a:rPr lang="de-CH" dirty="0" err="1"/>
+              <a:rPr lang="de-CH" dirty="0" err="1">
+                <a:latin typeface="Roboto Light" charset="0"/>
+                <a:ea typeface="Roboto Light" charset="0"/>
+                <a:cs typeface="Roboto Light" charset="0"/>
+              </a:rPr>
               <a:t>Github</a:t>
             </a:r>
             <a:r>
-              <a:rPr lang="de-CH" dirty="0"/>
+              <a:rPr lang="de-CH" dirty="0">
+                <a:latin typeface="Roboto Light" charset="0"/>
+                <a:ea typeface="Roboto Light" charset="0"/>
+                <a:cs typeface="Roboto Light" charset="0"/>
+              </a:rPr>
               <a:t> </a:t>
             </a:r>
             <a:r>
-              <a:rPr lang="de-CH" dirty="0" err="1"/>
+              <a:rPr lang="de-CH" dirty="0" err="1">
+                <a:latin typeface="Roboto Light" charset="0"/>
+                <a:ea typeface="Roboto Light" charset="0"/>
+                <a:cs typeface="Roboto Light" charset="0"/>
+              </a:rPr>
               <a:t>Gist</a:t>
             </a:r>
-            <a:endParaRPr lang="de-CH" dirty="0"/>
+            <a:endParaRPr lang="de-CH" dirty="0">
+              <a:latin typeface="Roboto Light" charset="0"/>
+              <a:ea typeface="Roboto Light" charset="0"/>
+              <a:cs typeface="Roboto Light" charset="0"/>
+            </a:endParaRPr>
           </a:p>
         </p:txBody>
       </p:sp>
@@ -10322,6 +10449,13 @@
   <p:clrMapOvr>
     <a:masterClrMapping/>
   </p:clrMapOvr>
+  <p:timing>
+    <p:tnLst>
+      <p:par>
+        <p:cTn id="1" dur="indefinite" restart="never" nodeType="tmRoot"/>
+      </p:par>
+    </p:tnLst>
+  </p:timing>
 </p:sld>
 </file>
 
@@ -10347,7 +10481,7 @@
           <p:cNvPr id="2" name="Titel 1">
             <a:extLst>
               <a:ext uri="{FF2B5EF4-FFF2-40B4-BE49-F238E27FC236}">
-                <a16:creationId xmlns:a16="http://schemas.microsoft.com/office/drawing/2014/main" id="{77A482EA-0C07-4B70-BCA9-924CC76A7BDE}"/>
+                <a16:creationId xmlns:a16="http://schemas.microsoft.com/office/drawing/2014/main" xmlns="" id="{77A482EA-0C07-4B70-BCA9-924CC76A7BDE}"/>
               </a:ext>
             </a:extLst>
           </p:cNvPr>
@@ -10364,7 +10498,11 @@
           <a:lstStyle/>
           <a:p>
             <a:r>
-              <a:rPr lang="de-CH" dirty="0"/>
+              <a:rPr lang="de-CH" dirty="0">
+                <a:latin typeface="Roboto Light" charset="0"/>
+                <a:ea typeface="Roboto Light" charset="0"/>
+                <a:cs typeface="Roboto Light" charset="0"/>
+              </a:rPr>
               <a:t>Projektauftrag</a:t>
             </a:r>
           </a:p>
@@ -10375,7 +10513,7 @@
           <p:cNvPr id="3" name="Inhaltsplatzhalter 2">
             <a:extLst>
               <a:ext uri="{FF2B5EF4-FFF2-40B4-BE49-F238E27FC236}">
-                <a16:creationId xmlns:a16="http://schemas.microsoft.com/office/drawing/2014/main" id="{B5211032-1696-4F94-AB0D-5BDE773C71F1}"/>
+                <a16:creationId xmlns:a16="http://schemas.microsoft.com/office/drawing/2014/main" xmlns="" id="{B5211032-1696-4F94-AB0D-5BDE773C71F1}"/>
               </a:ext>
             </a:extLst>
           </p:cNvPr>
@@ -10392,97 +10530,157 @@
           <a:lstStyle/>
           <a:p>
             <a:r>
-              <a:rPr lang="de-CH" dirty="0"/>
+              <a:rPr lang="de-CH" dirty="0">
+                <a:latin typeface="Roboto Light" charset="0"/>
+                <a:ea typeface="Roboto Light" charset="0"/>
+                <a:cs typeface="Roboto Light" charset="0"/>
+              </a:rPr>
               <a:t>Online Notiz App</a:t>
             </a:r>
           </a:p>
           <a:p>
             <a:pPr lvl="1"/>
             <a:r>
-              <a:rPr lang="de-CH" dirty="0"/>
+              <a:rPr lang="de-CH" dirty="0">
+                <a:latin typeface="Roboto Light" charset="0"/>
+                <a:ea typeface="Roboto Light" charset="0"/>
+                <a:cs typeface="Roboto Light" charset="0"/>
+              </a:rPr>
               <a:t>Frontend</a:t>
             </a:r>
           </a:p>
           <a:p>
             <a:pPr lvl="2"/>
             <a:r>
-              <a:rPr lang="de-CH" dirty="0"/>
+              <a:rPr lang="de-CH" dirty="0">
+                <a:latin typeface="Roboto Light" charset="0"/>
+                <a:ea typeface="Roboto Light" charset="0"/>
+                <a:cs typeface="Roboto Light" charset="0"/>
+              </a:rPr>
               <a:t>Ansehen von Notizen</a:t>
             </a:r>
           </a:p>
           <a:p>
             <a:pPr lvl="2"/>
             <a:r>
-              <a:rPr lang="de-CH" dirty="0"/>
+              <a:rPr lang="de-CH" dirty="0">
+                <a:latin typeface="Roboto Light" charset="0"/>
+                <a:ea typeface="Roboto Light" charset="0"/>
+                <a:cs typeface="Roboto Light" charset="0"/>
+              </a:rPr>
               <a:t>Bearbeiten, Hinzufügen und löschen von Notizen</a:t>
             </a:r>
           </a:p>
           <a:p>
             <a:pPr lvl="2"/>
             <a:r>
-              <a:rPr lang="de-CH" dirty="0"/>
+              <a:rPr lang="de-CH" dirty="0">
+                <a:latin typeface="Roboto Light" charset="0"/>
+                <a:ea typeface="Roboto Light" charset="0"/>
+                <a:cs typeface="Roboto Light" charset="0"/>
+              </a:rPr>
               <a:t>Benutzerverwaltung</a:t>
             </a:r>
           </a:p>
           <a:p>
             <a:pPr lvl="2"/>
             <a:r>
-              <a:rPr lang="de-CH" dirty="0"/>
+              <a:rPr lang="de-CH" dirty="0">
+                <a:latin typeface="Roboto Light" charset="0"/>
+                <a:ea typeface="Roboto Light" charset="0"/>
+                <a:cs typeface="Roboto Light" charset="0"/>
+              </a:rPr>
               <a:t>Notizen an User binden</a:t>
             </a:r>
           </a:p>
           <a:p>
             <a:pPr lvl="1"/>
             <a:r>
-              <a:rPr lang="de-CH" dirty="0"/>
+              <a:rPr lang="de-CH" dirty="0">
+                <a:latin typeface="Roboto Light" charset="0"/>
+                <a:ea typeface="Roboto Light" charset="0"/>
+                <a:cs typeface="Roboto Light" charset="0"/>
+              </a:rPr>
               <a:t>Backend</a:t>
             </a:r>
           </a:p>
           <a:p>
             <a:pPr lvl="2"/>
             <a:r>
-              <a:rPr lang="de-CH" dirty="0"/>
+              <a:rPr lang="de-CH" dirty="0">
+                <a:latin typeface="Roboto Light" charset="0"/>
+                <a:ea typeface="Roboto Light" charset="0"/>
+                <a:cs typeface="Roboto Light" charset="0"/>
+              </a:rPr>
               <a:t>Validierung von Eingabedaten</a:t>
             </a:r>
           </a:p>
           <a:p>
             <a:pPr lvl="2"/>
             <a:r>
-              <a:rPr lang="de-CH" dirty="0"/>
+              <a:rPr lang="de-CH" dirty="0">
+                <a:latin typeface="Roboto Light" charset="0"/>
+                <a:ea typeface="Roboto Light" charset="0"/>
+                <a:cs typeface="Roboto Light" charset="0"/>
+              </a:rPr>
               <a:t>Speichern und verwalten von Daten</a:t>
             </a:r>
           </a:p>
           <a:p>
             <a:pPr lvl="2"/>
             <a:r>
-              <a:rPr lang="de-CH" dirty="0"/>
+              <a:rPr lang="de-CH" dirty="0">
+                <a:latin typeface="Roboto Light" charset="0"/>
+                <a:ea typeface="Roboto Light" charset="0"/>
+                <a:cs typeface="Roboto Light" charset="0"/>
+              </a:rPr>
               <a:t>Benutzerverwaltung</a:t>
             </a:r>
           </a:p>
           <a:p>
             <a:pPr lvl="2"/>
             <a:r>
-              <a:rPr lang="de-CH" dirty="0"/>
+              <a:rPr lang="de-CH" dirty="0">
+                <a:latin typeface="Roboto Light" charset="0"/>
+                <a:ea typeface="Roboto Light" charset="0"/>
+                <a:cs typeface="Roboto Light" charset="0"/>
+              </a:rPr>
               <a:t>Vergeben von Berechtigungen</a:t>
             </a:r>
           </a:p>
           <a:p>
             <a:pPr lvl="2"/>
             <a:r>
-              <a:rPr lang="de-CH" dirty="0"/>
+              <a:rPr lang="de-CH" dirty="0">
+                <a:latin typeface="Roboto Light" charset="0"/>
+                <a:ea typeface="Roboto Light" charset="0"/>
+                <a:cs typeface="Roboto Light" charset="0"/>
+              </a:rPr>
               <a:t>Zuweisen von Gruppen</a:t>
             </a:r>
           </a:p>
           <a:p>
             <a:pPr lvl="1"/>
-            <a:endParaRPr lang="de-CH" dirty="0"/>
+            <a:endParaRPr lang="de-CH" dirty="0">
+              <a:latin typeface="Roboto Light" charset="0"/>
+              <a:ea typeface="Roboto Light" charset="0"/>
+              <a:cs typeface="Roboto Light" charset="0"/>
+            </a:endParaRPr>
           </a:p>
           <a:p>
             <a:pPr lvl="1"/>
-            <a:endParaRPr lang="de-CH" dirty="0"/>
-          </a:p>
-          <a:p>
-            <a:endParaRPr lang="de-CH" dirty="0"/>
+            <a:endParaRPr lang="de-CH" dirty="0">
+              <a:latin typeface="Roboto Light" charset="0"/>
+              <a:ea typeface="Roboto Light" charset="0"/>
+              <a:cs typeface="Roboto Light" charset="0"/>
+            </a:endParaRPr>
+          </a:p>
+          <a:p>
+            <a:endParaRPr lang="de-CH" dirty="0">
+              <a:latin typeface="Roboto Light" charset="0"/>
+              <a:ea typeface="Roboto Light" charset="0"/>
+              <a:cs typeface="Roboto Light" charset="0"/>
+            </a:endParaRPr>
           </a:p>
         </p:txBody>
       </p:sp>
@@ -10491,7 +10689,7 @@
           <p:cNvPr id="4" name="Inhaltsplatzhalter 3">
             <a:extLst>
               <a:ext uri="{FF2B5EF4-FFF2-40B4-BE49-F238E27FC236}">
-                <a16:creationId xmlns:a16="http://schemas.microsoft.com/office/drawing/2014/main" id="{DE99512F-1923-4A19-BC1D-60CDBD8E83AA}"/>
+                <a16:creationId xmlns:a16="http://schemas.microsoft.com/office/drawing/2014/main" xmlns="" id="{DE99512F-1923-4A19-BC1D-60CDBD8E83AA}"/>
               </a:ext>
             </a:extLst>
           </p:cNvPr>
@@ -10510,115 +10708,191 @@
           <a:lstStyle/>
           <a:p>
             <a:r>
-              <a:rPr lang="de-CH" dirty="0"/>
+              <a:rPr lang="de-CH" dirty="0">
+                <a:latin typeface="Roboto Light" charset="0"/>
+                <a:ea typeface="Roboto Light" charset="0"/>
+                <a:cs typeface="Roboto Light" charset="0"/>
+              </a:rPr>
               <a:t>Learning</a:t>
             </a:r>
           </a:p>
           <a:p>
             <a:pPr lvl="1"/>
             <a:r>
-              <a:rPr lang="de-CH" dirty="0"/>
+              <a:rPr lang="de-CH" dirty="0">
+                <a:latin typeface="Roboto Light" charset="0"/>
+                <a:ea typeface="Roboto Light" charset="0"/>
+                <a:cs typeface="Roboto Light" charset="0"/>
+              </a:rPr>
               <a:t>Führung eines Projektes mit agilen Methoden</a:t>
             </a:r>
           </a:p>
           <a:p>
             <a:pPr lvl="2"/>
             <a:r>
-              <a:rPr lang="de-CH" dirty="0"/>
+              <a:rPr lang="de-CH" dirty="0">
+                <a:latin typeface="Roboto Light" charset="0"/>
+                <a:ea typeface="Roboto Light" charset="0"/>
+                <a:cs typeface="Roboto Light" charset="0"/>
+              </a:rPr>
               <a:t>Weekly Meetings</a:t>
             </a:r>
           </a:p>
           <a:p>
             <a:pPr lvl="2"/>
             <a:r>
-              <a:rPr lang="de-CH" dirty="0"/>
+              <a:rPr lang="de-CH" dirty="0">
+                <a:latin typeface="Roboto Light" charset="0"/>
+                <a:ea typeface="Roboto Light" charset="0"/>
+                <a:cs typeface="Roboto Light" charset="0"/>
+              </a:rPr>
               <a:t>Backlog auf </a:t>
             </a:r>
             <a:r>
-              <a:rPr lang="de-CH" dirty="0" err="1"/>
-              <a:t>Github</a:t>
-            </a:r>
-            <a:endParaRPr lang="de-CH" dirty="0"/>
+              <a:rPr lang="de-CH" dirty="0" err="1" smtClean="0">
+                <a:latin typeface="Roboto Light" charset="0"/>
+                <a:ea typeface="Roboto Light" charset="0"/>
+                <a:cs typeface="Roboto Light" charset="0"/>
+              </a:rPr>
+              <a:t>GitHub</a:t>
+            </a:r>
+            <a:endParaRPr lang="de-CH" dirty="0">
+              <a:latin typeface="Roboto Light" charset="0"/>
+              <a:ea typeface="Roboto Light" charset="0"/>
+              <a:cs typeface="Roboto Light" charset="0"/>
+            </a:endParaRPr>
           </a:p>
           <a:p>
             <a:pPr lvl="1"/>
             <a:r>
-              <a:rPr lang="de-CH" dirty="0"/>
+              <a:rPr lang="de-CH" dirty="0">
+                <a:latin typeface="Roboto Light" charset="0"/>
+                <a:ea typeface="Roboto Light" charset="0"/>
+                <a:cs typeface="Roboto Light" charset="0"/>
+              </a:rPr>
               <a:t>Version Control mit </a:t>
             </a:r>
             <a:r>
-              <a:rPr lang="de-CH" dirty="0" err="1"/>
-              <a:t>Github</a:t>
-            </a:r>
-            <a:endParaRPr lang="de-CH" dirty="0"/>
+              <a:rPr lang="de-CH" dirty="0" err="1" smtClean="0">
+                <a:latin typeface="Roboto Light" charset="0"/>
+                <a:ea typeface="Roboto Light" charset="0"/>
+                <a:cs typeface="Roboto Light" charset="0"/>
+              </a:rPr>
+              <a:t>GitHub</a:t>
+            </a:r>
+            <a:endParaRPr lang="de-CH" dirty="0">
+              <a:latin typeface="Roboto Light" charset="0"/>
+              <a:ea typeface="Roboto Light" charset="0"/>
+              <a:cs typeface="Roboto Light" charset="0"/>
+            </a:endParaRPr>
           </a:p>
           <a:p>
             <a:pPr lvl="1"/>
             <a:r>
-              <a:rPr lang="de-CH" dirty="0"/>
+              <a:rPr lang="de-CH" dirty="0">
+                <a:latin typeface="Roboto Light" charset="0"/>
+                <a:ea typeface="Roboto Light" charset="0"/>
+                <a:cs typeface="Roboto Light" charset="0"/>
+              </a:rPr>
               <a:t>Projektrisiken analysieren</a:t>
             </a:r>
           </a:p>
           <a:p>
             <a:pPr lvl="2"/>
             <a:r>
-              <a:rPr lang="de-CH" dirty="0"/>
+              <a:rPr lang="de-CH" dirty="0">
+                <a:latin typeface="Roboto Light" charset="0"/>
+                <a:ea typeface="Roboto Light" charset="0"/>
+                <a:cs typeface="Roboto Light" charset="0"/>
+              </a:rPr>
               <a:t>Risikoanalyse</a:t>
             </a:r>
           </a:p>
           <a:p>
             <a:pPr lvl="1"/>
             <a:r>
-              <a:rPr lang="de-CH" dirty="0"/>
+              <a:rPr lang="de-CH" dirty="0">
+                <a:latin typeface="Roboto Light" charset="0"/>
+                <a:ea typeface="Roboto Light" charset="0"/>
+                <a:cs typeface="Roboto Light" charset="0"/>
+              </a:rPr>
               <a:t>Kommunikation in einem Team</a:t>
             </a:r>
           </a:p>
           <a:p>
             <a:pPr lvl="2"/>
             <a:r>
-              <a:rPr lang="de-CH" dirty="0"/>
+              <a:rPr lang="de-CH" dirty="0">
+                <a:latin typeface="Roboto Light" charset="0"/>
+                <a:ea typeface="Roboto Light" charset="0"/>
+                <a:cs typeface="Roboto Light" charset="0"/>
+              </a:rPr>
               <a:t>RACI Chart</a:t>
             </a:r>
           </a:p>
           <a:p>
             <a:pPr lvl="2"/>
             <a:r>
-              <a:rPr lang="de-CH" dirty="0"/>
+              <a:rPr lang="de-CH" dirty="0">
+                <a:latin typeface="Roboto Light" charset="0"/>
+                <a:ea typeface="Roboto Light" charset="0"/>
+                <a:cs typeface="Roboto Light" charset="0"/>
+              </a:rPr>
               <a:t>Protokolle</a:t>
             </a:r>
           </a:p>
           <a:p>
             <a:pPr lvl="1"/>
             <a:r>
-              <a:rPr lang="de-CH" dirty="0"/>
+              <a:rPr lang="de-CH" dirty="0">
+                <a:latin typeface="Roboto Light" charset="0"/>
+                <a:ea typeface="Roboto Light" charset="0"/>
+                <a:cs typeface="Roboto Light" charset="0"/>
+              </a:rPr>
               <a:t>Planung</a:t>
             </a:r>
           </a:p>
           <a:p>
             <a:pPr lvl="2"/>
             <a:r>
-              <a:rPr lang="de-CH" dirty="0"/>
+              <a:rPr lang="de-CH" dirty="0">
+                <a:latin typeface="Roboto Light" charset="0"/>
+                <a:ea typeface="Roboto Light" charset="0"/>
+                <a:cs typeface="Roboto Light" charset="0"/>
+              </a:rPr>
               <a:t>SMART</a:t>
             </a:r>
           </a:p>
           <a:p>
             <a:pPr lvl="2"/>
             <a:r>
-              <a:rPr lang="de-CH" dirty="0"/>
+              <a:rPr lang="de-CH" dirty="0">
+                <a:latin typeface="Roboto Light" charset="0"/>
+                <a:ea typeface="Roboto Light" charset="0"/>
+                <a:cs typeface="Roboto Light" charset="0"/>
+              </a:rPr>
               <a:t>Aufgabenaufteilung</a:t>
             </a:r>
           </a:p>
           <a:p>
             <a:pPr lvl="1"/>
             <a:r>
-              <a:rPr lang="de-CH" dirty="0"/>
+              <a:rPr lang="de-CH" dirty="0">
+                <a:latin typeface="Roboto Light" charset="0"/>
+                <a:ea typeface="Roboto Light" charset="0"/>
+                <a:cs typeface="Roboto Light" charset="0"/>
+              </a:rPr>
               <a:t>Realisation</a:t>
             </a:r>
           </a:p>
           <a:p>
             <a:pPr lvl="2"/>
             <a:r>
-              <a:rPr lang="de-CH" dirty="0"/>
+              <a:rPr lang="de-CH" dirty="0">
+                <a:latin typeface="Roboto Light" charset="0"/>
+                <a:ea typeface="Roboto Light" charset="0"/>
+                <a:cs typeface="Roboto Light" charset="0"/>
+              </a:rPr>
               <a:t>Kommunikation</a:t>
             </a:r>
           </a:p>
@@ -10626,14 +10900,26 @@
             <a:pPr marL="384048" lvl="2" indent="0">
               <a:buNone/>
             </a:pPr>
-            <a:endParaRPr lang="de-CH" dirty="0"/>
+            <a:endParaRPr lang="de-CH" dirty="0">
+              <a:latin typeface="Roboto Light" charset="0"/>
+              <a:ea typeface="Roboto Light" charset="0"/>
+              <a:cs typeface="Roboto Light" charset="0"/>
+            </a:endParaRPr>
           </a:p>
           <a:p>
             <a:pPr lvl="2"/>
-            <a:endParaRPr lang="de-CH" dirty="0"/>
-          </a:p>
-          <a:p>
-            <a:endParaRPr lang="de-CH" dirty="0"/>
+            <a:endParaRPr lang="de-CH" dirty="0">
+              <a:latin typeface="Roboto Light" charset="0"/>
+              <a:ea typeface="Roboto Light" charset="0"/>
+              <a:cs typeface="Roboto Light" charset="0"/>
+            </a:endParaRPr>
+          </a:p>
+          <a:p>
+            <a:endParaRPr lang="de-CH" dirty="0">
+              <a:latin typeface="Roboto Light" charset="0"/>
+              <a:ea typeface="Roboto Light" charset="0"/>
+              <a:cs typeface="Roboto Light" charset="0"/>
+            </a:endParaRPr>
           </a:p>
         </p:txBody>
       </p:sp>
@@ -10647,6 +10933,13 @@
   <p:clrMapOvr>
     <a:masterClrMapping/>
   </p:clrMapOvr>
+  <p:timing>
+    <p:tnLst>
+      <p:par>
+        <p:cTn id="1" dur="indefinite" restart="never" nodeType="tmRoot"/>
+      </p:par>
+    </p:tnLst>
+  </p:timing>
 </p:sld>
 </file>
 
@@ -10672,7 +10965,7 @@
           <p:cNvPr id="2" name="Titel 1">
             <a:extLst>
               <a:ext uri="{FF2B5EF4-FFF2-40B4-BE49-F238E27FC236}">
-                <a16:creationId xmlns:a16="http://schemas.microsoft.com/office/drawing/2014/main" id="{0412995C-1E2F-422A-B992-6A5FBC842385}"/>
+                <a16:creationId xmlns:a16="http://schemas.microsoft.com/office/drawing/2014/main" xmlns="" id="{0412995C-1E2F-422A-B992-6A5FBC842385}"/>
               </a:ext>
             </a:extLst>
           </p:cNvPr>
@@ -10689,7 +10982,11 @@
           <a:lstStyle/>
           <a:p>
             <a:r>
-              <a:rPr lang="de-CH" dirty="0"/>
+              <a:rPr lang="de-CH" dirty="0">
+                <a:latin typeface="Roboto Light" charset="0"/>
+                <a:ea typeface="Roboto Light" charset="0"/>
+                <a:cs typeface="Roboto Light" charset="0"/>
+              </a:rPr>
               <a:t>Das magische Dreieck</a:t>
             </a:r>
           </a:p>
@@ -10700,7 +10997,7 @@
           <p:cNvPr id="4" name="Inhaltsplatzhalter 3">
             <a:extLst>
               <a:ext uri="{FF2B5EF4-FFF2-40B4-BE49-F238E27FC236}">
-                <a16:creationId xmlns:a16="http://schemas.microsoft.com/office/drawing/2014/main" id="{EA24E786-A72D-4BD4-86B8-28558FAC1710}"/>
+                <a16:creationId xmlns:a16="http://schemas.microsoft.com/office/drawing/2014/main" xmlns="" id="{EA24E786-A72D-4BD4-86B8-28558FAC1710}"/>
               </a:ext>
             </a:extLst>
           </p:cNvPr>
@@ -10717,62 +11014,102 @@
           <a:lstStyle/>
           <a:p>
             <a:r>
-              <a:rPr lang="de-CH" dirty="0"/>
+              <a:rPr lang="de-CH" dirty="0">
+                <a:latin typeface="Roboto Light" charset="0"/>
+                <a:ea typeface="Roboto Light" charset="0"/>
+                <a:cs typeface="Roboto Light" charset="0"/>
+              </a:rPr>
               <a:t>Zeitraum:</a:t>
             </a:r>
           </a:p>
           <a:p>
             <a:pPr lvl="1"/>
             <a:r>
-              <a:rPr lang="de-CH" dirty="0"/>
+              <a:rPr lang="de-CH" dirty="0">
+                <a:latin typeface="Roboto Light" charset="0"/>
+                <a:ea typeface="Roboto Light" charset="0"/>
+                <a:cs typeface="Roboto Light" charset="0"/>
+              </a:rPr>
               <a:t>04.09.2017 - 06.11.2017</a:t>
             </a:r>
           </a:p>
           <a:p>
             <a:pPr lvl="1"/>
-            <a:endParaRPr lang="de-CH" dirty="0"/>
-          </a:p>
-          <a:p>
-            <a:r>
-              <a:rPr lang="de-CH" dirty="0"/>
+            <a:endParaRPr lang="de-CH" dirty="0">
+              <a:latin typeface="Roboto Light" charset="0"/>
+              <a:ea typeface="Roboto Light" charset="0"/>
+              <a:cs typeface="Roboto Light" charset="0"/>
+            </a:endParaRPr>
+          </a:p>
+          <a:p>
+            <a:r>
+              <a:rPr lang="de-CH" dirty="0">
+                <a:latin typeface="Roboto Light" charset="0"/>
+                <a:ea typeface="Roboto Light" charset="0"/>
+                <a:cs typeface="Roboto Light" charset="0"/>
+              </a:rPr>
               <a:t>Kosten:</a:t>
             </a:r>
           </a:p>
           <a:p>
             <a:pPr lvl="1"/>
             <a:r>
-              <a:rPr lang="de-CH" dirty="0"/>
+              <a:rPr lang="de-CH" dirty="0">
+                <a:latin typeface="Roboto Light" charset="0"/>
+                <a:ea typeface="Roboto Light" charset="0"/>
+                <a:cs typeface="Roboto Light" charset="0"/>
+              </a:rPr>
               <a:t>Keine (nicht kommerzielles Projekt)</a:t>
             </a:r>
           </a:p>
           <a:p>
             <a:pPr lvl="1"/>
             <a:r>
-              <a:rPr lang="de-CH" dirty="0"/>
+              <a:rPr lang="de-CH" dirty="0">
+                <a:latin typeface="Roboto Light" charset="0"/>
+                <a:ea typeface="Roboto Light" charset="0"/>
+                <a:cs typeface="Roboto Light" charset="0"/>
+              </a:rPr>
               <a:t>1200.- CHF</a:t>
             </a:r>
           </a:p>
           <a:p>
             <a:pPr lvl="1"/>
-            <a:endParaRPr lang="de-CH" dirty="0"/>
-          </a:p>
-          <a:p>
-            <a:r>
-              <a:rPr lang="de-CH" dirty="0"/>
+            <a:endParaRPr lang="de-CH" dirty="0">
+              <a:latin typeface="Roboto Light" charset="0"/>
+              <a:ea typeface="Roboto Light" charset="0"/>
+              <a:cs typeface="Roboto Light" charset="0"/>
+            </a:endParaRPr>
+          </a:p>
+          <a:p>
+            <a:r>
+              <a:rPr lang="de-CH" dirty="0">
+                <a:latin typeface="Roboto Light" charset="0"/>
+                <a:ea typeface="Roboto Light" charset="0"/>
+                <a:cs typeface="Roboto Light" charset="0"/>
+              </a:rPr>
               <a:t>Qualitätssicherung</a:t>
             </a:r>
           </a:p>
           <a:p>
             <a:pPr lvl="1"/>
             <a:r>
-              <a:rPr lang="de-CH" dirty="0"/>
+              <a:rPr lang="de-CH" dirty="0">
+                <a:latin typeface="Roboto Light" charset="0"/>
+                <a:ea typeface="Roboto Light" charset="0"/>
+                <a:cs typeface="Roboto Light" charset="0"/>
+              </a:rPr>
               <a:t>Tests</a:t>
             </a:r>
           </a:p>
           <a:p>
             <a:pPr lvl="1"/>
             <a:r>
-              <a:rPr lang="de-CH" dirty="0"/>
+              <a:rPr lang="de-CH" dirty="0">
+                <a:latin typeface="Roboto Light" charset="0"/>
+                <a:ea typeface="Roboto Light" charset="0"/>
+                <a:cs typeface="Roboto Light" charset="0"/>
+              </a:rPr>
               <a:t>Code Revision</a:t>
             </a:r>
           </a:p>
@@ -10783,7 +11120,7 @@
           <p:cNvPr id="2050" name="Picture 2" descr="Image result for magisches dreieck">
             <a:extLst>
               <a:ext uri="{FF2B5EF4-FFF2-40B4-BE49-F238E27FC236}">
-                <a16:creationId xmlns:a16="http://schemas.microsoft.com/office/drawing/2014/main" id="{23449F84-BA65-44E7-986A-42D77702E06C}"/>
+                <a16:creationId xmlns:a16="http://schemas.microsoft.com/office/drawing/2014/main" xmlns="" id="{23449F84-BA65-44E7-986A-42D77702E06C}"/>
               </a:ext>
             </a:extLst>
           </p:cNvPr>
@@ -10837,6 +11174,13 @@
   <p:clrMapOvr>
     <a:masterClrMapping/>
   </p:clrMapOvr>
+  <p:timing>
+    <p:tnLst>
+      <p:par>
+        <p:cTn id="1" dur="indefinite" restart="never" nodeType="tmRoot"/>
+      </p:par>
+    </p:tnLst>
+  </p:timing>
 </p:sld>
 </file>
 
@@ -10862,7 +11206,7 @@
           <p:cNvPr id="2" name="Titel 1">
             <a:extLst>
               <a:ext uri="{FF2B5EF4-FFF2-40B4-BE49-F238E27FC236}">
-                <a16:creationId xmlns:a16="http://schemas.microsoft.com/office/drawing/2014/main" id="{485F25B1-6C73-49CF-9479-C7F884808BDD}"/>
+                <a16:creationId xmlns:a16="http://schemas.microsoft.com/office/drawing/2014/main" xmlns="" id="{485F25B1-6C73-49CF-9479-C7F884808BDD}"/>
               </a:ext>
             </a:extLst>
           </p:cNvPr>
@@ -10879,7 +11223,11 @@
           <a:lstStyle/>
           <a:p>
             <a:r>
-              <a:rPr lang="de-CH" dirty="0"/>
+              <a:rPr lang="de-CH" dirty="0">
+                <a:latin typeface="Roboto Light" charset="0"/>
+                <a:ea typeface="Roboto Light" charset="0"/>
+                <a:cs typeface="Roboto Light" charset="0"/>
+              </a:rPr>
               <a:t>Projektziele</a:t>
             </a:r>
           </a:p>
@@ -10890,7 +11238,7 @@
           <p:cNvPr id="3" name="Inhaltsplatzhalter 2">
             <a:extLst>
               <a:ext uri="{FF2B5EF4-FFF2-40B4-BE49-F238E27FC236}">
-                <a16:creationId xmlns:a16="http://schemas.microsoft.com/office/drawing/2014/main" id="{0CAFEE2A-10B7-407C-9218-E6CE16BCC795}"/>
+                <a16:creationId xmlns:a16="http://schemas.microsoft.com/office/drawing/2014/main" xmlns="" id="{0CAFEE2A-10B7-407C-9218-E6CE16BCC795}"/>
               </a:ext>
             </a:extLst>
           </p:cNvPr>
@@ -10907,75 +11255,139 @@
           <a:lstStyle/>
           <a:p>
             <a:r>
-              <a:rPr lang="de-CH" dirty="0"/>
+              <a:rPr lang="de-CH" dirty="0">
+                <a:latin typeface="Roboto Light" charset="0"/>
+                <a:ea typeface="Roboto Light" charset="0"/>
+                <a:cs typeface="Roboto Light" charset="0"/>
+              </a:rPr>
               <a:t>1. Projektmethode SCRUM umsetzen</a:t>
             </a:r>
           </a:p>
           <a:p>
             <a:r>
-              <a:rPr lang="de-CH" dirty="0"/>
+              <a:rPr lang="de-CH" dirty="0">
+                <a:latin typeface="Roboto Light" charset="0"/>
+                <a:ea typeface="Roboto Light" charset="0"/>
+                <a:cs typeface="Roboto Light" charset="0"/>
+              </a:rPr>
               <a:t>2. </a:t>
             </a:r>
             <a:r>
-              <a:rPr lang="de-CH" dirty="0" err="1"/>
+              <a:rPr lang="de-CH" dirty="0" err="1" smtClean="0">
+                <a:latin typeface="Roboto Light" charset="0"/>
+                <a:ea typeface="Roboto Light" charset="0"/>
+                <a:cs typeface="Roboto Light" charset="0"/>
+              </a:rPr>
               <a:t>Node</a:t>
             </a:r>
             <a:r>
-              <a:rPr lang="de-CH" dirty="0"/>
-              <a:t> JS (Igor &amp; Fabrice)</a:t>
-            </a:r>
-          </a:p>
-          <a:p>
-            <a:r>
-              <a:rPr lang="de-CH" dirty="0"/>
+              <a:rPr lang="de-CH" dirty="0">
+                <a:latin typeface="Roboto Light" charset="0"/>
+                <a:ea typeface="Roboto Light" charset="0"/>
+                <a:cs typeface="Roboto Light" charset="0"/>
+              </a:rPr>
+              <a:t> </a:t>
+            </a:r>
+            <a:r>
+              <a:rPr lang="de-CH" dirty="0" smtClean="0">
+                <a:latin typeface="Roboto Light" charset="0"/>
+                <a:ea typeface="Roboto Light" charset="0"/>
+                <a:cs typeface="Roboto Light" charset="0"/>
+              </a:rPr>
+              <a:t>JS </a:t>
+            </a:r>
+            <a:r>
+              <a:rPr lang="de-CH" dirty="0">
+                <a:latin typeface="Roboto Light" charset="0"/>
+                <a:ea typeface="Roboto Light" charset="0"/>
+                <a:cs typeface="Roboto Light" charset="0"/>
+              </a:rPr>
+              <a:t>(Igor &amp; Fabrice)</a:t>
+            </a:r>
+          </a:p>
+          <a:p>
+            <a:r>
+              <a:rPr lang="de-CH" dirty="0">
+                <a:latin typeface="Roboto Light" charset="0"/>
+                <a:ea typeface="Roboto Light" charset="0"/>
+                <a:cs typeface="Roboto Light" charset="0"/>
+              </a:rPr>
               <a:t>3. Erweiterung Kompetenz (Fabian &amp; Leonard)</a:t>
             </a:r>
           </a:p>
           <a:p>
-            <a:endParaRPr lang="de-CH" dirty="0"/>
-          </a:p>
-          <a:p>
-            <a:r>
-              <a:rPr lang="de-CH" dirty="0"/>
+            <a:endParaRPr lang="de-CH" dirty="0">
+              <a:latin typeface="Roboto Light" charset="0"/>
+              <a:ea typeface="Roboto Light" charset="0"/>
+              <a:cs typeface="Roboto Light" charset="0"/>
+            </a:endParaRPr>
+          </a:p>
+          <a:p>
+            <a:r>
+              <a:rPr lang="de-CH" dirty="0">
+                <a:latin typeface="Roboto Light" charset="0"/>
+                <a:ea typeface="Roboto Light" charset="0"/>
+                <a:cs typeface="Roboto Light" charset="0"/>
+              </a:rPr>
               <a:t>Simple, benutzerbasierte Notizen App</a:t>
             </a:r>
           </a:p>
           <a:p>
             <a:pPr lvl="1"/>
             <a:r>
-              <a:rPr lang="de-CH" dirty="0"/>
+              <a:rPr lang="de-CH" dirty="0">
+                <a:latin typeface="Roboto Light" charset="0"/>
+                <a:ea typeface="Roboto Light" charset="0"/>
+                <a:cs typeface="Roboto Light" charset="0"/>
+              </a:rPr>
               <a:t>Notizen erstellen, löschen, bearbeiten</a:t>
             </a:r>
           </a:p>
           <a:p>
             <a:pPr lvl="1"/>
             <a:r>
-              <a:rPr lang="de-CH" dirty="0"/>
+              <a:rPr lang="de-CH" dirty="0">
+                <a:latin typeface="Roboto Light" charset="0"/>
+                <a:ea typeface="Roboto Light" charset="0"/>
+                <a:cs typeface="Roboto Light" charset="0"/>
+              </a:rPr>
               <a:t>Notizen teilen</a:t>
             </a:r>
           </a:p>
           <a:p>
             <a:pPr lvl="1"/>
             <a:r>
-              <a:rPr lang="de-CH" dirty="0"/>
+              <a:rPr lang="de-CH" dirty="0">
+                <a:latin typeface="Roboto Light" charset="0"/>
+                <a:ea typeface="Roboto Light" charset="0"/>
+                <a:cs typeface="Roboto Light" charset="0"/>
+              </a:rPr>
               <a:t>Notizen von anderen bearbeiten</a:t>
             </a:r>
           </a:p>
           <a:p>
             <a:pPr lvl="1"/>
-            <a:endParaRPr lang="de-CH" dirty="0"/>
-          </a:p>
-          <a:p>
-            <a:endParaRPr lang="de-CH" dirty="0"/>
+            <a:endParaRPr lang="de-CH" dirty="0">
+              <a:latin typeface="Roboto Light" charset="0"/>
+              <a:ea typeface="Roboto Light" charset="0"/>
+              <a:cs typeface="Roboto Light" charset="0"/>
+            </a:endParaRPr>
+          </a:p>
+          <a:p>
+            <a:endParaRPr lang="de-CH" dirty="0">
+              <a:latin typeface="Roboto Light" charset="0"/>
+              <a:ea typeface="Roboto Light" charset="0"/>
+              <a:cs typeface="Roboto Light" charset="0"/>
+            </a:endParaRPr>
           </a:p>
         </p:txBody>
       </p:sp>
       <p:pic>
         <p:nvPicPr>
-          <p:cNvPr id="5" name="Picture 4" descr="Image result">
+          <p:cNvPr id="5" name="Content Placeholder 4" descr="Image result">
             <a:extLst>
               <a:ext uri="{FF2B5EF4-FFF2-40B4-BE49-F238E27FC236}">
-                <a16:creationId xmlns:a16="http://schemas.microsoft.com/office/drawing/2014/main" id="{3B4C3F03-5C7E-42E7-A209-DE440E85257A}"/>
+                <a16:creationId xmlns:a16="http://schemas.microsoft.com/office/drawing/2014/main" xmlns="" id="{3B4C3F03-5C7E-42E7-A209-DE440E85257A}"/>
               </a:ext>
             </a:extLst>
           </p:cNvPr>
@@ -11029,6 +11441,13 @@
   <p:clrMapOvr>
     <a:masterClrMapping/>
   </p:clrMapOvr>
+  <p:timing>
+    <p:tnLst>
+      <p:par>
+        <p:cTn id="1" dur="indefinite" restart="never" nodeType="tmRoot"/>
+      </p:par>
+    </p:tnLst>
+  </p:timing>
 </p:sld>
 </file>
 
@@ -11081,10 +11500,18 @@
           <a:lstStyle/>
           <a:p>
             <a:r>
-              <a:rPr lang="en-US" dirty="0" err="1"/>
+              <a:rPr lang="de-CH" dirty="0" smtClean="0">
+                <a:latin typeface="Roboto Light" charset="0"/>
+                <a:ea typeface="Roboto Light" charset="0"/>
+                <a:cs typeface="Roboto Light" charset="0"/>
+              </a:rPr>
               <a:t>Meilensteine</a:t>
             </a:r>
-            <a:endParaRPr lang="en-US" dirty="0"/>
+            <a:endParaRPr lang="de-CH" dirty="0">
+              <a:latin typeface="Roboto Light" charset="0"/>
+              <a:ea typeface="Roboto Light" charset="0"/>
+              <a:cs typeface="Roboto Light" charset="0"/>
+            </a:endParaRPr>
           </a:p>
         </p:txBody>
       </p:sp>
@@ -11110,93 +11537,51 @@
           <a:lstStyle/>
           <a:p>
             <a:r>
-              <a:rPr lang="en-US" sz="1800" dirty="0" err="1">
-                <a:latin typeface="Roboto Light" charset="0"/>
-                <a:ea typeface="Roboto Light" charset="0"/>
-                <a:cs typeface="Roboto Light" charset="0"/>
-              </a:rPr>
-              <a:t>Benutzerbasiert</a:t>
-            </a:r>
-            <a:r>
-              <a:rPr lang="en-US" sz="1800" dirty="0">
-                <a:latin typeface="Roboto Light" charset="0"/>
-                <a:ea typeface="Roboto Light" charset="0"/>
-                <a:cs typeface="Roboto Light" charset="0"/>
-              </a:rPr>
-              <a:t>:</a:t>
+              <a:rPr lang="de-CH" sz="1800" dirty="0" smtClean="0">
+                <a:latin typeface="Roboto Light" charset="0"/>
+                <a:ea typeface="Roboto Light" charset="0"/>
+                <a:cs typeface="Roboto Light" charset="0"/>
+              </a:rPr>
+              <a:t>Benutzerbasiert:</a:t>
             </a:r>
           </a:p>
           <a:p>
             <a:pPr lvl="1"/>
             <a:r>
-              <a:rPr lang="en-US" sz="1600" dirty="0">
-                <a:latin typeface="Roboto Light" charset="0"/>
-                <a:ea typeface="Roboto Light" charset="0"/>
-                <a:cs typeface="Roboto Light" charset="0"/>
-              </a:rPr>
-              <a:t>Account </a:t>
-            </a:r>
-            <a:r>
-              <a:rPr lang="en-US" sz="1600" dirty="0" err="1">
-                <a:latin typeface="Roboto Light" charset="0"/>
-                <a:ea typeface="Roboto Light" charset="0"/>
-                <a:cs typeface="Roboto Light" charset="0"/>
-              </a:rPr>
-              <a:t>erstellen</a:t>
-            </a:r>
-            <a:endParaRPr lang="en-US" sz="1600" dirty="0">
-              <a:latin typeface="Roboto Light" charset="0"/>
-              <a:ea typeface="Roboto Light" charset="0"/>
-              <a:cs typeface="Roboto Light" charset="0"/>
-            </a:endParaRPr>
+              <a:rPr lang="de-CH" sz="1600" dirty="0" smtClean="0">
+                <a:latin typeface="Roboto Light" charset="0"/>
+                <a:ea typeface="Roboto Light" charset="0"/>
+                <a:cs typeface="Roboto Light" charset="0"/>
+              </a:rPr>
+              <a:t>Account erstellen</a:t>
+            </a:r>
           </a:p>
           <a:p>
             <a:pPr lvl="1"/>
             <a:r>
-              <a:rPr lang="en-US" sz="1600" dirty="0" err="1">
-                <a:latin typeface="Roboto Light" charset="0"/>
-                <a:ea typeface="Roboto Light" charset="0"/>
-                <a:cs typeface="Roboto Light" charset="0"/>
-              </a:rPr>
-              <a:t>Mit</a:t>
-            </a:r>
-            <a:r>
-              <a:rPr lang="en-US" sz="1600" dirty="0">
-                <a:latin typeface="Roboto Light" charset="0"/>
-                <a:ea typeface="Roboto Light" charset="0"/>
-                <a:cs typeface="Roboto Light" charset="0"/>
-              </a:rPr>
-              <a:t> </a:t>
-            </a:r>
-            <a:r>
-              <a:rPr lang="en-US" sz="1600" dirty="0" err="1">
-                <a:latin typeface="Roboto Light" charset="0"/>
-                <a:ea typeface="Roboto Light" charset="0"/>
-                <a:cs typeface="Roboto Light" charset="0"/>
-              </a:rPr>
-              <a:t>seinen</a:t>
-            </a:r>
-            <a:r>
-              <a:rPr lang="en-US" sz="1600" dirty="0">
-                <a:latin typeface="Roboto Light" charset="0"/>
-                <a:ea typeface="Roboto Light" charset="0"/>
-                <a:cs typeface="Roboto Light" charset="0"/>
-              </a:rPr>
-              <a:t> account-details </a:t>
-            </a:r>
-            <a:r>
-              <a:rPr lang="en-US" sz="1600" dirty="0" err="1">
-                <a:latin typeface="Roboto Light" charset="0"/>
-                <a:ea typeface="Roboto Light" charset="0"/>
-                <a:cs typeface="Roboto Light" charset="0"/>
-              </a:rPr>
-              <a:t>einloggen</a:t>
-            </a:r>
-            <a:endParaRPr lang="en-US" sz="1600" dirty="0">
-              <a:latin typeface="Roboto Light" charset="0"/>
-              <a:ea typeface="Roboto Light" charset="0"/>
-              <a:cs typeface="Roboto Light" charset="0"/>
-            </a:endParaRPr>
+              <a:rPr lang="de-CH" sz="1600" dirty="0" smtClean="0">
+                <a:latin typeface="Roboto Light" charset="0"/>
+                <a:ea typeface="Roboto Light" charset="0"/>
+                <a:cs typeface="Roboto Light" charset="0"/>
+              </a:rPr>
+              <a:t>Mit seinen </a:t>
+            </a:r>
+            <a:r>
+              <a:rPr lang="de-CH" sz="1600" dirty="0">
+                <a:latin typeface="Roboto Light" charset="0"/>
+                <a:ea typeface="Roboto Light" charset="0"/>
+                <a:cs typeface="Roboto Light" charset="0"/>
+              </a:rPr>
+              <a:t>A</a:t>
+            </a:r>
+            <a:r>
+              <a:rPr lang="de-CH" sz="1600" dirty="0" smtClean="0">
+                <a:latin typeface="Roboto Light" charset="0"/>
+                <a:ea typeface="Roboto Light" charset="0"/>
+                <a:cs typeface="Roboto Light" charset="0"/>
+              </a:rPr>
+              <a:t>ccount-details einloggen</a:t>
+            </a:r>
           </a:p>
           <a:p>
             <a:pPr>
@@ -11204,50 +11589,13 @@
               <a:buChar char="•"/>
             </a:pPr>
             <a:r>
-              <a:rPr lang="en-US" sz="1800" dirty="0" err="1">
-                <a:latin typeface="Roboto Light" charset="0"/>
-                <a:ea typeface="Roboto Light" charset="0"/>
-                <a:cs typeface="Roboto Light" charset="0"/>
-              </a:rPr>
-              <a:t>Notizen</a:t>
-            </a:r>
-            <a:r>
-              <a:rPr lang="en-US" sz="1800" dirty="0">
-                <a:latin typeface="Roboto Light" charset="0"/>
-                <a:ea typeface="Roboto Light" charset="0"/>
-                <a:cs typeface="Roboto Light" charset="0"/>
-              </a:rPr>
-              <a:t> in </a:t>
-            </a:r>
-            <a:r>
-              <a:rPr lang="en-US" sz="1800" dirty="0" err="1">
-                <a:latin typeface="Roboto Light" charset="0"/>
-                <a:ea typeface="Roboto Light" charset="0"/>
-                <a:cs typeface="Roboto Light" charset="0"/>
-              </a:rPr>
-              <a:t>Textform</a:t>
-            </a:r>
-            <a:r>
-              <a:rPr lang="en-US" sz="1800" dirty="0">
-                <a:latin typeface="Roboto Light" charset="0"/>
-                <a:ea typeface="Roboto Light" charset="0"/>
-                <a:cs typeface="Roboto Light" charset="0"/>
-              </a:rPr>
-              <a:t> </a:t>
-            </a:r>
-            <a:r>
-              <a:rPr lang="en-US" sz="1800" dirty="0" err="1">
-                <a:latin typeface="Roboto Light" charset="0"/>
-                <a:ea typeface="Roboto Light" charset="0"/>
-                <a:cs typeface="Roboto Light" charset="0"/>
-              </a:rPr>
-              <a:t>verfassen</a:t>
-            </a:r>
-            <a:endParaRPr lang="en-US" sz="1800" dirty="0">
-              <a:latin typeface="Roboto Light" charset="0"/>
-              <a:ea typeface="Roboto Light" charset="0"/>
-              <a:cs typeface="Roboto Light" charset="0"/>
-            </a:endParaRPr>
+              <a:rPr lang="de-CH" sz="1800" dirty="0" smtClean="0">
+                <a:latin typeface="Roboto Light" charset="0"/>
+                <a:ea typeface="Roboto Light" charset="0"/>
+                <a:cs typeface="Roboto Light" charset="0"/>
+              </a:rPr>
+              <a:t>Notizen in Textform verfassen</a:t>
+            </a:r>
           </a:p>
           <a:p>
             <a:pPr lvl="1">
@@ -11255,66 +11603,13 @@
               <a:buChar char="•"/>
             </a:pPr>
             <a:r>
-              <a:rPr lang="en-US" sz="1600" dirty="0" err="1">
-                <a:latin typeface="Roboto Light" charset="0"/>
-                <a:ea typeface="Roboto Light" charset="0"/>
-                <a:cs typeface="Roboto Light" charset="0"/>
-              </a:rPr>
-              <a:t>Werden</a:t>
-            </a:r>
-            <a:r>
-              <a:rPr lang="en-US" sz="1600" dirty="0">
-                <a:latin typeface="Roboto Light" charset="0"/>
-                <a:ea typeface="Roboto Light" charset="0"/>
-                <a:cs typeface="Roboto Light" charset="0"/>
-              </a:rPr>
-              <a:t> </a:t>
-            </a:r>
-            <a:r>
-              <a:rPr lang="en-US" sz="1600" dirty="0" err="1">
-                <a:latin typeface="Roboto Light" charset="0"/>
-                <a:ea typeface="Roboto Light" charset="0"/>
-                <a:cs typeface="Roboto Light" charset="0"/>
-              </a:rPr>
-              <a:t>automatisch</a:t>
-            </a:r>
-            <a:r>
-              <a:rPr lang="en-US" sz="1600" dirty="0">
-                <a:latin typeface="Roboto Light" charset="0"/>
-                <a:ea typeface="Roboto Light" charset="0"/>
-                <a:cs typeface="Roboto Light" charset="0"/>
-              </a:rPr>
-              <a:t> </a:t>
-            </a:r>
-            <a:r>
-              <a:rPr lang="en-US" sz="1600" dirty="0" err="1">
-                <a:latin typeface="Roboto Light" charset="0"/>
-                <a:ea typeface="Roboto Light" charset="0"/>
-                <a:cs typeface="Roboto Light" charset="0"/>
-              </a:rPr>
-              <a:t>gespeichert</a:t>
-            </a:r>
-            <a:r>
-              <a:rPr lang="en-US" sz="1600" dirty="0">
-                <a:latin typeface="Roboto Light" charset="0"/>
-                <a:ea typeface="Roboto Light" charset="0"/>
-                <a:cs typeface="Roboto Light" charset="0"/>
-              </a:rPr>
-              <a:t> via </a:t>
-            </a:r>
-            <a:r>
-              <a:rPr lang="en-US" sz="1600" dirty="0" err="1">
-                <a:latin typeface="Roboto Light" charset="0"/>
-                <a:ea typeface="Roboto Light" charset="0"/>
-                <a:cs typeface="Roboto Light" charset="0"/>
-              </a:rPr>
-              <a:t>Websocket</a:t>
-            </a:r>
-            <a:endParaRPr lang="en-US" sz="1600" dirty="0">
-              <a:latin typeface="Roboto Light" charset="0"/>
-              <a:ea typeface="Roboto Light" charset="0"/>
-              <a:cs typeface="Roboto Light" charset="0"/>
-            </a:endParaRPr>
+              <a:rPr lang="de-CH" sz="1600" dirty="0" smtClean="0">
+                <a:latin typeface="Roboto Light" charset="0"/>
+                <a:ea typeface="Roboto Light" charset="0"/>
+                <a:cs typeface="Roboto Light" charset="0"/>
+              </a:rPr>
+              <a:t>Werden automatisch gespeichert via Websocket</a:t>
+            </a:r>
           </a:p>
           <a:p>
             <a:pPr>
@@ -11322,34 +11617,13 @@
               <a:buChar char="•"/>
             </a:pPr>
             <a:r>
-              <a:rPr lang="en-US" sz="1800" dirty="0" err="1">
-                <a:latin typeface="Roboto Light" charset="0"/>
-                <a:ea typeface="Roboto Light" charset="0"/>
-                <a:cs typeface="Roboto Light" charset="0"/>
-              </a:rPr>
-              <a:t>Notizen</a:t>
-            </a:r>
-            <a:r>
-              <a:rPr lang="en-US" sz="1800" dirty="0">
-                <a:latin typeface="Roboto Light" charset="0"/>
-                <a:ea typeface="Roboto Light" charset="0"/>
-                <a:cs typeface="Roboto Light" charset="0"/>
-              </a:rPr>
-              <a:t> </a:t>
-            </a:r>
-            <a:r>
-              <a:rPr lang="en-US" sz="1800" dirty="0" err="1">
-                <a:latin typeface="Roboto Light" charset="0"/>
-                <a:ea typeface="Roboto Light" charset="0"/>
-                <a:cs typeface="Roboto Light" charset="0"/>
-              </a:rPr>
-              <a:t>anschauen</a:t>
-            </a:r>
-            <a:endParaRPr lang="en-US" sz="1800" dirty="0">
-              <a:latin typeface="Roboto Light" charset="0"/>
-              <a:ea typeface="Roboto Light" charset="0"/>
-              <a:cs typeface="Roboto Light" charset="0"/>
-            </a:endParaRPr>
+              <a:rPr lang="de-CH" sz="1800" dirty="0" smtClean="0">
+                <a:latin typeface="Roboto Light" charset="0"/>
+                <a:ea typeface="Roboto Light" charset="0"/>
+                <a:cs typeface="Roboto Light" charset="0"/>
+              </a:rPr>
+              <a:t>Notizen anschauen</a:t>
+            </a:r>
           </a:p>
           <a:p>
             <a:pPr lvl="1">
@@ -11357,58 +11631,37 @@
               <a:buChar char="•"/>
             </a:pPr>
             <a:r>
-              <a:rPr lang="en-US" sz="1600" dirty="0">
-                <a:latin typeface="Roboto Light" charset="0"/>
-                <a:ea typeface="Roboto Light" charset="0"/>
-                <a:cs typeface="Roboto Light" charset="0"/>
-              </a:rPr>
-              <a:t>Markdown Syntax </a:t>
-            </a:r>
-            <a:r>
-              <a:rPr lang="en-US" sz="1600" dirty="0" err="1">
-                <a:latin typeface="Roboto Light" charset="0"/>
-                <a:ea typeface="Roboto Light" charset="0"/>
-                <a:cs typeface="Roboto Light" charset="0"/>
-              </a:rPr>
-              <a:t>wird</a:t>
-            </a:r>
-            <a:r>
-              <a:rPr lang="en-US" sz="1600" dirty="0">
-                <a:latin typeface="Roboto Light" charset="0"/>
-                <a:ea typeface="Roboto Light" charset="0"/>
-                <a:cs typeface="Roboto Light" charset="0"/>
-              </a:rPr>
-              <a:t> </a:t>
-            </a:r>
-            <a:r>
-              <a:rPr lang="en-US" sz="1600" dirty="0" err="1">
-                <a:latin typeface="Roboto Light" charset="0"/>
-                <a:ea typeface="Roboto Light" charset="0"/>
-                <a:cs typeface="Roboto Light" charset="0"/>
-              </a:rPr>
-              <a:t>à</a:t>
-            </a:r>
-            <a:r>
-              <a:rPr lang="en-US" sz="1600" dirty="0">
-                <a:latin typeface="Roboto Light" charset="0"/>
-                <a:ea typeface="Roboto Light" charset="0"/>
-                <a:cs typeface="Roboto Light" charset="0"/>
-              </a:rPr>
-              <a:t> la GitHub </a:t>
-            </a:r>
-            <a:r>
-              <a:rPr lang="en-US" sz="1600" dirty="0" err="1">
-                <a:latin typeface="Roboto Light" charset="0"/>
-                <a:ea typeface="Roboto Light" charset="0"/>
-                <a:cs typeface="Roboto Light" charset="0"/>
-              </a:rPr>
-              <a:t>dargestellt</a:t>
-            </a:r>
-            <a:endParaRPr lang="en-US" sz="1600" dirty="0">
-              <a:latin typeface="Roboto Light" charset="0"/>
-              <a:ea typeface="Roboto Light" charset="0"/>
-              <a:cs typeface="Roboto Light" charset="0"/>
-            </a:endParaRPr>
+              <a:rPr lang="de-CH" sz="1600" dirty="0" err="1" smtClean="0">
+                <a:latin typeface="Roboto Light" charset="0"/>
+                <a:ea typeface="Roboto Light" charset="0"/>
+                <a:cs typeface="Roboto Light" charset="0"/>
+              </a:rPr>
+              <a:t>Markdown</a:t>
+            </a:r>
+            <a:r>
+              <a:rPr lang="de-CH" sz="1600" dirty="0" smtClean="0">
+                <a:latin typeface="Roboto Light" charset="0"/>
+                <a:ea typeface="Roboto Light" charset="0"/>
+                <a:cs typeface="Roboto Light" charset="0"/>
+              </a:rPr>
+              <a:t> Syntax wird à la </a:t>
+            </a:r>
+            <a:r>
+              <a:rPr lang="de-CH" sz="1600" dirty="0" err="1" smtClean="0">
+                <a:latin typeface="Roboto Light" charset="0"/>
+                <a:ea typeface="Roboto Light" charset="0"/>
+                <a:cs typeface="Roboto Light" charset="0"/>
+              </a:rPr>
+              <a:t>GitHub</a:t>
+            </a:r>
+            <a:r>
+              <a:rPr lang="de-CH" sz="1600" dirty="0" smtClean="0">
+                <a:latin typeface="Roboto Light" charset="0"/>
+                <a:ea typeface="Roboto Light" charset="0"/>
+                <a:cs typeface="Roboto Light" charset="0"/>
+              </a:rPr>
+              <a:t> dargestellt</a:t>
+            </a:r>
           </a:p>
           <a:p>
             <a:pPr>
@@ -11416,114 +11669,13 @@
               <a:buChar char="•"/>
             </a:pPr>
             <a:r>
-              <a:rPr lang="en-US" sz="1800" dirty="0" err="1">
-                <a:latin typeface="Roboto Light" charset="0"/>
-                <a:ea typeface="Roboto Light" charset="0"/>
-                <a:cs typeface="Roboto Light" charset="0"/>
-              </a:rPr>
-              <a:t>Notizen</a:t>
-            </a:r>
-            <a:r>
-              <a:rPr lang="en-US" sz="1800" dirty="0">
-                <a:latin typeface="Roboto Light" charset="0"/>
-                <a:ea typeface="Roboto Light" charset="0"/>
-                <a:cs typeface="Roboto Light" charset="0"/>
-              </a:rPr>
-              <a:t> </a:t>
-            </a:r>
-            <a:r>
-              <a:rPr lang="en-US" sz="1800" dirty="0" err="1">
-                <a:latin typeface="Roboto Light" charset="0"/>
-                <a:ea typeface="Roboto Light" charset="0"/>
-                <a:cs typeface="Roboto Light" charset="0"/>
-              </a:rPr>
-              <a:t>Inhalt</a:t>
-            </a:r>
-            <a:r>
-              <a:rPr lang="en-US" sz="1800" dirty="0">
-                <a:latin typeface="Roboto Light" charset="0"/>
-                <a:ea typeface="Roboto Light" charset="0"/>
-                <a:cs typeface="Roboto Light" charset="0"/>
-              </a:rPr>
-              <a:t> </a:t>
-            </a:r>
-            <a:r>
-              <a:rPr lang="en-US" sz="1800" dirty="0" err="1">
-                <a:latin typeface="Roboto Light" charset="0"/>
-                <a:ea typeface="Roboto Light" charset="0"/>
-                <a:cs typeface="Roboto Light" charset="0"/>
-              </a:rPr>
-              <a:t>bearbeiten</a:t>
-            </a:r>
-            <a:r>
-              <a:rPr lang="en-US" sz="1800" dirty="0">
-                <a:latin typeface="Roboto Light" charset="0"/>
-                <a:ea typeface="Roboto Light" charset="0"/>
-                <a:cs typeface="Roboto Light" charset="0"/>
-              </a:rPr>
-              <a:t> </a:t>
-            </a:r>
-            <a:r>
-              <a:rPr lang="en-US" sz="1800" dirty="0" err="1">
-                <a:latin typeface="Roboto Light" charset="0"/>
-                <a:ea typeface="Roboto Light" charset="0"/>
-                <a:cs typeface="Roboto Light" charset="0"/>
-              </a:rPr>
-              <a:t>oder</a:t>
-            </a:r>
-            <a:r>
-              <a:rPr lang="en-US" sz="1800" dirty="0">
-                <a:latin typeface="Roboto Light" charset="0"/>
-                <a:ea typeface="Roboto Light" charset="0"/>
-                <a:cs typeface="Roboto Light" charset="0"/>
-              </a:rPr>
-              <a:t> </a:t>
-            </a:r>
-            <a:r>
-              <a:rPr lang="en-US" sz="1800" dirty="0" err="1">
-                <a:latin typeface="Roboto Light" charset="0"/>
-                <a:ea typeface="Roboto Light" charset="0"/>
-                <a:cs typeface="Roboto Light" charset="0"/>
-              </a:rPr>
-              <a:t>gesamte</a:t>
-            </a:r>
-            <a:r>
-              <a:rPr lang="en-US" sz="1800" dirty="0">
-                <a:latin typeface="Roboto Light" charset="0"/>
-                <a:ea typeface="Roboto Light" charset="0"/>
-                <a:cs typeface="Roboto Light" charset="0"/>
-              </a:rPr>
-              <a:t> </a:t>
-            </a:r>
-            <a:r>
-              <a:rPr lang="en-US" sz="1800" dirty="0" err="1">
-                <a:latin typeface="Roboto Light" charset="0"/>
-                <a:ea typeface="Roboto Light" charset="0"/>
-                <a:cs typeface="Roboto Light" charset="0"/>
-              </a:rPr>
-              <a:t>Notiz</a:t>
-            </a:r>
-            <a:r>
-              <a:rPr lang="en-US" sz="1800" dirty="0">
-                <a:latin typeface="Roboto Light" charset="0"/>
-                <a:ea typeface="Roboto Light" charset="0"/>
-                <a:cs typeface="Roboto Light" charset="0"/>
-              </a:rPr>
-              <a:t> </a:t>
-            </a:r>
-            <a:r>
-              <a:rPr lang="en-US" sz="1800" dirty="0" err="1">
-                <a:latin typeface="Roboto Light" charset="0"/>
-                <a:ea typeface="Roboto Light" charset="0"/>
-                <a:cs typeface="Roboto Light" charset="0"/>
-              </a:rPr>
-              <a:t>löschen</a:t>
-            </a:r>
-            <a:endParaRPr lang="en-US" sz="1800" dirty="0">
-              <a:latin typeface="Roboto Light" charset="0"/>
-              <a:ea typeface="Roboto Light" charset="0"/>
-              <a:cs typeface="Roboto Light" charset="0"/>
-            </a:endParaRPr>
+              <a:rPr lang="de-CH" sz="1800" dirty="0" smtClean="0">
+                <a:latin typeface="Roboto Light" charset="0"/>
+                <a:ea typeface="Roboto Light" charset="0"/>
+                <a:cs typeface="Roboto Light" charset="0"/>
+              </a:rPr>
+              <a:t>Notizen Inhalt bearbeiten oder gesamte Notiz löschen</a:t>
+            </a:r>
           </a:p>
           <a:p>
             <a:pPr>
@@ -11531,62 +11683,14 @@
               <a:buChar char="•"/>
             </a:pPr>
             <a:r>
-              <a:rPr lang="en-US" sz="1800" dirty="0" err="1">
-                <a:latin typeface="Roboto Light" charset="0"/>
-                <a:ea typeface="Roboto Light" charset="0"/>
-                <a:cs typeface="Roboto Light" charset="0"/>
-              </a:rPr>
-              <a:t>Notizen</a:t>
-            </a:r>
-            <a:r>
-              <a:rPr lang="en-US" sz="1800" dirty="0">
-                <a:latin typeface="Roboto Light" charset="0"/>
-                <a:ea typeface="Roboto Light" charset="0"/>
-                <a:cs typeface="Roboto Light" charset="0"/>
-              </a:rPr>
-              <a:t> </a:t>
-            </a:r>
-            <a:r>
-              <a:rPr lang="en-US" sz="1800" dirty="0" err="1">
-                <a:latin typeface="Roboto Light" charset="0"/>
-                <a:ea typeface="Roboto Light" charset="0"/>
-                <a:cs typeface="Roboto Light" charset="0"/>
-              </a:rPr>
-              <a:t>mit</a:t>
-            </a:r>
-            <a:r>
-              <a:rPr lang="en-US" sz="1800" dirty="0">
-                <a:latin typeface="Roboto Light" charset="0"/>
-                <a:ea typeface="Roboto Light" charset="0"/>
-                <a:cs typeface="Roboto Light" charset="0"/>
-              </a:rPr>
-              <a:t> </a:t>
-            </a:r>
-            <a:r>
-              <a:rPr lang="en-US" sz="1800" dirty="0" err="1">
-                <a:latin typeface="Roboto Light" charset="0"/>
-                <a:ea typeface="Roboto Light" charset="0"/>
-                <a:cs typeface="Roboto Light" charset="0"/>
-              </a:rPr>
-              <a:t>Benutzern</a:t>
-            </a:r>
-            <a:r>
-              <a:rPr lang="en-US" sz="1800" dirty="0">
-                <a:latin typeface="Roboto Light" charset="0"/>
-                <a:ea typeface="Roboto Light" charset="0"/>
-                <a:cs typeface="Roboto Light" charset="0"/>
-              </a:rPr>
-              <a:t> </a:t>
-            </a:r>
-            <a:r>
-              <a:rPr lang="en-US" sz="1800" dirty="0" err="1">
-                <a:latin typeface="Roboto Light" charset="0"/>
-                <a:ea typeface="Roboto Light" charset="0"/>
-                <a:cs typeface="Roboto Light" charset="0"/>
-              </a:rPr>
-              <a:t>teilen</a:t>
-            </a:r>
-            <a:endParaRPr lang="en-US" sz="1800" dirty="0">
+              <a:rPr lang="de-CH" sz="1800" dirty="0" smtClean="0">
+                <a:latin typeface="Roboto Light" charset="0"/>
+                <a:ea typeface="Roboto Light" charset="0"/>
+                <a:cs typeface="Roboto Light" charset="0"/>
+              </a:rPr>
+              <a:t>Notizen mit Benutzern teilen</a:t>
+            </a:r>
+            <a:endParaRPr lang="de-CH" sz="1800" dirty="0">
               <a:latin typeface="Roboto Light" charset="0"/>
               <a:ea typeface="Roboto Light" charset="0"/>
               <a:cs typeface="Roboto Light" charset="0"/>
@@ -11604,6 +11708,13 @@
   <p:clrMapOvr>
     <a:masterClrMapping/>
   </p:clrMapOvr>
+  <p:timing>
+    <p:tnLst>
+      <p:par>
+        <p:cTn id="1" dur="indefinite" restart="never" nodeType="tmRoot"/>
+      </p:par>
+    </p:tnLst>
+  </p:timing>
 </p:sld>
 </file>
 
@@ -11640,29 +11751,34 @@
           <a:lstStyle/>
           <a:p>
             <a:r>
-              <a:rPr lang="en-US" dirty="0" err="1"/>
-              <a:t>Teambildungsprozess</a:t>
-            </a:r>
-            <a:r>
-              <a:rPr lang="en-US" dirty="0">
-                <a:latin typeface="Roboto Medium" charset="0"/>
-                <a:ea typeface="Roboto Medium" charset="0"/>
-                <a:cs typeface="Roboto Medium" charset="0"/>
-              </a:rPr>
-              <a:t> </a:t>
-            </a:r>
-            <a:r>
-              <a:rPr lang="en-US" dirty="0"/>
-              <a:t>(</a:t>
-            </a:r>
-            <a:r>
-              <a:rPr lang="en-US" dirty="0" err="1"/>
+              <a:rPr lang="de-CH" dirty="0" smtClean="0">
+                <a:latin typeface="Roboto Light" charset="0"/>
+                <a:ea typeface="Roboto Light" charset="0"/>
+                <a:cs typeface="Roboto Light" charset="0"/>
+              </a:rPr>
+              <a:t>Teambildungsprozess (</a:t>
+            </a:r>
+            <a:r>
+              <a:rPr lang="de-CH" dirty="0" err="1" smtClean="0">
+                <a:latin typeface="Roboto Light" charset="0"/>
+                <a:ea typeface="Roboto Light" charset="0"/>
+                <a:cs typeface="Roboto Light" charset="0"/>
+              </a:rPr>
               <a:t>Tuckmann</a:t>
             </a:r>
             <a:r>
-              <a:rPr lang="en-US" dirty="0"/>
+              <a:rPr lang="de-CH" dirty="0" smtClean="0">
+                <a:latin typeface="Roboto Light" charset="0"/>
+                <a:ea typeface="Roboto Light" charset="0"/>
+                <a:cs typeface="Roboto Light" charset="0"/>
+              </a:rPr>
               <a:t>)</a:t>
             </a:r>
+            <a:endParaRPr lang="de-CH" dirty="0">
+              <a:latin typeface="Roboto Light" charset="0"/>
+              <a:ea typeface="Roboto Light" charset="0"/>
+              <a:cs typeface="Roboto Light" charset="0"/>
+            </a:endParaRPr>
           </a:p>
         </p:txBody>
       </p:sp>
@@ -11682,485 +11798,66 @@
           <a:lstStyle/>
           <a:p>
             <a:r>
-              <a:rPr lang="en-US" i="1" dirty="0">
+              <a:rPr lang="de-CH" dirty="0" err="1" smtClean="0">
                 <a:latin typeface="Roboto Light" charset="0"/>
                 <a:ea typeface="Roboto Light" charset="0"/>
                 <a:cs typeface="Roboto Light" charset="0"/>
               </a:rPr>
               <a:t>Forming</a:t>
             </a:r>
-          </a:p>
-          <a:p>
-            <a:pPr lvl="1"/>
-            <a:r>
-              <a:rPr lang="en-US" dirty="0" err="1">
-                <a:latin typeface="Roboto Light" charset="0"/>
-                <a:ea typeface="Roboto Light" charset="0"/>
-                <a:cs typeface="Roboto Light" charset="0"/>
-              </a:rPr>
-              <a:t>Wir</a:t>
-            </a:r>
-            <a:r>
-              <a:rPr lang="en-US" dirty="0">
-                <a:latin typeface="Roboto Light" charset="0"/>
-                <a:ea typeface="Roboto Light" charset="0"/>
-                <a:cs typeface="Roboto Light" charset="0"/>
-              </a:rPr>
-              <a:t> </a:t>
-            </a:r>
-            <a:r>
-              <a:rPr lang="en-US" dirty="0" err="1">
-                <a:latin typeface="Roboto Light" charset="0"/>
-                <a:ea typeface="Roboto Light" charset="0"/>
-                <a:cs typeface="Roboto Light" charset="0"/>
-              </a:rPr>
-              <a:t>kennen</a:t>
-            </a:r>
-            <a:r>
-              <a:rPr lang="en-US" dirty="0">
-                <a:latin typeface="Roboto Light" charset="0"/>
-                <a:ea typeface="Roboto Light" charset="0"/>
-                <a:cs typeface="Roboto Light" charset="0"/>
-              </a:rPr>
-              <a:t> </a:t>
-            </a:r>
-            <a:r>
-              <a:rPr lang="en-US" dirty="0" err="1">
-                <a:latin typeface="Roboto Light" charset="0"/>
-                <a:ea typeface="Roboto Light" charset="0"/>
-                <a:cs typeface="Roboto Light" charset="0"/>
-              </a:rPr>
-              <a:t>uns</a:t>
-            </a:r>
-            <a:r>
-              <a:rPr lang="en-US" dirty="0">
-                <a:latin typeface="Roboto Light" charset="0"/>
-                <a:ea typeface="Roboto Light" charset="0"/>
-                <a:cs typeface="Roboto Light" charset="0"/>
-              </a:rPr>
-              <a:t> </a:t>
-            </a:r>
-            <a:r>
-              <a:rPr lang="en-US" dirty="0" err="1">
-                <a:latin typeface="Roboto Light" charset="0"/>
-                <a:ea typeface="Roboto Light" charset="0"/>
-                <a:cs typeface="Roboto Light" charset="0"/>
-              </a:rPr>
-              <a:t>bereits</a:t>
-            </a:r>
-            <a:r>
-              <a:rPr lang="en-US" dirty="0">
-                <a:latin typeface="Roboto Light" charset="0"/>
-                <a:ea typeface="Roboto Light" charset="0"/>
-                <a:cs typeface="Roboto Light" charset="0"/>
-              </a:rPr>
-              <a:t> gut und da </a:t>
-            </a:r>
-            <a:r>
-              <a:rPr lang="en-US" dirty="0" err="1">
-                <a:latin typeface="Roboto Light" charset="0"/>
-                <a:ea typeface="Roboto Light" charset="0"/>
-                <a:cs typeface="Roboto Light" charset="0"/>
-              </a:rPr>
-              <a:t>formte</a:t>
-            </a:r>
-            <a:r>
-              <a:rPr lang="en-US" dirty="0">
-                <a:latin typeface="Roboto Light" charset="0"/>
-                <a:ea typeface="Roboto Light" charset="0"/>
-                <a:cs typeface="Roboto Light" charset="0"/>
-              </a:rPr>
-              <a:t> </a:t>
-            </a:r>
-            <a:r>
-              <a:rPr lang="en-US" dirty="0" err="1">
-                <a:latin typeface="Roboto Light" charset="0"/>
-                <a:ea typeface="Roboto Light" charset="0"/>
-                <a:cs typeface="Roboto Light" charset="0"/>
-              </a:rPr>
-              <a:t>sich</a:t>
-            </a:r>
-            <a:r>
-              <a:rPr lang="en-US" dirty="0">
-                <a:latin typeface="Roboto Light" charset="0"/>
-                <a:ea typeface="Roboto Light" charset="0"/>
-                <a:cs typeface="Roboto Light" charset="0"/>
-              </a:rPr>
-              <a:t> die Gruppe </a:t>
-            </a:r>
-            <a:r>
-              <a:rPr lang="en-US" dirty="0" err="1">
-                <a:latin typeface="Roboto Light" charset="0"/>
-                <a:ea typeface="Roboto Light" charset="0"/>
-                <a:cs typeface="Roboto Light" charset="0"/>
-              </a:rPr>
-              <a:t>recht</a:t>
-            </a:r>
-            <a:r>
-              <a:rPr lang="en-US" dirty="0">
-                <a:latin typeface="Roboto Light" charset="0"/>
-                <a:ea typeface="Roboto Light" charset="0"/>
-                <a:cs typeface="Roboto Light" charset="0"/>
-              </a:rPr>
-              <a:t> </a:t>
-            </a:r>
-            <a:r>
-              <a:rPr lang="en-US" dirty="0" err="1">
-                <a:latin typeface="Roboto Light" charset="0"/>
-                <a:ea typeface="Roboto Light" charset="0"/>
-                <a:cs typeface="Roboto Light" charset="0"/>
-              </a:rPr>
-              <a:t>schnell</a:t>
-            </a:r>
-            <a:r>
-              <a:rPr lang="en-US" dirty="0">
-                <a:latin typeface="Roboto Light" charset="0"/>
-                <a:ea typeface="Roboto Light" charset="0"/>
-                <a:cs typeface="Roboto Light" charset="0"/>
-              </a:rPr>
-              <a:t>.</a:t>
-            </a:r>
-          </a:p>
-          <a:p>
-            <a:r>
-              <a:rPr lang="en-US" i="1" dirty="0">
-                <a:latin typeface="Roboto Light" charset="0"/>
-                <a:ea typeface="Roboto Light" charset="0"/>
-                <a:cs typeface="Roboto Light" charset="0"/>
-              </a:rPr>
-              <a:t>Storming</a:t>
-            </a:r>
-          </a:p>
-          <a:p>
-            <a:pPr lvl="1"/>
-            <a:r>
-              <a:rPr lang="en-US" dirty="0" err="1">
-                <a:latin typeface="Roboto Light" charset="0"/>
-                <a:ea typeface="Roboto Light" charset="0"/>
-                <a:cs typeface="Roboto Light" charset="0"/>
-              </a:rPr>
-              <a:t>Wir</a:t>
-            </a:r>
-            <a:r>
-              <a:rPr lang="en-US" dirty="0">
-                <a:latin typeface="Roboto Light" charset="0"/>
-                <a:ea typeface="Roboto Light" charset="0"/>
-                <a:cs typeface="Roboto Light" charset="0"/>
-              </a:rPr>
-              <a:t> </a:t>
-            </a:r>
-            <a:r>
-              <a:rPr lang="en-US" dirty="0" err="1">
-                <a:latin typeface="Roboto Light" charset="0"/>
-                <a:ea typeface="Roboto Light" charset="0"/>
-                <a:cs typeface="Roboto Light" charset="0"/>
-              </a:rPr>
-              <a:t>kamen</a:t>
-            </a:r>
-            <a:r>
-              <a:rPr lang="en-US" dirty="0">
-                <a:latin typeface="Roboto Light" charset="0"/>
-                <a:ea typeface="Roboto Light" charset="0"/>
-                <a:cs typeface="Roboto Light" charset="0"/>
-              </a:rPr>
-              <a:t> </a:t>
-            </a:r>
-            <a:r>
-              <a:rPr lang="en-US" dirty="0" err="1">
-                <a:latin typeface="Roboto Light" charset="0"/>
-                <a:ea typeface="Roboto Light" charset="0"/>
-                <a:cs typeface="Roboto Light" charset="0"/>
-              </a:rPr>
-              <a:t>schnell</a:t>
-            </a:r>
-            <a:r>
-              <a:rPr lang="en-US" dirty="0">
-                <a:latin typeface="Roboto Light" charset="0"/>
-                <a:ea typeface="Roboto Light" charset="0"/>
-                <a:cs typeface="Roboto Light" charset="0"/>
-              </a:rPr>
-              <a:t> auf </a:t>
-            </a:r>
-            <a:r>
-              <a:rPr lang="en-US" dirty="0" err="1">
-                <a:latin typeface="Roboto Light" charset="0"/>
-                <a:ea typeface="Roboto Light" charset="0"/>
-                <a:cs typeface="Roboto Light" charset="0"/>
-              </a:rPr>
-              <a:t>eine</a:t>
-            </a:r>
-            <a:r>
-              <a:rPr lang="en-US" dirty="0">
-                <a:latin typeface="Roboto Light" charset="0"/>
-                <a:ea typeface="Roboto Light" charset="0"/>
-                <a:cs typeface="Roboto Light" charset="0"/>
-              </a:rPr>
-              <a:t> </a:t>
-            </a:r>
-            <a:r>
-              <a:rPr lang="en-US" dirty="0" err="1">
-                <a:latin typeface="Roboto Light" charset="0"/>
-                <a:ea typeface="Roboto Light" charset="0"/>
-                <a:cs typeface="Roboto Light" charset="0"/>
-              </a:rPr>
-              <a:t>Idee</a:t>
-            </a:r>
-            <a:r>
-              <a:rPr lang="en-US" dirty="0">
-                <a:latin typeface="Roboto Light" charset="0"/>
-                <a:ea typeface="Roboto Light" charset="0"/>
-                <a:cs typeface="Roboto Light" charset="0"/>
-              </a:rPr>
-              <a:t>, </a:t>
-            </a:r>
-            <a:r>
-              <a:rPr lang="en-US" dirty="0" err="1">
-                <a:latin typeface="Roboto Light" charset="0"/>
-                <a:ea typeface="Roboto Light" charset="0"/>
-                <a:cs typeface="Roboto Light" charset="0"/>
-              </a:rPr>
-              <a:t>weshalb</a:t>
-            </a:r>
-            <a:r>
-              <a:rPr lang="en-US" dirty="0">
-                <a:latin typeface="Roboto Light" charset="0"/>
-                <a:ea typeface="Roboto Light" charset="0"/>
-                <a:cs typeface="Roboto Light" charset="0"/>
-              </a:rPr>
-              <a:t> </a:t>
-            </a:r>
-            <a:r>
-              <a:rPr lang="en-US" dirty="0" err="1">
-                <a:latin typeface="Roboto Light" charset="0"/>
-                <a:ea typeface="Roboto Light" charset="0"/>
-                <a:cs typeface="Roboto Light" charset="0"/>
-              </a:rPr>
-              <a:t>diese</a:t>
-            </a:r>
-            <a:r>
-              <a:rPr lang="en-US" dirty="0">
-                <a:latin typeface="Roboto Light" charset="0"/>
-                <a:ea typeface="Roboto Light" charset="0"/>
-                <a:cs typeface="Roboto Light" charset="0"/>
-              </a:rPr>
-              <a:t> Phase </a:t>
-            </a:r>
-            <a:r>
-              <a:rPr lang="en-US" dirty="0" err="1">
-                <a:latin typeface="Roboto Light" charset="0"/>
-                <a:ea typeface="Roboto Light" charset="0"/>
-                <a:cs typeface="Roboto Light" charset="0"/>
-              </a:rPr>
-              <a:t>nicht</a:t>
-            </a:r>
-            <a:r>
-              <a:rPr lang="en-US" dirty="0">
-                <a:latin typeface="Roboto Light" charset="0"/>
-                <a:ea typeface="Roboto Light" charset="0"/>
-                <a:cs typeface="Roboto Light" charset="0"/>
-              </a:rPr>
-              <a:t> </a:t>
-            </a:r>
-            <a:r>
-              <a:rPr lang="en-US" dirty="0" err="1">
-                <a:latin typeface="Roboto Light" charset="0"/>
-                <a:ea typeface="Roboto Light" charset="0"/>
-                <a:cs typeface="Roboto Light" charset="0"/>
-              </a:rPr>
-              <a:t>lange</a:t>
-            </a:r>
-            <a:r>
-              <a:rPr lang="en-US" dirty="0">
-                <a:latin typeface="Roboto Light" charset="0"/>
-                <a:ea typeface="Roboto Light" charset="0"/>
-                <a:cs typeface="Roboto Light" charset="0"/>
-              </a:rPr>
-              <a:t> </a:t>
-            </a:r>
-            <a:r>
-              <a:rPr lang="en-US" dirty="0" err="1">
-                <a:latin typeface="Roboto Light" charset="0"/>
-                <a:ea typeface="Roboto Light" charset="0"/>
-                <a:cs typeface="Roboto Light" charset="0"/>
-              </a:rPr>
-              <a:t>anhielt</a:t>
-            </a:r>
-            <a:endParaRPr lang="en-US" dirty="0">
+            <a:endParaRPr lang="de-CH" dirty="0" smtClean="0">
               <a:latin typeface="Roboto Light" charset="0"/>
               <a:ea typeface="Roboto Light" charset="0"/>
               <a:cs typeface="Roboto Light" charset="0"/>
             </a:endParaRPr>
           </a:p>
           <a:p>
-            <a:r>
-              <a:rPr lang="en-US" i="1" dirty="0">
-                <a:latin typeface="Roboto Light" charset="0"/>
-                <a:ea typeface="Roboto Light" charset="0"/>
-                <a:cs typeface="Roboto Light" charset="0"/>
-              </a:rPr>
-              <a:t>Norming</a:t>
-            </a:r>
-          </a:p>
-          <a:p>
             <a:pPr lvl="1"/>
             <a:r>
-              <a:rPr lang="en-US" dirty="0" err="1">
-                <a:latin typeface="Roboto Light" charset="0"/>
-                <a:ea typeface="Roboto Light" charset="0"/>
-                <a:cs typeface="Roboto Light" charset="0"/>
-              </a:rPr>
-              <a:t>Mit</a:t>
-            </a:r>
-            <a:r>
-              <a:rPr lang="en-US" dirty="0">
-                <a:latin typeface="Roboto Light" charset="0"/>
-                <a:ea typeface="Roboto Light" charset="0"/>
-                <a:cs typeface="Roboto Light" charset="0"/>
-              </a:rPr>
-              <a:t> </a:t>
-            </a:r>
-            <a:r>
-              <a:rPr lang="en-US" dirty="0" err="1">
-                <a:latin typeface="Roboto Light" charset="0"/>
-                <a:ea typeface="Roboto Light" charset="0"/>
-                <a:cs typeface="Roboto Light" charset="0"/>
-              </a:rPr>
-              <a:t>dem</a:t>
-            </a:r>
-            <a:r>
-              <a:rPr lang="en-US" dirty="0">
-                <a:latin typeface="Roboto Light" charset="0"/>
-                <a:ea typeface="Roboto Light" charset="0"/>
-                <a:cs typeface="Roboto Light" charset="0"/>
-              </a:rPr>
-              <a:t> </a:t>
-            </a:r>
-            <a:r>
-              <a:rPr lang="en-US" dirty="0" err="1">
-                <a:latin typeface="Roboto Light" charset="0"/>
-                <a:ea typeface="Roboto Light" charset="0"/>
-                <a:cs typeface="Roboto Light" charset="0"/>
-              </a:rPr>
-              <a:t>InvestorsPitch</a:t>
-            </a:r>
-            <a:r>
-              <a:rPr lang="en-US" dirty="0">
-                <a:latin typeface="Roboto Light" charset="0"/>
-                <a:ea typeface="Roboto Light" charset="0"/>
-                <a:cs typeface="Roboto Light" charset="0"/>
-              </a:rPr>
-              <a:t> </a:t>
-            </a:r>
-            <a:r>
-              <a:rPr lang="en-US" dirty="0" err="1">
-                <a:latin typeface="Roboto Light" charset="0"/>
-                <a:ea typeface="Roboto Light" charset="0"/>
-                <a:cs typeface="Roboto Light" charset="0"/>
-              </a:rPr>
-              <a:t>konnten</a:t>
-            </a:r>
-            <a:r>
-              <a:rPr lang="en-US" dirty="0">
-                <a:latin typeface="Roboto Light" charset="0"/>
-                <a:ea typeface="Roboto Light" charset="0"/>
-                <a:cs typeface="Roboto Light" charset="0"/>
-              </a:rPr>
-              <a:t> </a:t>
-            </a:r>
-            <a:r>
-              <a:rPr lang="en-US" dirty="0" err="1">
-                <a:latin typeface="Roboto Light" charset="0"/>
-                <a:ea typeface="Roboto Light" charset="0"/>
-                <a:cs typeface="Roboto Light" charset="0"/>
-              </a:rPr>
-              <a:t>wir</a:t>
-            </a:r>
-            <a:r>
-              <a:rPr lang="en-US" dirty="0">
-                <a:latin typeface="Roboto Light" charset="0"/>
-                <a:ea typeface="Roboto Light" charset="0"/>
-                <a:cs typeface="Roboto Light" charset="0"/>
-              </a:rPr>
-              <a:t> </a:t>
-            </a:r>
-            <a:r>
-              <a:rPr lang="en-US" dirty="0" err="1">
-                <a:latin typeface="Roboto Light" charset="0"/>
-                <a:ea typeface="Roboto Light" charset="0"/>
-                <a:cs typeface="Roboto Light" charset="0"/>
-              </a:rPr>
-              <a:t>diese</a:t>
-            </a:r>
-            <a:r>
-              <a:rPr lang="en-US" dirty="0">
-                <a:latin typeface="Roboto Light" charset="0"/>
-                <a:ea typeface="Roboto Light" charset="0"/>
-                <a:cs typeface="Roboto Light" charset="0"/>
-              </a:rPr>
-              <a:t> Phase </a:t>
-            </a:r>
-            <a:r>
-              <a:rPr lang="en-US" dirty="0" err="1">
-                <a:latin typeface="Roboto Light" charset="0"/>
-                <a:ea typeface="Roboto Light" charset="0"/>
-                <a:cs typeface="Roboto Light" charset="0"/>
-              </a:rPr>
-              <a:t>abschliessen</a:t>
-            </a:r>
-            <a:endParaRPr lang="en-US" dirty="0">
+              <a:rPr lang="de-CH" dirty="0" smtClean="0">
+                <a:latin typeface="Roboto Light" charset="0"/>
+                <a:ea typeface="Roboto Light" charset="0"/>
+                <a:cs typeface="Roboto Light" charset="0"/>
+              </a:rPr>
+              <a:t>Wir kennen uns bereits gut und da formte sich die Gruppe recht schnell.</a:t>
+            </a:r>
+          </a:p>
+          <a:p>
+            <a:r>
+              <a:rPr lang="de-CH" dirty="0" err="1" smtClean="0">
+                <a:latin typeface="Roboto Light" charset="0"/>
+                <a:ea typeface="Roboto Light" charset="0"/>
+                <a:cs typeface="Roboto Light" charset="0"/>
+              </a:rPr>
+              <a:t>Storming</a:t>
+            </a:r>
+            <a:endParaRPr lang="de-CH" dirty="0" smtClean="0">
               <a:latin typeface="Roboto Light" charset="0"/>
               <a:ea typeface="Roboto Light" charset="0"/>
               <a:cs typeface="Roboto Light" charset="0"/>
             </a:endParaRPr>
           </a:p>
           <a:p>
-            <a:r>
-              <a:rPr lang="en-US" i="1" dirty="0">
-                <a:latin typeface="Roboto Light" charset="0"/>
-                <a:ea typeface="Roboto Light" charset="0"/>
-                <a:cs typeface="Roboto Light" charset="0"/>
-              </a:rPr>
-              <a:t>Performing</a:t>
-            </a:r>
-          </a:p>
-          <a:p>
             <a:pPr lvl="1"/>
             <a:r>
-              <a:rPr lang="en-US" dirty="0">
-                <a:latin typeface="Roboto Light" charset="0"/>
-                <a:ea typeface="Roboto Light" charset="0"/>
-                <a:cs typeface="Roboto Light" charset="0"/>
-              </a:rPr>
-              <a:t>Die </a:t>
-            </a:r>
-            <a:r>
-              <a:rPr lang="en-US" dirty="0" err="1">
-                <a:latin typeface="Roboto Light" charset="0"/>
-                <a:ea typeface="Roboto Light" charset="0"/>
-                <a:cs typeface="Roboto Light" charset="0"/>
-              </a:rPr>
-              <a:t>längste</a:t>
-            </a:r>
-            <a:r>
-              <a:rPr lang="en-US" dirty="0">
-                <a:latin typeface="Roboto Light" charset="0"/>
-                <a:ea typeface="Roboto Light" charset="0"/>
-                <a:cs typeface="Roboto Light" charset="0"/>
-              </a:rPr>
-              <a:t> Phase</a:t>
-            </a:r>
-          </a:p>
-          <a:p>
-            <a:pPr lvl="1"/>
-            <a:r>
-              <a:rPr lang="en-US" dirty="0" err="1">
-                <a:latin typeface="Roboto Light" charset="0"/>
-                <a:ea typeface="Roboto Light" charset="0"/>
-                <a:cs typeface="Roboto Light" charset="0"/>
-              </a:rPr>
-              <a:t>Implementationsphase</a:t>
-            </a:r>
-            <a:endParaRPr lang="en-US" dirty="0">
+              <a:rPr lang="de-CH" dirty="0" smtClean="0">
+                <a:latin typeface="Roboto Light" charset="0"/>
+                <a:ea typeface="Roboto Light" charset="0"/>
+                <a:cs typeface="Roboto Light" charset="0"/>
+              </a:rPr>
+              <a:t>Wir kamen schnell auf eine Idee, weshalb diese Phase nicht lange anhielt</a:t>
+            </a:r>
+          </a:p>
+          <a:p>
+            <a:r>
+              <a:rPr lang="de-CH" dirty="0" err="1" smtClean="0">
+                <a:latin typeface="Roboto Light" charset="0"/>
+                <a:ea typeface="Roboto Light" charset="0"/>
+                <a:cs typeface="Roboto Light" charset="0"/>
+              </a:rPr>
+              <a:t>Norming</a:t>
+            </a:r>
+            <a:endParaRPr lang="de-CH" dirty="0" smtClean="0">
               <a:latin typeface="Roboto Light" charset="0"/>
               <a:ea typeface="Roboto Light" charset="0"/>
               <a:cs typeface="Roboto Light" charset="0"/>
@@ -12169,30 +11866,62 @@
           <a:p>
             <a:pPr lvl="1"/>
             <a:r>
-              <a:rPr lang="en-US" dirty="0" err="1">
-                <a:latin typeface="Roboto Light" charset="0"/>
-                <a:ea typeface="Roboto Light" charset="0"/>
-                <a:cs typeface="Roboto Light" charset="0"/>
-              </a:rPr>
-              <a:t>Viel</a:t>
-            </a:r>
-            <a:r>
-              <a:rPr lang="en-US" dirty="0">
-                <a:latin typeface="Roboto Light" charset="0"/>
-                <a:ea typeface="Roboto Light" charset="0"/>
-                <a:cs typeface="Roboto Light" charset="0"/>
-              </a:rPr>
-              <a:t> </a:t>
-            </a:r>
-            <a:r>
-              <a:rPr lang="en-US" dirty="0" err="1">
-                <a:latin typeface="Roboto Light" charset="0"/>
-                <a:ea typeface="Roboto Light" charset="0"/>
-                <a:cs typeface="Roboto Light" charset="0"/>
-              </a:rPr>
-              <a:t>Kommunikation</a:t>
-            </a:r>
-            <a:endParaRPr lang="en-US" dirty="0">
+              <a:rPr lang="de-CH" dirty="0" smtClean="0">
+                <a:latin typeface="Roboto Light" charset="0"/>
+                <a:ea typeface="Roboto Light" charset="0"/>
+                <a:cs typeface="Roboto Light" charset="0"/>
+              </a:rPr>
+              <a:t>Mit dem Investors Pitch konnten wir diese Phase abschliessen</a:t>
+            </a:r>
+          </a:p>
+          <a:p>
+            <a:r>
+              <a:rPr lang="de-CH" dirty="0" err="1" smtClean="0">
+                <a:latin typeface="Roboto Light" charset="0"/>
+                <a:ea typeface="Roboto Light" charset="0"/>
+                <a:cs typeface="Roboto Light" charset="0"/>
+              </a:rPr>
+              <a:t>Performing</a:t>
+            </a:r>
+            <a:endParaRPr lang="de-CH" dirty="0" smtClean="0">
+              <a:latin typeface="Roboto Light" charset="0"/>
+              <a:ea typeface="Roboto Light" charset="0"/>
+              <a:cs typeface="Roboto Light" charset="0"/>
+            </a:endParaRPr>
+          </a:p>
+          <a:p>
+            <a:pPr lvl="1"/>
+            <a:r>
+              <a:rPr lang="de-CH" dirty="0" smtClean="0">
+                <a:latin typeface="Roboto Light" charset="0"/>
+                <a:ea typeface="Roboto Light" charset="0"/>
+                <a:cs typeface="Roboto Light" charset="0"/>
+              </a:rPr>
+              <a:t>Die längste Phase</a:t>
+            </a:r>
+          </a:p>
+          <a:p>
+            <a:pPr lvl="1"/>
+            <a:r>
+              <a:rPr lang="de-CH" dirty="0" smtClean="0">
+                <a:latin typeface="Roboto Light" charset="0"/>
+                <a:ea typeface="Roboto Light" charset="0"/>
+                <a:cs typeface="Roboto Light" charset="0"/>
+              </a:rPr>
+              <a:t>Implementationsphase</a:t>
+            </a:r>
+          </a:p>
+          <a:p>
+            <a:pPr lvl="1"/>
+            <a:r>
+              <a:rPr lang="de-CH" dirty="0" smtClean="0">
+                <a:latin typeface="Roboto Light" charset="0"/>
+                <a:ea typeface="Roboto Light" charset="0"/>
+                <a:cs typeface="Roboto Light" charset="0"/>
+              </a:rPr>
+              <a:t>Viel Kommunikation</a:t>
+            </a:r>
+            <a:endParaRPr lang="de-CH" dirty="0">
               <a:latin typeface="Roboto Light" charset="0"/>
               <a:ea typeface="Roboto Light" charset="0"/>
               <a:cs typeface="Roboto Light" charset="0"/>
@@ -12210,6 +11939,13 @@
   <p:clrMapOvr>
     <a:masterClrMapping/>
   </p:clrMapOvr>
+  <p:timing>
+    <p:tnLst>
+      <p:par>
+        <p:cTn id="1" dur="indefinite" restart="never" nodeType="tmRoot"/>
+      </p:par>
+    </p:tnLst>
+  </p:timing>
 </p:sld>
 </file>
 
